--- a/lezioni/PASW08 - array - ricerca ordinamento.pptx
+++ b/lezioni/PASW08 - array - ricerca ordinamento.pptx
@@ -5,27 +5,43 @@
     <p:sldMasterId id="2147483649" r:id="rId1"/>
   </p:sldMasterIdLst>
   <p:notesMasterIdLst>
-    <p:notesMasterId r:id="rId20"/>
+    <p:notesMasterId r:id="rId36"/>
   </p:notesMasterIdLst>
   <p:sldIdLst>
     <p:sldId id="258" r:id="rId2"/>
-    <p:sldId id="259" r:id="rId3"/>
-    <p:sldId id="260" r:id="rId4"/>
-    <p:sldId id="261" r:id="rId5"/>
-    <p:sldId id="262" r:id="rId6"/>
-    <p:sldId id="263" r:id="rId7"/>
-    <p:sldId id="264" r:id="rId8"/>
-    <p:sldId id="265" r:id="rId9"/>
-    <p:sldId id="266" r:id="rId10"/>
-    <p:sldId id="267" r:id="rId11"/>
-    <p:sldId id="268" r:id="rId12"/>
-    <p:sldId id="269" r:id="rId13"/>
-    <p:sldId id="270" r:id="rId14"/>
-    <p:sldId id="271" r:id="rId15"/>
-    <p:sldId id="273" r:id="rId16"/>
-    <p:sldId id="272" r:id="rId17"/>
-    <p:sldId id="274" r:id="rId18"/>
-    <p:sldId id="275" r:id="rId19"/>
+    <p:sldId id="276" r:id="rId3"/>
+    <p:sldId id="277" r:id="rId4"/>
+    <p:sldId id="278" r:id="rId5"/>
+    <p:sldId id="279" r:id="rId6"/>
+    <p:sldId id="280" r:id="rId7"/>
+    <p:sldId id="281" r:id="rId8"/>
+    <p:sldId id="282" r:id="rId9"/>
+    <p:sldId id="283" r:id="rId10"/>
+    <p:sldId id="284" r:id="rId11"/>
+    <p:sldId id="285" r:id="rId12"/>
+    <p:sldId id="286" r:id="rId13"/>
+    <p:sldId id="287" r:id="rId14"/>
+    <p:sldId id="288" r:id="rId15"/>
+    <p:sldId id="289" r:id="rId16"/>
+    <p:sldId id="290" r:id="rId17"/>
+    <p:sldId id="291" r:id="rId18"/>
+    <p:sldId id="259" r:id="rId19"/>
+    <p:sldId id="260" r:id="rId20"/>
+    <p:sldId id="261" r:id="rId21"/>
+    <p:sldId id="262" r:id="rId22"/>
+    <p:sldId id="263" r:id="rId23"/>
+    <p:sldId id="264" r:id="rId24"/>
+    <p:sldId id="265" r:id="rId25"/>
+    <p:sldId id="266" r:id="rId26"/>
+    <p:sldId id="267" r:id="rId27"/>
+    <p:sldId id="268" r:id="rId28"/>
+    <p:sldId id="269" r:id="rId29"/>
+    <p:sldId id="270" r:id="rId30"/>
+    <p:sldId id="271" r:id="rId31"/>
+    <p:sldId id="273" r:id="rId32"/>
+    <p:sldId id="272" r:id="rId33"/>
+    <p:sldId id="274" r:id="rId34"/>
+    <p:sldId id="275" r:id="rId35"/>
   </p:sldIdLst>
   <p:sldSz cx="12192000" cy="6858000"/>
   <p:notesSz cx="6858000" cy="9144000"/>
@@ -255,7 +271,7 @@
           <a:p>
             <a:fld id="{537EE30C-6FCC-4D68-889C-61DBBB4BBB87}" type="datetimeFigureOut">
               <a:rPr lang="it-IT" smtClean="0"/>
-              <a:t>30/03/2018</a:t>
+              <a:t>22/04/2018</a:t>
             </a:fld>
             <a:endParaRPr lang="it-IT"/>
           </a:p>
@@ -5154,6 +5170,2603 @@
           <p:cNvPr id="2" name="Titolo 1">
             <a:extLst>
               <a:ext uri="{FF2B5EF4-FFF2-40B4-BE49-F238E27FC236}">
+                <a16:creationId xmlns:a16="http://schemas.microsoft.com/office/drawing/2014/main" id="{5982EF3E-E72C-419B-85EB-C672012B54C3}"/>
+              </a:ext>
+            </a:extLst>
+          </p:cNvPr>
+          <p:cNvSpPr>
+            <a:spLocks noGrp="1"/>
+          </p:cNvSpPr>
+          <p:nvPr>
+            <p:ph type="title"/>
+          </p:nvPr>
+        </p:nvSpPr>
+        <p:spPr/>
+        <p:txBody>
+          <a:bodyPr/>
+          <a:lstStyle/>
+          <a:p>
+            <a:r>
+              <a:rPr lang="it-IT" sz="2800" dirty="0"/>
+              <a:t>complessità temporale</a:t>
+            </a:r>
+          </a:p>
+        </p:txBody>
+      </p:sp>
+      <p:sp>
+        <p:nvSpPr>
+          <p:cNvPr id="3" name="Segnaposto contenuto 2">
+            <a:extLst>
+              <a:ext uri="{FF2B5EF4-FFF2-40B4-BE49-F238E27FC236}">
+                <a16:creationId xmlns:a16="http://schemas.microsoft.com/office/drawing/2014/main" id="{BD2AB690-E65C-479C-98CF-595311B2CE33}"/>
+              </a:ext>
+            </a:extLst>
+          </p:cNvPr>
+          <p:cNvSpPr>
+            <a:spLocks noGrp="1"/>
+          </p:cNvSpPr>
+          <p:nvPr>
+            <p:ph idx="1"/>
+          </p:nvPr>
+        </p:nvSpPr>
+        <p:spPr/>
+        <p:txBody>
+          <a:bodyPr/>
+          <a:lstStyle/>
+          <a:p>
+            <a:r>
+              <a:rPr lang="it-IT" b="1" i="1" dirty="0"/>
+              <a:t>O(1)</a:t>
+            </a:r>
+            <a:r>
+              <a:rPr lang="it-IT" dirty="0"/>
+              <a:t>		Complessità </a:t>
+            </a:r>
+            <a:r>
+              <a:rPr lang="it-IT" b="1" i="1" dirty="0"/>
+              <a:t>costante</a:t>
+            </a:r>
+          </a:p>
+          <a:p>
+            <a:r>
+              <a:rPr lang="it-IT" b="1" i="1" dirty="0"/>
+              <a:t>O(log n)</a:t>
+            </a:r>
+            <a:r>
+              <a:rPr lang="it-IT" dirty="0"/>
+              <a:t>		Complessità </a:t>
+            </a:r>
+            <a:r>
+              <a:rPr lang="it-IT" b="1" i="1" dirty="0"/>
+              <a:t>logaritmica</a:t>
+            </a:r>
+          </a:p>
+          <a:p>
+            <a:r>
+              <a:rPr lang="it-IT" b="1" i="1" dirty="0"/>
+              <a:t>O(n)</a:t>
+            </a:r>
+            <a:r>
+              <a:rPr lang="it-IT" dirty="0"/>
+              <a:t>		Complessità </a:t>
+            </a:r>
+            <a:r>
+              <a:rPr lang="it-IT" b="1" i="1" dirty="0"/>
+              <a:t>lineare</a:t>
+            </a:r>
+          </a:p>
+          <a:p>
+            <a:r>
+              <a:rPr lang="it-IT" b="1" i="1" dirty="0"/>
+              <a:t>O(n*log n)</a:t>
+            </a:r>
+            <a:r>
+              <a:rPr lang="it-IT" dirty="0"/>
+              <a:t>	Complessità </a:t>
+            </a:r>
+            <a:r>
+              <a:rPr lang="it-IT" b="1" i="1" dirty="0" err="1"/>
+              <a:t>pseudolineare</a:t>
+            </a:r>
+            <a:endParaRPr lang="it-IT" b="1" i="1" dirty="0"/>
+          </a:p>
+          <a:p>
+            <a:r>
+              <a:rPr lang="it-IT" b="1" i="1" dirty="0"/>
+              <a:t>O(n</a:t>
+            </a:r>
+            <a:r>
+              <a:rPr lang="it-IT" b="1" i="1" baseline="30000" dirty="0"/>
+              <a:t>2</a:t>
+            </a:r>
+            <a:r>
+              <a:rPr lang="it-IT" b="1" i="1" dirty="0"/>
+              <a:t>)</a:t>
+            </a:r>
+            <a:r>
+              <a:rPr lang="it-IT" dirty="0"/>
+              <a:t>		Complessità </a:t>
+            </a:r>
+            <a:r>
+              <a:rPr lang="it-IT" b="1" i="1" dirty="0"/>
+              <a:t>quadratica</a:t>
+            </a:r>
+          </a:p>
+          <a:p>
+            <a:r>
+              <a:rPr lang="it-IT" b="1" i="1" dirty="0"/>
+              <a:t>O(</a:t>
+            </a:r>
+            <a:r>
+              <a:rPr lang="it-IT" b="1" i="1" dirty="0" err="1"/>
+              <a:t>n</a:t>
+            </a:r>
+            <a:r>
+              <a:rPr lang="it-IT" b="1" i="1" baseline="30000" dirty="0" err="1"/>
+              <a:t>k</a:t>
+            </a:r>
+            <a:r>
+              <a:rPr lang="it-IT" b="1" i="1" dirty="0"/>
+              <a:t>)</a:t>
+            </a:r>
+            <a:r>
+              <a:rPr lang="it-IT" dirty="0"/>
+              <a:t>		Complessità </a:t>
+            </a:r>
+            <a:r>
+              <a:rPr lang="it-IT" b="1" i="1" dirty="0"/>
+              <a:t>polinomiale</a:t>
+            </a:r>
+          </a:p>
+          <a:p>
+            <a:r>
+              <a:rPr lang="it-IT" b="1" i="1" dirty="0"/>
+              <a:t>O(a</a:t>
+            </a:r>
+            <a:r>
+              <a:rPr lang="it-IT" b="1" i="1" baseline="30000" dirty="0"/>
+              <a:t>n</a:t>
+            </a:r>
+            <a:r>
+              <a:rPr lang="it-IT" b="1" i="1" dirty="0"/>
+              <a:t>)</a:t>
+            </a:r>
+            <a:r>
+              <a:rPr lang="it-IT" dirty="0"/>
+              <a:t>		Complessità </a:t>
+            </a:r>
+            <a:r>
+              <a:rPr lang="it-IT" b="1" i="1" dirty="0"/>
+              <a:t>esponenziale</a:t>
+            </a:r>
+          </a:p>
+          <a:p>
+            <a:endParaRPr lang="it-IT" dirty="0"/>
+          </a:p>
+        </p:txBody>
+      </p:sp>
+      <p:sp>
+        <p:nvSpPr>
+          <p:cNvPr id="4" name="Segnaposto piè di pagina 3">
+            <a:extLst>
+              <a:ext uri="{FF2B5EF4-FFF2-40B4-BE49-F238E27FC236}">
+                <a16:creationId xmlns:a16="http://schemas.microsoft.com/office/drawing/2014/main" id="{3A783601-D725-4886-B183-FD37159544A5}"/>
+              </a:ext>
+            </a:extLst>
+          </p:cNvPr>
+          <p:cNvSpPr>
+            <a:spLocks noGrp="1"/>
+          </p:cNvSpPr>
+          <p:nvPr>
+            <p:ph type="ftr" sz="quarter" idx="11"/>
+          </p:nvPr>
+        </p:nvSpPr>
+        <p:spPr/>
+        <p:txBody>
+          <a:bodyPr/>
+          <a:lstStyle/>
+          <a:p>
+            <a:pPr>
+              <a:defRPr/>
+            </a:pPr>
+            <a:r>
+              <a:rPr lang="it-IT"/>
+              <a:t>Alberto Ferrari – Programmazione di applicazioni SW</a:t>
+            </a:r>
+            <a:endParaRPr lang="it-IT" dirty="0"/>
+          </a:p>
+        </p:txBody>
+      </p:sp>
+    </p:spTree>
+    <p:extLst>
+      <p:ext uri="{BB962C8B-B14F-4D97-AF65-F5344CB8AC3E}">
+        <p14:creationId xmlns:p14="http://schemas.microsoft.com/office/powerpoint/2010/main" val="2012709648"/>
+      </p:ext>
+    </p:extLst>
+  </p:cSld>
+  <p:clrMapOvr>
+    <a:masterClrMapping/>
+  </p:clrMapOvr>
+</p:sld>
+</file>
+
+<file path=ppt/slides/slide11.xml><?xml version="1.0" encoding="utf-8"?>
+<p:sld xmlns:a="http://schemas.openxmlformats.org/drawingml/2006/main" xmlns:r="http://schemas.openxmlformats.org/officeDocument/2006/relationships" xmlns:p="http://schemas.openxmlformats.org/presentationml/2006/main">
+  <p:cSld>
+    <p:spTree>
+      <p:nvGrpSpPr>
+        <p:cNvPr id="1" name=""/>
+        <p:cNvGrpSpPr/>
+        <p:nvPr/>
+      </p:nvGrpSpPr>
+      <p:grpSpPr>
+        <a:xfrm>
+          <a:off x="0" y="0"/>
+          <a:ext cx="0" cy="0"/>
+          <a:chOff x="0" y="0"/>
+          <a:chExt cx="0" cy="0"/>
+        </a:xfrm>
+      </p:grpSpPr>
+      <p:sp>
+        <p:nvSpPr>
+          <p:cNvPr id="2" name="Titolo 1">
+            <a:extLst>
+              <a:ext uri="{FF2B5EF4-FFF2-40B4-BE49-F238E27FC236}">
+                <a16:creationId xmlns:a16="http://schemas.microsoft.com/office/drawing/2014/main" id="{552F613D-B648-46C5-9B1B-5AD23B96829D}"/>
+              </a:ext>
+            </a:extLst>
+          </p:cNvPr>
+          <p:cNvSpPr>
+            <a:spLocks noGrp="1"/>
+          </p:cNvSpPr>
+          <p:nvPr>
+            <p:ph type="title"/>
+          </p:nvPr>
+        </p:nvSpPr>
+        <p:spPr/>
+        <p:txBody>
+          <a:bodyPr/>
+          <a:lstStyle/>
+          <a:p>
+            <a:r>
+              <a:rPr lang="it-IT" sz="2800" dirty="0"/>
+              <a:t>algoritmi non ricorsivi</a:t>
+            </a:r>
+          </a:p>
+        </p:txBody>
+      </p:sp>
+      <p:sp>
+        <p:nvSpPr>
+          <p:cNvPr id="3" name="Segnaposto contenuto 2">
+            <a:extLst>
+              <a:ext uri="{FF2B5EF4-FFF2-40B4-BE49-F238E27FC236}">
+                <a16:creationId xmlns:a16="http://schemas.microsoft.com/office/drawing/2014/main" id="{2E17D506-5018-41E1-B2B2-8AEDCC920DDD}"/>
+              </a:ext>
+            </a:extLst>
+          </p:cNvPr>
+          <p:cNvSpPr>
+            <a:spLocks noGrp="1"/>
+          </p:cNvSpPr>
+          <p:nvPr>
+            <p:ph idx="1"/>
+          </p:nvPr>
+        </p:nvSpPr>
+        <p:spPr/>
+        <p:txBody>
+          <a:bodyPr/>
+          <a:lstStyle/>
+          <a:p>
+            <a:r>
+              <a:rPr lang="it-IT" b="1" i="1" dirty="0"/>
+              <a:t>calcolo</a:t>
+            </a:r>
+            <a:r>
+              <a:rPr lang="it-IT" dirty="0"/>
+              <a:t> della complessità di algoritmi </a:t>
+            </a:r>
+            <a:r>
+              <a:rPr lang="it-IT" b="1" i="1" dirty="0"/>
+              <a:t>non ricorsivi</a:t>
+            </a:r>
+          </a:p>
+          <a:p>
+            <a:pPr lvl="1"/>
+            <a:r>
+              <a:rPr lang="it-IT" dirty="0"/>
+              <a:t>vengono in pratica “</a:t>
+            </a:r>
+            <a:r>
+              <a:rPr lang="it-IT" b="1" i="1" dirty="0"/>
+              <a:t>contate</a:t>
+            </a:r>
+            <a:r>
+              <a:rPr lang="it-IT" dirty="0"/>
+              <a:t>” le operazioni eseguite</a:t>
+            </a:r>
+          </a:p>
+          <a:p>
+            <a:pPr lvl="1"/>
+            <a:r>
+              <a:rPr lang="it-IT" dirty="0"/>
+              <a:t>il tempo di esecuzione di un’istruzione di assegnamento che non contenga chiamate a funzioni è 1</a:t>
+            </a:r>
+          </a:p>
+          <a:p>
+            <a:pPr lvl="1"/>
+            <a:r>
+              <a:rPr lang="it-IT" dirty="0"/>
+              <a:t>il tempo di esecuzione di una chiamata ad una funzione è 1 + il tempo di esecuzione della funzione</a:t>
+            </a:r>
+          </a:p>
+          <a:p>
+            <a:pPr lvl="1"/>
+            <a:r>
+              <a:rPr lang="it-IT" dirty="0"/>
+              <a:t>il tempo di esecuzione di un’istruzione di selezione è il tempo di valutazione dell’espressione + il tempo massimo fra il tempo di esecuzione del ramo </a:t>
+            </a:r>
+            <a:r>
+              <a:rPr lang="it-IT" dirty="0" err="1"/>
+              <a:t>then</a:t>
+            </a:r>
+            <a:r>
+              <a:rPr lang="it-IT" dirty="0"/>
+              <a:t> e del ramo else</a:t>
+            </a:r>
+          </a:p>
+          <a:p>
+            <a:pPr lvl="1"/>
+            <a:r>
+              <a:rPr lang="it-IT" dirty="0"/>
+              <a:t>il tempo di esecuzione di un’istruzione di ciclo è dato dal tempo di valutazione della condizione + il tempo di esecuzione del corpo del ciclo moltiplicato per il numero di volte in cui questo viene eseguito</a:t>
+            </a:r>
+          </a:p>
+        </p:txBody>
+      </p:sp>
+      <p:sp>
+        <p:nvSpPr>
+          <p:cNvPr id="4" name="Segnaposto piè di pagina 3">
+            <a:extLst>
+              <a:ext uri="{FF2B5EF4-FFF2-40B4-BE49-F238E27FC236}">
+                <a16:creationId xmlns:a16="http://schemas.microsoft.com/office/drawing/2014/main" id="{B18E589A-9E5A-4A96-8B69-D271699B580D}"/>
+              </a:ext>
+            </a:extLst>
+          </p:cNvPr>
+          <p:cNvSpPr>
+            <a:spLocks noGrp="1"/>
+          </p:cNvSpPr>
+          <p:nvPr>
+            <p:ph type="ftr" sz="quarter" idx="11"/>
+          </p:nvPr>
+        </p:nvSpPr>
+        <p:spPr/>
+        <p:txBody>
+          <a:bodyPr/>
+          <a:lstStyle/>
+          <a:p>
+            <a:pPr>
+              <a:defRPr/>
+            </a:pPr>
+            <a:r>
+              <a:rPr lang="it-IT"/>
+              <a:t>Alberto Ferrari – Programmazione di applicazioni SW</a:t>
+            </a:r>
+            <a:endParaRPr lang="it-IT" dirty="0"/>
+          </a:p>
+        </p:txBody>
+      </p:sp>
+    </p:spTree>
+    <p:extLst>
+      <p:ext uri="{BB962C8B-B14F-4D97-AF65-F5344CB8AC3E}">
+        <p14:creationId xmlns:p14="http://schemas.microsoft.com/office/powerpoint/2010/main" val="2841411787"/>
+      </p:ext>
+    </p:extLst>
+  </p:cSld>
+  <p:clrMapOvr>
+    <a:masterClrMapping/>
+  </p:clrMapOvr>
+</p:sld>
+</file>
+
+<file path=ppt/slides/slide12.xml><?xml version="1.0" encoding="utf-8"?>
+<p:sld xmlns:a="http://schemas.openxmlformats.org/drawingml/2006/main" xmlns:r="http://schemas.openxmlformats.org/officeDocument/2006/relationships" xmlns:p="http://schemas.openxmlformats.org/presentationml/2006/main">
+  <p:cSld>
+    <p:spTree>
+      <p:nvGrpSpPr>
+        <p:cNvPr id="1" name=""/>
+        <p:cNvGrpSpPr/>
+        <p:nvPr/>
+      </p:nvGrpSpPr>
+      <p:grpSpPr>
+        <a:xfrm>
+          <a:off x="0" y="0"/>
+          <a:ext cx="0" cy="0"/>
+          <a:chOff x="0" y="0"/>
+          <a:chExt cx="0" cy="0"/>
+        </a:xfrm>
+      </p:grpSpPr>
+      <p:sp>
+        <p:nvSpPr>
+          <p:cNvPr id="2" name="Titolo 1">
+            <a:extLst>
+              <a:ext uri="{FF2B5EF4-FFF2-40B4-BE49-F238E27FC236}">
+                <a16:creationId xmlns:a16="http://schemas.microsoft.com/office/drawing/2014/main" id="{CC26B6F2-9D26-4206-B0CA-AB95B7D2033E}"/>
+              </a:ext>
+            </a:extLst>
+          </p:cNvPr>
+          <p:cNvSpPr>
+            <a:spLocks noGrp="1"/>
+          </p:cNvSpPr>
+          <p:nvPr>
+            <p:ph type="title"/>
+          </p:nvPr>
+        </p:nvSpPr>
+        <p:spPr/>
+        <p:txBody>
+          <a:bodyPr/>
+          <a:lstStyle/>
+          <a:p>
+            <a:r>
+              <a:rPr lang="it-IT" sz="2800" dirty="0"/>
+              <a:t>esempio: fattoriale</a:t>
+            </a:r>
+          </a:p>
+        </p:txBody>
+      </p:sp>
+      <p:sp>
+        <p:nvSpPr>
+          <p:cNvPr id="3" name="Segnaposto contenuto 2">
+            <a:extLst>
+              <a:ext uri="{FF2B5EF4-FFF2-40B4-BE49-F238E27FC236}">
+                <a16:creationId xmlns:a16="http://schemas.microsoft.com/office/drawing/2014/main" id="{4F8DC26E-9B2E-4897-AE29-345252BD2277}"/>
+              </a:ext>
+            </a:extLst>
+          </p:cNvPr>
+          <p:cNvSpPr>
+            <a:spLocks noGrp="1"/>
+          </p:cNvSpPr>
+          <p:nvPr>
+            <p:ph idx="1"/>
+          </p:nvPr>
+        </p:nvSpPr>
+        <p:spPr/>
+        <p:txBody>
+          <a:bodyPr/>
+          <a:lstStyle/>
+          <a:p>
+            <a:pPr marL="0" indent="0">
+              <a:buNone/>
+            </a:pPr>
+            <a:r>
+              <a:rPr lang="it-IT" sz="2000" b="1" dirty="0" err="1">
+                <a:latin typeface="Courier New" panose="02070309020205020404" pitchFamily="49" charset="0"/>
+                <a:cs typeface="Courier New" panose="02070309020205020404" pitchFamily="49" charset="0"/>
+              </a:rPr>
+              <a:t>int</a:t>
+            </a:r>
+            <a:r>
+              <a:rPr lang="it-IT" sz="2000" b="1" dirty="0">
+                <a:latin typeface="Courier New" panose="02070309020205020404" pitchFamily="49" charset="0"/>
+                <a:cs typeface="Courier New" panose="02070309020205020404" pitchFamily="49" charset="0"/>
+              </a:rPr>
+              <a:t> fattoriale(</a:t>
+            </a:r>
+            <a:r>
+              <a:rPr lang="it-IT" sz="2000" b="1" dirty="0" err="1">
+                <a:latin typeface="Courier New" panose="02070309020205020404" pitchFamily="49" charset="0"/>
+                <a:cs typeface="Courier New" panose="02070309020205020404" pitchFamily="49" charset="0"/>
+              </a:rPr>
+              <a:t>int</a:t>
+            </a:r>
+            <a:r>
+              <a:rPr lang="it-IT" sz="2000" b="1" dirty="0">
+                <a:latin typeface="Courier New" panose="02070309020205020404" pitchFamily="49" charset="0"/>
+                <a:cs typeface="Courier New" panose="02070309020205020404" pitchFamily="49" charset="0"/>
+              </a:rPr>
+              <a:t> n) {</a:t>
+            </a:r>
+            <a:endParaRPr lang="it-IT" sz="2000" dirty="0">
+              <a:latin typeface="Courier New" panose="02070309020205020404" pitchFamily="49" charset="0"/>
+              <a:cs typeface="Courier New" panose="02070309020205020404" pitchFamily="49" charset="0"/>
+            </a:endParaRPr>
+          </a:p>
+          <a:p>
+            <a:pPr marL="0" indent="0">
+              <a:buNone/>
+            </a:pPr>
+            <a:r>
+              <a:rPr lang="it-IT" sz="2000" b="1" dirty="0">
+                <a:latin typeface="Courier New" panose="02070309020205020404" pitchFamily="49" charset="0"/>
+                <a:cs typeface="Courier New" panose="02070309020205020404" pitchFamily="49" charset="0"/>
+              </a:rPr>
+              <a:t>  </a:t>
+            </a:r>
+            <a:r>
+              <a:rPr lang="it-IT" sz="2000" b="1" dirty="0" err="1">
+                <a:latin typeface="Courier New" panose="02070309020205020404" pitchFamily="49" charset="0"/>
+                <a:cs typeface="Courier New" panose="02070309020205020404" pitchFamily="49" charset="0"/>
+              </a:rPr>
+              <a:t>int</a:t>
+            </a:r>
+            <a:r>
+              <a:rPr lang="it-IT" sz="2000" b="1" dirty="0">
+                <a:latin typeface="Courier New" panose="02070309020205020404" pitchFamily="49" charset="0"/>
+                <a:cs typeface="Courier New" panose="02070309020205020404" pitchFamily="49" charset="0"/>
+              </a:rPr>
+              <a:t> </a:t>
+            </a:r>
+            <a:r>
+              <a:rPr lang="it-IT" sz="2000" b="1" dirty="0" err="1">
+                <a:latin typeface="Courier New" panose="02070309020205020404" pitchFamily="49" charset="0"/>
+                <a:cs typeface="Courier New" panose="02070309020205020404" pitchFamily="49" charset="0"/>
+              </a:rPr>
+              <a:t>fatt</a:t>
+            </a:r>
+            <a:r>
+              <a:rPr lang="it-IT" sz="2000" b="1" dirty="0">
+                <a:latin typeface="Courier New" panose="02070309020205020404" pitchFamily="49" charset="0"/>
+                <a:cs typeface="Courier New" panose="02070309020205020404" pitchFamily="49" charset="0"/>
+              </a:rPr>
+              <a:t>, i;</a:t>
+            </a:r>
+            <a:endParaRPr lang="it-IT" sz="2000" dirty="0">
+              <a:latin typeface="Courier New" panose="02070309020205020404" pitchFamily="49" charset="0"/>
+              <a:cs typeface="Courier New" panose="02070309020205020404" pitchFamily="49" charset="0"/>
+            </a:endParaRPr>
+          </a:p>
+          <a:p>
+            <a:pPr marL="0" indent="0">
+              <a:buNone/>
+            </a:pPr>
+            <a:r>
+              <a:rPr lang="it-IT" sz="2000" b="1" dirty="0">
+                <a:latin typeface="Courier New" panose="02070309020205020404" pitchFamily="49" charset="0"/>
+                <a:cs typeface="Courier New" panose="02070309020205020404" pitchFamily="49" charset="0"/>
+              </a:rPr>
+              <a:t>  </a:t>
+            </a:r>
+            <a:r>
+              <a:rPr lang="it-IT" sz="2000" b="1" dirty="0" err="1">
+                <a:latin typeface="Courier New" panose="02070309020205020404" pitchFamily="49" charset="0"/>
+                <a:cs typeface="Courier New" panose="02070309020205020404" pitchFamily="49" charset="0"/>
+              </a:rPr>
+              <a:t>fatt</a:t>
+            </a:r>
+            <a:r>
+              <a:rPr lang="it-IT" sz="2000" b="1" dirty="0">
+                <a:latin typeface="Courier New" panose="02070309020205020404" pitchFamily="49" charset="0"/>
+                <a:cs typeface="Courier New" panose="02070309020205020404" pitchFamily="49" charset="0"/>
+              </a:rPr>
+              <a:t> = 1;</a:t>
+            </a:r>
+            <a:endParaRPr lang="it-IT" sz="2000" dirty="0">
+              <a:latin typeface="Courier New" panose="02070309020205020404" pitchFamily="49" charset="0"/>
+              <a:cs typeface="Courier New" panose="02070309020205020404" pitchFamily="49" charset="0"/>
+            </a:endParaRPr>
+          </a:p>
+          <a:p>
+            <a:pPr marL="0" indent="0">
+              <a:buNone/>
+            </a:pPr>
+            <a:r>
+              <a:rPr lang="nn-NO" sz="2000" b="1" dirty="0">
+                <a:latin typeface="Courier New" panose="02070309020205020404" pitchFamily="49" charset="0"/>
+                <a:cs typeface="Courier New" panose="02070309020205020404" pitchFamily="49" charset="0"/>
+              </a:rPr>
+              <a:t>  for (i = 2; i &lt;= n; i++)</a:t>
+            </a:r>
+            <a:endParaRPr lang="nn-NO" sz="2000" dirty="0">
+              <a:latin typeface="Courier New" panose="02070309020205020404" pitchFamily="49" charset="0"/>
+              <a:cs typeface="Courier New" panose="02070309020205020404" pitchFamily="49" charset="0"/>
+            </a:endParaRPr>
+          </a:p>
+          <a:p>
+            <a:pPr marL="0" indent="0">
+              <a:buNone/>
+            </a:pPr>
+            <a:r>
+              <a:rPr lang="it-IT" sz="2000" b="1" dirty="0">
+                <a:latin typeface="Courier New" panose="02070309020205020404" pitchFamily="49" charset="0"/>
+                <a:cs typeface="Courier New" panose="02070309020205020404" pitchFamily="49" charset="0"/>
+              </a:rPr>
+              <a:t>    </a:t>
+            </a:r>
+            <a:r>
+              <a:rPr lang="it-IT" sz="2000" b="1" dirty="0" err="1">
+                <a:latin typeface="Courier New" panose="02070309020205020404" pitchFamily="49" charset="0"/>
+                <a:cs typeface="Courier New" panose="02070309020205020404" pitchFamily="49" charset="0"/>
+              </a:rPr>
+              <a:t>fatt</a:t>
+            </a:r>
+            <a:r>
+              <a:rPr lang="it-IT" sz="2000" b="1" dirty="0">
+                <a:latin typeface="Courier New" panose="02070309020205020404" pitchFamily="49" charset="0"/>
+                <a:cs typeface="Courier New" panose="02070309020205020404" pitchFamily="49" charset="0"/>
+              </a:rPr>
+              <a:t>  = </a:t>
+            </a:r>
+            <a:r>
+              <a:rPr lang="it-IT" sz="2000" b="1" dirty="0" err="1">
+                <a:latin typeface="Courier New" panose="02070309020205020404" pitchFamily="49" charset="0"/>
+                <a:cs typeface="Courier New" panose="02070309020205020404" pitchFamily="49" charset="0"/>
+              </a:rPr>
+              <a:t>fatt</a:t>
+            </a:r>
+            <a:r>
+              <a:rPr lang="it-IT" sz="2000" b="1" dirty="0">
+                <a:latin typeface="Courier New" panose="02070309020205020404" pitchFamily="49" charset="0"/>
+                <a:cs typeface="Courier New" panose="02070309020205020404" pitchFamily="49" charset="0"/>
+              </a:rPr>
+              <a:t> * i;</a:t>
+            </a:r>
+            <a:endParaRPr lang="it-IT" sz="2000" dirty="0">
+              <a:latin typeface="Courier New" panose="02070309020205020404" pitchFamily="49" charset="0"/>
+              <a:cs typeface="Courier New" panose="02070309020205020404" pitchFamily="49" charset="0"/>
+            </a:endParaRPr>
+          </a:p>
+          <a:p>
+            <a:pPr marL="0" indent="0">
+              <a:buNone/>
+            </a:pPr>
+            <a:r>
+              <a:rPr lang="it-IT" sz="2000" b="1" dirty="0">
+                <a:latin typeface="Courier New" panose="02070309020205020404" pitchFamily="49" charset="0"/>
+                <a:cs typeface="Courier New" panose="02070309020205020404" pitchFamily="49" charset="0"/>
+              </a:rPr>
+              <a:t>  </a:t>
+            </a:r>
+            <a:r>
+              <a:rPr lang="it-IT" sz="2000" b="1" dirty="0" err="1">
+                <a:latin typeface="Courier New" panose="02070309020205020404" pitchFamily="49" charset="0"/>
+                <a:cs typeface="Courier New" panose="02070309020205020404" pitchFamily="49" charset="0"/>
+              </a:rPr>
+              <a:t>return</a:t>
+            </a:r>
+            <a:r>
+              <a:rPr lang="it-IT" sz="2000" b="1" dirty="0">
+                <a:latin typeface="Courier New" panose="02070309020205020404" pitchFamily="49" charset="0"/>
+                <a:cs typeface="Courier New" panose="02070309020205020404" pitchFamily="49" charset="0"/>
+              </a:rPr>
+              <a:t>(</a:t>
+            </a:r>
+            <a:r>
+              <a:rPr lang="it-IT" sz="2000" b="1" dirty="0" err="1">
+                <a:latin typeface="Courier New" panose="02070309020205020404" pitchFamily="49" charset="0"/>
+                <a:cs typeface="Courier New" panose="02070309020205020404" pitchFamily="49" charset="0"/>
+              </a:rPr>
+              <a:t>fatt</a:t>
+            </a:r>
+            <a:r>
+              <a:rPr lang="it-IT" sz="2000" b="1" dirty="0">
+                <a:latin typeface="Courier New" panose="02070309020205020404" pitchFamily="49" charset="0"/>
+                <a:cs typeface="Courier New" panose="02070309020205020404" pitchFamily="49" charset="0"/>
+              </a:rPr>
+              <a:t>);</a:t>
+            </a:r>
+            <a:endParaRPr lang="it-IT" sz="2000" dirty="0">
+              <a:latin typeface="Courier New" panose="02070309020205020404" pitchFamily="49" charset="0"/>
+              <a:cs typeface="Courier New" panose="02070309020205020404" pitchFamily="49" charset="0"/>
+            </a:endParaRPr>
+          </a:p>
+          <a:p>
+            <a:pPr marL="0" indent="0">
+              <a:buNone/>
+            </a:pPr>
+            <a:r>
+              <a:rPr lang="it-IT" sz="2000" b="1" dirty="0">
+                <a:latin typeface="Courier New" panose="02070309020205020404" pitchFamily="49" charset="0"/>
+                <a:cs typeface="Courier New" panose="02070309020205020404" pitchFamily="49" charset="0"/>
+              </a:rPr>
+              <a:t>}</a:t>
+            </a:r>
+            <a:endParaRPr lang="it-IT" sz="2000" dirty="0">
+              <a:latin typeface="Courier New" panose="02070309020205020404" pitchFamily="49" charset="0"/>
+              <a:cs typeface="Courier New" panose="02070309020205020404" pitchFamily="49" charset="0"/>
+            </a:endParaRPr>
+          </a:p>
+          <a:p>
+            <a:pPr marL="0" indent="0">
+              <a:buNone/>
+            </a:pPr>
+            <a:endParaRPr lang="it-IT" dirty="0"/>
+          </a:p>
+          <a:p>
+            <a:pPr marL="0" indent="0">
+              <a:buNone/>
+            </a:pPr>
+            <a:r>
+              <a:rPr lang="pt-BR" b="1" i="1" dirty="0"/>
+              <a:t>T(n)</a:t>
+            </a:r>
+            <a:r>
+              <a:rPr lang="pt-BR" dirty="0"/>
+              <a:t> = 1 + (n-1)(1+1+1)+1 = 3n – 1 = </a:t>
+            </a:r>
+            <a:r>
+              <a:rPr lang="pt-BR" b="1" i="1" dirty="0"/>
+              <a:t>O(n)</a:t>
+            </a:r>
+            <a:endParaRPr lang="pt-BR" dirty="0"/>
+          </a:p>
+          <a:p>
+            <a:pPr marL="0" indent="0">
+              <a:buNone/>
+            </a:pPr>
+            <a:endParaRPr lang="it-IT" dirty="0"/>
+          </a:p>
+        </p:txBody>
+      </p:sp>
+      <p:sp>
+        <p:nvSpPr>
+          <p:cNvPr id="4" name="Segnaposto piè di pagina 3">
+            <a:extLst>
+              <a:ext uri="{FF2B5EF4-FFF2-40B4-BE49-F238E27FC236}">
+                <a16:creationId xmlns:a16="http://schemas.microsoft.com/office/drawing/2014/main" id="{8BFC3265-9A97-4498-AD3D-C3905940CF46}"/>
+              </a:ext>
+            </a:extLst>
+          </p:cNvPr>
+          <p:cNvSpPr>
+            <a:spLocks noGrp="1"/>
+          </p:cNvSpPr>
+          <p:nvPr>
+            <p:ph type="ftr" sz="quarter" idx="11"/>
+          </p:nvPr>
+        </p:nvSpPr>
+        <p:spPr/>
+        <p:txBody>
+          <a:bodyPr/>
+          <a:lstStyle/>
+          <a:p>
+            <a:pPr>
+              <a:defRPr/>
+            </a:pPr>
+            <a:r>
+              <a:rPr lang="it-IT"/>
+              <a:t>Alberto Ferrari – Programmazione di applicazioni SW</a:t>
+            </a:r>
+            <a:endParaRPr lang="it-IT" dirty="0"/>
+          </a:p>
+        </p:txBody>
+      </p:sp>
+    </p:spTree>
+    <p:extLst>
+      <p:ext uri="{BB962C8B-B14F-4D97-AF65-F5344CB8AC3E}">
+        <p14:creationId xmlns:p14="http://schemas.microsoft.com/office/powerpoint/2010/main" val="1771485328"/>
+      </p:ext>
+    </p:extLst>
+  </p:cSld>
+  <p:clrMapOvr>
+    <a:masterClrMapping/>
+  </p:clrMapOvr>
+</p:sld>
+</file>
+
+<file path=ppt/slides/slide13.xml><?xml version="1.0" encoding="utf-8"?>
+<p:sld xmlns:a="http://schemas.openxmlformats.org/drawingml/2006/main" xmlns:r="http://schemas.openxmlformats.org/officeDocument/2006/relationships" xmlns:p="http://schemas.openxmlformats.org/presentationml/2006/main">
+  <p:cSld>
+    <p:spTree>
+      <p:nvGrpSpPr>
+        <p:cNvPr id="1" name=""/>
+        <p:cNvGrpSpPr/>
+        <p:nvPr/>
+      </p:nvGrpSpPr>
+      <p:grpSpPr>
+        <a:xfrm>
+          <a:off x="0" y="0"/>
+          <a:ext cx="0" cy="0"/>
+          <a:chOff x="0" y="0"/>
+          <a:chExt cx="0" cy="0"/>
+        </a:xfrm>
+      </p:grpSpPr>
+      <p:sp>
+        <p:nvSpPr>
+          <p:cNvPr id="2" name="Titolo 1">
+            <a:extLst>
+              <a:ext uri="{FF2B5EF4-FFF2-40B4-BE49-F238E27FC236}">
+                <a16:creationId xmlns:a16="http://schemas.microsoft.com/office/drawing/2014/main" id="{024F2749-1B39-4802-A2BC-8CEC805FEA20}"/>
+              </a:ext>
+            </a:extLst>
+          </p:cNvPr>
+          <p:cNvSpPr>
+            <a:spLocks noGrp="1"/>
+          </p:cNvSpPr>
+          <p:nvPr>
+            <p:ph type="title"/>
+          </p:nvPr>
+        </p:nvSpPr>
+        <p:spPr/>
+        <p:txBody>
+          <a:bodyPr/>
+          <a:lstStyle/>
+          <a:p>
+            <a:r>
+              <a:rPr lang="it-IT" sz="2800" dirty="0"/>
+              <a:t>complessità computazionale</a:t>
+            </a:r>
+          </a:p>
+        </p:txBody>
+      </p:sp>
+      <p:sp>
+        <p:nvSpPr>
+          <p:cNvPr id="3" name="Segnaposto contenuto 2">
+            <a:extLst>
+              <a:ext uri="{FF2B5EF4-FFF2-40B4-BE49-F238E27FC236}">
+                <a16:creationId xmlns:a16="http://schemas.microsoft.com/office/drawing/2014/main" id="{AE7FE9CC-553F-4F47-8D58-A945D1461989}"/>
+              </a:ext>
+            </a:extLst>
+          </p:cNvPr>
+          <p:cNvSpPr>
+            <a:spLocks noGrp="1"/>
+          </p:cNvSpPr>
+          <p:nvPr>
+            <p:ph idx="1"/>
+          </p:nvPr>
+        </p:nvSpPr>
+        <p:spPr/>
+        <p:txBody>
+          <a:bodyPr/>
+          <a:lstStyle/>
+          <a:p>
+            <a:r>
+              <a:rPr lang="it-IT" b="1" i="1" dirty="0"/>
+              <a:t>confrontare</a:t>
+            </a:r>
+            <a:r>
+              <a:rPr lang="it-IT" dirty="0"/>
+              <a:t> </a:t>
+            </a:r>
+            <a:r>
+              <a:rPr lang="it-IT" b="1" i="1" dirty="0"/>
+              <a:t>algoritmi corretti </a:t>
+            </a:r>
+            <a:r>
+              <a:rPr lang="it-IT" dirty="0"/>
+              <a:t>che risolvono lo </a:t>
+            </a:r>
+            <a:r>
+              <a:rPr lang="it-IT" b="1" i="1" dirty="0"/>
+              <a:t>stesso problema</a:t>
+            </a:r>
+            <a:r>
+              <a:rPr lang="it-IT" dirty="0"/>
+              <a:t>, allo scopo di scegliere quello </a:t>
+            </a:r>
+            <a:r>
+              <a:rPr lang="it-IT" b="1" i="1" dirty="0"/>
+              <a:t>migliore</a:t>
+            </a:r>
+            <a:r>
+              <a:rPr lang="it-IT" dirty="0"/>
+              <a:t> in relazione a uno o più parametri di valutazione</a:t>
+            </a:r>
+          </a:p>
+        </p:txBody>
+      </p:sp>
+      <p:sp>
+        <p:nvSpPr>
+          <p:cNvPr id="4" name="Segnaposto piè di pagina 3">
+            <a:extLst>
+              <a:ext uri="{FF2B5EF4-FFF2-40B4-BE49-F238E27FC236}">
+                <a16:creationId xmlns:a16="http://schemas.microsoft.com/office/drawing/2014/main" id="{EA8DFE30-4ED3-40F2-A2BA-F85319339473}"/>
+              </a:ext>
+            </a:extLst>
+          </p:cNvPr>
+          <p:cNvSpPr>
+            <a:spLocks noGrp="1"/>
+          </p:cNvSpPr>
+          <p:nvPr>
+            <p:ph type="ftr" sz="quarter" idx="11"/>
+          </p:nvPr>
+        </p:nvSpPr>
+        <p:spPr/>
+        <p:txBody>
+          <a:bodyPr/>
+          <a:lstStyle/>
+          <a:p>
+            <a:pPr>
+              <a:defRPr/>
+            </a:pPr>
+            <a:r>
+              <a:rPr lang="it-IT"/>
+              <a:t>Alberto Ferrari – Programmazione di applicazioni SW</a:t>
+            </a:r>
+            <a:endParaRPr lang="it-IT" dirty="0"/>
+          </a:p>
+        </p:txBody>
+      </p:sp>
+      <p:pic>
+        <p:nvPicPr>
+          <p:cNvPr id="5" name="Immagine 4">
+            <a:extLst>
+              <a:ext uri="{FF2B5EF4-FFF2-40B4-BE49-F238E27FC236}">
+                <a16:creationId xmlns:a16="http://schemas.microsoft.com/office/drawing/2014/main" id="{5E541CE3-1635-4061-BB9A-0B1DA2636D6E}"/>
+              </a:ext>
+            </a:extLst>
+          </p:cNvPr>
+          <p:cNvPicPr>
+            <a:picLocks noChangeAspect="1"/>
+          </p:cNvPicPr>
+          <p:nvPr/>
+        </p:nvPicPr>
+        <p:blipFill>
+          <a:blip r:embed="rId2"/>
+          <a:stretch>
+            <a:fillRect/>
+          </a:stretch>
+        </p:blipFill>
+        <p:spPr>
+          <a:xfrm>
+            <a:off x="3342520" y="2464996"/>
+            <a:ext cx="5369378" cy="3020275"/>
+          </a:xfrm>
+          <a:prstGeom prst="rect">
+            <a:avLst/>
+          </a:prstGeom>
+          <a:ln>
+            <a:noFill/>
+          </a:ln>
+          <a:effectLst>
+            <a:outerShdw blurRad="292100" dist="139700" dir="2700000" algn="tl" rotWithShape="0">
+              <a:srgbClr val="333333">
+                <a:alpha val="65000"/>
+              </a:srgbClr>
+            </a:outerShdw>
+          </a:effectLst>
+        </p:spPr>
+      </p:pic>
+    </p:spTree>
+    <p:extLst>
+      <p:ext uri="{BB962C8B-B14F-4D97-AF65-F5344CB8AC3E}">
+        <p14:creationId xmlns:p14="http://schemas.microsoft.com/office/powerpoint/2010/main" val="472982232"/>
+      </p:ext>
+    </p:extLst>
+  </p:cSld>
+  <p:clrMapOvr>
+    <a:masterClrMapping/>
+  </p:clrMapOvr>
+</p:sld>
+</file>
+
+<file path=ppt/slides/slide14.xml><?xml version="1.0" encoding="utf-8"?>
+<p:sld xmlns:a="http://schemas.openxmlformats.org/drawingml/2006/main" xmlns:r="http://schemas.openxmlformats.org/officeDocument/2006/relationships" xmlns:p="http://schemas.openxmlformats.org/presentationml/2006/main">
+  <p:cSld>
+    <p:spTree>
+      <p:nvGrpSpPr>
+        <p:cNvPr id="1" name=""/>
+        <p:cNvGrpSpPr/>
+        <p:nvPr/>
+      </p:nvGrpSpPr>
+      <p:grpSpPr>
+        <a:xfrm>
+          <a:off x="0" y="0"/>
+          <a:ext cx="0" cy="0"/>
+          <a:chOff x="0" y="0"/>
+          <a:chExt cx="0" cy="0"/>
+        </a:xfrm>
+      </p:grpSpPr>
+      <p:sp>
+        <p:nvSpPr>
+          <p:cNvPr id="2" name="Titolo 1">
+            <a:extLst>
+              <a:ext uri="{FF2B5EF4-FFF2-40B4-BE49-F238E27FC236}">
+                <a16:creationId xmlns:a16="http://schemas.microsoft.com/office/drawing/2014/main" id="{81432B55-5CFD-45C6-BC6F-B92F240D0BA6}"/>
+              </a:ext>
+            </a:extLst>
+          </p:cNvPr>
+          <p:cNvSpPr>
+            <a:spLocks noGrp="1"/>
+          </p:cNvSpPr>
+          <p:nvPr>
+            <p:ph type="title"/>
+          </p:nvPr>
+        </p:nvSpPr>
+        <p:spPr/>
+        <p:txBody>
+          <a:bodyPr/>
+          <a:lstStyle/>
+          <a:p>
+            <a:r>
+              <a:rPr lang="it-IT" sz="2800" dirty="0"/>
+              <a:t>valutazione con un parametro</a:t>
+            </a:r>
+          </a:p>
+        </p:txBody>
+      </p:sp>
+      <p:sp>
+        <p:nvSpPr>
+          <p:cNvPr id="3" name="Segnaposto contenuto 2">
+            <a:extLst>
+              <a:ext uri="{FF2B5EF4-FFF2-40B4-BE49-F238E27FC236}">
+                <a16:creationId xmlns:a16="http://schemas.microsoft.com/office/drawing/2014/main" id="{D3E19E89-1134-402B-A868-BA93DE827D7F}"/>
+              </a:ext>
+            </a:extLst>
+          </p:cNvPr>
+          <p:cNvSpPr>
+            <a:spLocks noGrp="1"/>
+          </p:cNvSpPr>
+          <p:nvPr>
+            <p:ph idx="1"/>
+          </p:nvPr>
+        </p:nvSpPr>
+        <p:spPr/>
+        <p:txBody>
+          <a:bodyPr/>
+          <a:lstStyle/>
+          <a:p>
+            <a:r>
+              <a:rPr lang="it-IT" dirty="0"/>
+              <a:t>se si ha a disposizione un solo parametro per valutare un algoritmo, per esempio il tempo d’esecuzione, è semplice la scelta: il più veloce.</a:t>
+            </a:r>
+          </a:p>
+          <a:p>
+            <a:r>
+              <a:rPr lang="it-IT" dirty="0"/>
+              <a:t>ogni altra caratteristica non viene considerata.</a:t>
+            </a:r>
+          </a:p>
+        </p:txBody>
+      </p:sp>
+      <p:sp>
+        <p:nvSpPr>
+          <p:cNvPr id="4" name="Segnaposto piè di pagina 3">
+            <a:extLst>
+              <a:ext uri="{FF2B5EF4-FFF2-40B4-BE49-F238E27FC236}">
+                <a16:creationId xmlns:a16="http://schemas.microsoft.com/office/drawing/2014/main" id="{E4B7831C-BA70-461C-A928-CECE9FE6E3B0}"/>
+              </a:ext>
+            </a:extLst>
+          </p:cNvPr>
+          <p:cNvSpPr>
+            <a:spLocks noGrp="1"/>
+          </p:cNvSpPr>
+          <p:nvPr>
+            <p:ph type="ftr" sz="quarter" idx="11"/>
+          </p:nvPr>
+        </p:nvSpPr>
+        <p:spPr/>
+        <p:txBody>
+          <a:bodyPr/>
+          <a:lstStyle/>
+          <a:p>
+            <a:pPr>
+              <a:defRPr/>
+            </a:pPr>
+            <a:r>
+              <a:rPr lang="it-IT"/>
+              <a:t>Alberto Ferrari – Programmazione di applicazioni SW</a:t>
+            </a:r>
+            <a:endParaRPr lang="it-IT" dirty="0"/>
+          </a:p>
+        </p:txBody>
+      </p:sp>
+      <p:pic>
+        <p:nvPicPr>
+          <p:cNvPr id="5" name="Immagine 4">
+            <a:extLst>
+              <a:ext uri="{FF2B5EF4-FFF2-40B4-BE49-F238E27FC236}">
+                <a16:creationId xmlns:a16="http://schemas.microsoft.com/office/drawing/2014/main" id="{1D3DC127-0BF8-41C6-B24A-A29ED643AD79}"/>
+              </a:ext>
+            </a:extLst>
+          </p:cNvPr>
+          <p:cNvPicPr>
+            <a:picLocks noChangeAspect="1"/>
+          </p:cNvPicPr>
+          <p:nvPr/>
+        </p:nvPicPr>
+        <p:blipFill>
+          <a:blip r:embed="rId2"/>
+          <a:stretch>
+            <a:fillRect/>
+          </a:stretch>
+        </p:blipFill>
+        <p:spPr>
+          <a:xfrm>
+            <a:off x="3727477" y="2798250"/>
+            <a:ext cx="4599463" cy="2759678"/>
+          </a:xfrm>
+          <a:prstGeom prst="rect">
+            <a:avLst/>
+          </a:prstGeom>
+          <a:ln>
+            <a:noFill/>
+          </a:ln>
+          <a:effectLst>
+            <a:outerShdw blurRad="292100" dist="139700" dir="2700000" algn="tl" rotWithShape="0">
+              <a:srgbClr val="333333">
+                <a:alpha val="65000"/>
+              </a:srgbClr>
+            </a:outerShdw>
+          </a:effectLst>
+        </p:spPr>
+      </p:pic>
+    </p:spTree>
+    <p:extLst>
+      <p:ext uri="{BB962C8B-B14F-4D97-AF65-F5344CB8AC3E}">
+        <p14:creationId xmlns:p14="http://schemas.microsoft.com/office/powerpoint/2010/main" val="1369929916"/>
+      </p:ext>
+    </p:extLst>
+  </p:cSld>
+  <p:clrMapOvr>
+    <a:masterClrMapping/>
+  </p:clrMapOvr>
+</p:sld>
+</file>
+
+<file path=ppt/slides/slide15.xml><?xml version="1.0" encoding="utf-8"?>
+<p:sld xmlns:a="http://schemas.openxmlformats.org/drawingml/2006/main" xmlns:r="http://schemas.openxmlformats.org/officeDocument/2006/relationships" xmlns:p="http://schemas.openxmlformats.org/presentationml/2006/main">
+  <p:cSld>
+    <p:spTree>
+      <p:nvGrpSpPr>
+        <p:cNvPr id="1" name=""/>
+        <p:cNvGrpSpPr/>
+        <p:nvPr/>
+      </p:nvGrpSpPr>
+      <p:grpSpPr>
+        <a:xfrm>
+          <a:off x="0" y="0"/>
+          <a:ext cx="0" cy="0"/>
+          <a:chOff x="0" y="0"/>
+          <a:chExt cx="0" cy="0"/>
+        </a:xfrm>
+      </p:grpSpPr>
+      <p:sp>
+        <p:nvSpPr>
+          <p:cNvPr id="2" name="Titolo 1">
+            <a:extLst>
+              <a:ext uri="{FF2B5EF4-FFF2-40B4-BE49-F238E27FC236}">
+                <a16:creationId xmlns:a16="http://schemas.microsoft.com/office/drawing/2014/main" id="{5CB701F4-6782-4BC6-8FF5-04D8A136C243}"/>
+              </a:ext>
+            </a:extLst>
+          </p:cNvPr>
+          <p:cNvSpPr>
+            <a:spLocks noGrp="1"/>
+          </p:cNvSpPr>
+          <p:nvPr>
+            <p:ph type="title"/>
+          </p:nvPr>
+        </p:nvSpPr>
+        <p:spPr/>
+        <p:txBody>
+          <a:bodyPr/>
+          <a:lstStyle/>
+          <a:p>
+            <a:r>
+              <a:rPr lang="it-IT" sz="2800" dirty="0"/>
+              <a:t>valutazione con più parametri</a:t>
+            </a:r>
+          </a:p>
+        </p:txBody>
+      </p:sp>
+      <p:sp>
+        <p:nvSpPr>
+          <p:cNvPr id="3" name="Segnaposto contenuto 2">
+            <a:extLst>
+              <a:ext uri="{FF2B5EF4-FFF2-40B4-BE49-F238E27FC236}">
+                <a16:creationId xmlns:a16="http://schemas.microsoft.com/office/drawing/2014/main" id="{4C8ECCDD-9765-46A7-8BFC-B40DF388262E}"/>
+              </a:ext>
+            </a:extLst>
+          </p:cNvPr>
+          <p:cNvSpPr>
+            <a:spLocks noGrp="1"/>
+          </p:cNvSpPr>
+          <p:nvPr>
+            <p:ph idx="1"/>
+          </p:nvPr>
+        </p:nvSpPr>
+        <p:spPr/>
+        <p:txBody>
+          <a:bodyPr/>
+          <a:lstStyle/>
+          <a:p>
+            <a:r>
+              <a:rPr lang="it-IT" dirty="0"/>
+              <a:t>nel caso di due parametri normalmente si considera</a:t>
+            </a:r>
+          </a:p>
+          <a:p>
+            <a:pPr lvl="1"/>
+            <a:r>
+              <a:rPr lang="it-IT" sz="2400" dirty="0"/>
+              <a:t>il </a:t>
+            </a:r>
+            <a:r>
+              <a:rPr lang="it-IT" sz="2400" b="1" i="1" dirty="0"/>
+              <a:t>tempo</a:t>
+            </a:r>
+          </a:p>
+          <a:p>
+            <a:pPr lvl="2"/>
+            <a:r>
+              <a:rPr lang="it-IT" sz="2000" dirty="0"/>
+              <a:t>numero di </a:t>
+            </a:r>
+            <a:r>
+              <a:rPr lang="it-IT" sz="2000" b="1" i="1" dirty="0"/>
+              <a:t>passi</a:t>
+            </a:r>
+            <a:r>
+              <a:rPr lang="it-IT" sz="2000" dirty="0"/>
+              <a:t> (istruzioni) che occorrono per produrre il risultato finale.</a:t>
+            </a:r>
+          </a:p>
+          <a:p>
+            <a:pPr lvl="2"/>
+            <a:r>
+              <a:rPr lang="it-IT" sz="2000" dirty="0"/>
+              <a:t>passi e non secondi o millisecondi perché il tempo varia al variare delle potenzialità del calcolatore.</a:t>
+            </a:r>
+          </a:p>
+          <a:p>
+            <a:pPr lvl="1"/>
+            <a:r>
+              <a:rPr lang="it-IT" sz="2400" dirty="0"/>
+              <a:t>lo </a:t>
+            </a:r>
+            <a:r>
+              <a:rPr lang="it-IT" sz="2400" b="1" i="1" dirty="0"/>
+              <a:t>spazio</a:t>
+            </a:r>
+          </a:p>
+          <a:p>
+            <a:pPr lvl="2"/>
+            <a:r>
+              <a:rPr lang="it-IT" sz="2000" dirty="0"/>
+              <a:t>occupazione di </a:t>
+            </a:r>
+            <a:r>
+              <a:rPr lang="it-IT" sz="2000" b="1" i="1" dirty="0"/>
+              <a:t>memoria</a:t>
+            </a:r>
+          </a:p>
+        </p:txBody>
+      </p:sp>
+      <p:sp>
+        <p:nvSpPr>
+          <p:cNvPr id="4" name="Segnaposto piè di pagina 3">
+            <a:extLst>
+              <a:ext uri="{FF2B5EF4-FFF2-40B4-BE49-F238E27FC236}">
+                <a16:creationId xmlns:a16="http://schemas.microsoft.com/office/drawing/2014/main" id="{5DD31DF3-D43B-4E1C-A07F-122154804FF9}"/>
+              </a:ext>
+            </a:extLst>
+          </p:cNvPr>
+          <p:cNvSpPr>
+            <a:spLocks noGrp="1"/>
+          </p:cNvSpPr>
+          <p:nvPr>
+            <p:ph type="ftr" sz="quarter" idx="11"/>
+          </p:nvPr>
+        </p:nvSpPr>
+        <p:spPr/>
+        <p:txBody>
+          <a:bodyPr/>
+          <a:lstStyle/>
+          <a:p>
+            <a:pPr>
+              <a:defRPr/>
+            </a:pPr>
+            <a:r>
+              <a:rPr lang="it-IT"/>
+              <a:t>Alberto Ferrari – Programmazione di applicazioni SW</a:t>
+            </a:r>
+            <a:endParaRPr lang="it-IT" dirty="0"/>
+          </a:p>
+        </p:txBody>
+      </p:sp>
+    </p:spTree>
+    <p:extLst>
+      <p:ext uri="{BB962C8B-B14F-4D97-AF65-F5344CB8AC3E}">
+        <p14:creationId xmlns:p14="http://schemas.microsoft.com/office/powerpoint/2010/main" val="3357063392"/>
+      </p:ext>
+    </p:extLst>
+  </p:cSld>
+  <p:clrMapOvr>
+    <a:masterClrMapping/>
+  </p:clrMapOvr>
+</p:sld>
+</file>
+
+<file path=ppt/slides/slide16.xml><?xml version="1.0" encoding="utf-8"?>
+<p:sld xmlns:a="http://schemas.openxmlformats.org/drawingml/2006/main" xmlns:r="http://schemas.openxmlformats.org/officeDocument/2006/relationships" xmlns:p="http://schemas.openxmlformats.org/presentationml/2006/main">
+  <p:cSld>
+    <p:spTree>
+      <p:nvGrpSpPr>
+        <p:cNvPr id="1" name=""/>
+        <p:cNvGrpSpPr/>
+        <p:nvPr/>
+      </p:nvGrpSpPr>
+      <p:grpSpPr>
+        <a:xfrm>
+          <a:off x="0" y="0"/>
+          <a:ext cx="0" cy="0"/>
+          <a:chOff x="0" y="0"/>
+          <a:chExt cx="0" cy="0"/>
+        </a:xfrm>
+      </p:grpSpPr>
+      <p:sp>
+        <p:nvSpPr>
+          <p:cNvPr id="2" name="Titolo 1">
+            <a:extLst>
+              <a:ext uri="{FF2B5EF4-FFF2-40B4-BE49-F238E27FC236}">
+                <a16:creationId xmlns:a16="http://schemas.microsoft.com/office/drawing/2014/main" id="{437B7CA7-096B-4977-8A40-03E20CFB1A06}"/>
+              </a:ext>
+            </a:extLst>
+          </p:cNvPr>
+          <p:cNvSpPr>
+            <a:spLocks noGrp="1"/>
+          </p:cNvSpPr>
+          <p:nvPr>
+            <p:ph type="title"/>
+          </p:nvPr>
+        </p:nvSpPr>
+        <p:spPr/>
+        <p:txBody>
+          <a:bodyPr/>
+          <a:lstStyle/>
+          <a:p>
+            <a:r>
+              <a:rPr lang="it-IT" sz="2800" dirty="0"/>
+              <a:t>confronto</a:t>
+            </a:r>
+          </a:p>
+        </p:txBody>
+      </p:sp>
+      <p:pic>
+        <p:nvPicPr>
+          <p:cNvPr id="10" name="Segnaposto contenuto 9">
+            <a:extLst>
+              <a:ext uri="{FF2B5EF4-FFF2-40B4-BE49-F238E27FC236}">
+                <a16:creationId xmlns:a16="http://schemas.microsoft.com/office/drawing/2014/main" id="{4C373991-AC93-4626-8125-8218D5BCB8D6}"/>
+              </a:ext>
+            </a:extLst>
+          </p:cNvPr>
+          <p:cNvPicPr>
+            <a:picLocks noGrp="1" noChangeAspect="1"/>
+          </p:cNvPicPr>
+          <p:nvPr>
+            <p:ph sz="half" idx="1"/>
+          </p:nvPr>
+        </p:nvPicPr>
+        <p:blipFill>
+          <a:blip r:embed="rId2"/>
+          <a:stretch>
+            <a:fillRect/>
+          </a:stretch>
+        </p:blipFill>
+        <p:spPr>
+          <a:xfrm>
+            <a:off x="407368" y="1921742"/>
+            <a:ext cx="4871087" cy="3014511"/>
+          </a:xfrm>
+          <a:prstGeom prst="rect">
+            <a:avLst/>
+          </a:prstGeom>
+          <a:ln>
+            <a:noFill/>
+          </a:ln>
+          <a:effectLst>
+            <a:outerShdw blurRad="292100" dist="139700" dir="2700000" algn="tl" rotWithShape="0">
+              <a:srgbClr val="333333">
+                <a:alpha val="65000"/>
+              </a:srgbClr>
+            </a:outerShdw>
+          </a:effectLst>
+        </p:spPr>
+      </p:pic>
+      <p:pic>
+        <p:nvPicPr>
+          <p:cNvPr id="11" name="Segnaposto contenuto 10">
+            <a:extLst>
+              <a:ext uri="{FF2B5EF4-FFF2-40B4-BE49-F238E27FC236}">
+                <a16:creationId xmlns:a16="http://schemas.microsoft.com/office/drawing/2014/main" id="{53321103-6E28-441D-9433-76D1E546D317}"/>
+              </a:ext>
+            </a:extLst>
+          </p:cNvPr>
+          <p:cNvPicPr>
+            <a:picLocks noGrp="1" noChangeAspect="1"/>
+          </p:cNvPicPr>
+          <p:nvPr>
+            <p:ph sz="half" idx="2"/>
+          </p:nvPr>
+        </p:nvPicPr>
+        <p:blipFill>
+          <a:blip r:embed="rId3"/>
+          <a:stretch>
+            <a:fillRect/>
+          </a:stretch>
+        </p:blipFill>
+        <p:spPr>
+          <a:xfrm>
+            <a:off x="5409297" y="1921743"/>
+            <a:ext cx="6239933" cy="3105408"/>
+          </a:xfrm>
+          <a:prstGeom prst="rect">
+            <a:avLst/>
+          </a:prstGeom>
+          <a:ln>
+            <a:noFill/>
+          </a:ln>
+          <a:effectLst>
+            <a:outerShdw blurRad="292100" dist="139700" dir="2700000" algn="tl" rotWithShape="0">
+              <a:srgbClr val="333333">
+                <a:alpha val="65000"/>
+              </a:srgbClr>
+            </a:outerShdw>
+          </a:effectLst>
+        </p:spPr>
+      </p:pic>
+      <p:sp>
+        <p:nvSpPr>
+          <p:cNvPr id="4" name="Segnaposto piè di pagina 3">
+            <a:extLst>
+              <a:ext uri="{FF2B5EF4-FFF2-40B4-BE49-F238E27FC236}">
+                <a16:creationId xmlns:a16="http://schemas.microsoft.com/office/drawing/2014/main" id="{77C30137-05B1-49FB-B3AF-BB649392A122}"/>
+              </a:ext>
+            </a:extLst>
+          </p:cNvPr>
+          <p:cNvSpPr>
+            <a:spLocks noGrp="1"/>
+          </p:cNvSpPr>
+          <p:nvPr>
+            <p:ph type="ftr" sz="quarter" idx="11"/>
+          </p:nvPr>
+        </p:nvSpPr>
+        <p:spPr/>
+        <p:txBody>
+          <a:bodyPr/>
+          <a:lstStyle/>
+          <a:p>
+            <a:pPr>
+              <a:defRPr/>
+            </a:pPr>
+            <a:r>
+              <a:rPr lang="it-IT"/>
+              <a:t>Alberto Ferrari – Programmazione di applicazioni SW</a:t>
+            </a:r>
+            <a:endParaRPr lang="it-IT" dirty="0"/>
+          </a:p>
+        </p:txBody>
+      </p:sp>
+    </p:spTree>
+    <p:extLst>
+      <p:ext uri="{BB962C8B-B14F-4D97-AF65-F5344CB8AC3E}">
+        <p14:creationId xmlns:p14="http://schemas.microsoft.com/office/powerpoint/2010/main" val="220758597"/>
+      </p:ext>
+    </p:extLst>
+  </p:cSld>
+  <p:clrMapOvr>
+    <a:masterClrMapping/>
+  </p:clrMapOvr>
+</p:sld>
+</file>
+
+<file path=ppt/slides/slide17.xml><?xml version="1.0" encoding="utf-8"?>
+<p:sld xmlns:a="http://schemas.openxmlformats.org/drawingml/2006/main" xmlns:r="http://schemas.openxmlformats.org/officeDocument/2006/relationships" xmlns:p="http://schemas.openxmlformats.org/presentationml/2006/main">
+  <p:cSld>
+    <p:spTree>
+      <p:nvGrpSpPr>
+        <p:cNvPr id="1" name=""/>
+        <p:cNvGrpSpPr/>
+        <p:nvPr/>
+      </p:nvGrpSpPr>
+      <p:grpSpPr>
+        <a:xfrm>
+          <a:off x="0" y="0"/>
+          <a:ext cx="0" cy="0"/>
+          <a:chOff x="0" y="0"/>
+          <a:chExt cx="0" cy="0"/>
+        </a:xfrm>
+      </p:grpSpPr>
+      <p:sp>
+        <p:nvSpPr>
+          <p:cNvPr id="6" name="Titolo 5">
+            <a:extLst>
+              <a:ext uri="{FF2B5EF4-FFF2-40B4-BE49-F238E27FC236}">
+                <a16:creationId xmlns:a16="http://schemas.microsoft.com/office/drawing/2014/main" id="{23CC2FDC-3301-4CF0-9ADF-E2A41F26308E}"/>
+              </a:ext>
+            </a:extLst>
+          </p:cNvPr>
+          <p:cNvSpPr>
+            <a:spLocks noGrp="1"/>
+          </p:cNvSpPr>
+          <p:nvPr>
+            <p:ph type="title"/>
+          </p:nvPr>
+        </p:nvSpPr>
+        <p:spPr/>
+        <p:txBody>
+          <a:bodyPr/>
+          <a:lstStyle/>
+          <a:p>
+            <a:r>
+              <a:rPr lang="it-IT" cap="none" dirty="0"/>
+              <a:t>array</a:t>
+            </a:r>
+          </a:p>
+        </p:txBody>
+      </p:sp>
+      <p:sp>
+        <p:nvSpPr>
+          <p:cNvPr id="5" name="Segnaposto piè di pagina 4">
+            <a:extLst>
+              <a:ext uri="{FF2B5EF4-FFF2-40B4-BE49-F238E27FC236}">
+                <a16:creationId xmlns:a16="http://schemas.microsoft.com/office/drawing/2014/main" id="{64F7823C-BC28-46D7-987A-06E2783C47CB}"/>
+              </a:ext>
+            </a:extLst>
+          </p:cNvPr>
+          <p:cNvSpPr>
+            <a:spLocks noGrp="1"/>
+          </p:cNvSpPr>
+          <p:nvPr>
+            <p:ph type="ftr" sz="quarter" idx="11"/>
+          </p:nvPr>
+        </p:nvSpPr>
+        <p:spPr/>
+        <p:txBody>
+          <a:bodyPr/>
+          <a:lstStyle/>
+          <a:p>
+            <a:pPr>
+              <a:defRPr/>
+            </a:pPr>
+            <a:r>
+              <a:rPr lang="it-IT"/>
+              <a:t>Alberto Ferrari – Programmazione di applicazioni SW</a:t>
+            </a:r>
+            <a:endParaRPr lang="it-IT" dirty="0"/>
+          </a:p>
+        </p:txBody>
+      </p:sp>
+      <p:pic>
+        <p:nvPicPr>
+          <p:cNvPr id="1026" name="Picture 2" descr="Risultati immagini per array">
+            <a:extLst>
+              <a:ext uri="{FF2B5EF4-FFF2-40B4-BE49-F238E27FC236}">
+                <a16:creationId xmlns:a16="http://schemas.microsoft.com/office/drawing/2014/main" id="{D3D73375-BDBF-4813-887A-C2ADA56C15E2}"/>
+              </a:ext>
+            </a:extLst>
+          </p:cNvPr>
+          <p:cNvPicPr>
+            <a:picLocks noChangeAspect="1" noChangeArrowheads="1"/>
+          </p:cNvPicPr>
+          <p:nvPr/>
+        </p:nvPicPr>
+        <p:blipFill>
+          <a:blip r:embed="rId2">
+            <a:extLst>
+              <a:ext uri="{28A0092B-C50C-407E-A947-70E740481C1C}">
+                <a14:useLocalDpi xmlns:a14="http://schemas.microsoft.com/office/drawing/2010/main" val="0"/>
+              </a:ext>
+            </a:extLst>
+          </a:blip>
+          <a:srcRect/>
+          <a:stretch>
+            <a:fillRect/>
+          </a:stretch>
+        </p:blipFill>
+        <p:spPr bwMode="auto">
+          <a:xfrm>
+            <a:off x="4799856" y="1844824"/>
+            <a:ext cx="5715000" cy="2971800"/>
+          </a:xfrm>
+          <a:prstGeom prst="rect">
+            <a:avLst/>
+          </a:prstGeom>
+          <a:noFill/>
+          <a:extLst>
+            <a:ext uri="{909E8E84-426E-40DD-AFC4-6F175D3DCCD1}">
+              <a14:hiddenFill xmlns:a14="http://schemas.microsoft.com/office/drawing/2010/main">
+                <a:solidFill>
+                  <a:srgbClr val="FFFFFF"/>
+                </a:solidFill>
+              </a14:hiddenFill>
+            </a:ext>
+          </a:extLst>
+        </p:spPr>
+      </p:pic>
+    </p:spTree>
+    <p:extLst>
+      <p:ext uri="{BB962C8B-B14F-4D97-AF65-F5344CB8AC3E}">
+        <p14:creationId xmlns:p14="http://schemas.microsoft.com/office/powerpoint/2010/main" val="1887680408"/>
+      </p:ext>
+    </p:extLst>
+  </p:cSld>
+  <p:clrMapOvr>
+    <a:masterClrMapping/>
+  </p:clrMapOvr>
+</p:sld>
+</file>
+
+<file path=ppt/slides/slide18.xml><?xml version="1.0" encoding="utf-8"?>
+<p:sld xmlns:a="http://schemas.openxmlformats.org/drawingml/2006/main" xmlns:r="http://schemas.openxmlformats.org/officeDocument/2006/relationships" xmlns:p="http://schemas.openxmlformats.org/presentationml/2006/main">
+  <p:cSld>
+    <p:spTree>
+      <p:nvGrpSpPr>
+        <p:cNvPr id="1" name=""/>
+        <p:cNvGrpSpPr/>
+        <p:nvPr/>
+      </p:nvGrpSpPr>
+      <p:grpSpPr>
+        <a:xfrm>
+          <a:off x="0" y="0"/>
+          <a:ext cx="0" cy="0"/>
+          <a:chOff x="0" y="0"/>
+          <a:chExt cx="0" cy="0"/>
+        </a:xfrm>
+      </p:grpSpPr>
+      <p:sp>
+        <p:nvSpPr>
+          <p:cNvPr id="2" name="Titolo 1">
+            <a:extLst>
+              <a:ext uri="{FF2B5EF4-FFF2-40B4-BE49-F238E27FC236}">
+                <a16:creationId xmlns:a16="http://schemas.microsoft.com/office/drawing/2014/main" id="{6CF123FB-C746-4C8C-BE97-BC685F7C1630}"/>
+              </a:ext>
+            </a:extLst>
+          </p:cNvPr>
+          <p:cNvSpPr>
+            <a:spLocks noGrp="1"/>
+          </p:cNvSpPr>
+          <p:nvPr>
+            <p:ph type="title"/>
+          </p:nvPr>
+        </p:nvSpPr>
+        <p:spPr/>
+        <p:txBody>
+          <a:bodyPr/>
+          <a:lstStyle/>
+          <a:p>
+            <a:r>
+              <a:rPr lang="it-IT" sz="2800" dirty="0"/>
+              <a:t>array</a:t>
+            </a:r>
+          </a:p>
+        </p:txBody>
+      </p:sp>
+      <p:sp>
+        <p:nvSpPr>
+          <p:cNvPr id="3" name="Segnaposto contenuto 2">
+            <a:extLst>
+              <a:ext uri="{FF2B5EF4-FFF2-40B4-BE49-F238E27FC236}">
+                <a16:creationId xmlns:a16="http://schemas.microsoft.com/office/drawing/2014/main" id="{EF9CB3DE-E8BF-4C68-B8D7-46BDC721B040}"/>
+              </a:ext>
+            </a:extLst>
+          </p:cNvPr>
+          <p:cNvSpPr>
+            <a:spLocks noGrp="1"/>
+          </p:cNvSpPr>
+          <p:nvPr>
+            <p:ph idx="1"/>
+          </p:nvPr>
+        </p:nvSpPr>
+        <p:spPr/>
+        <p:txBody>
+          <a:bodyPr/>
+          <a:lstStyle/>
+          <a:p>
+            <a:r>
+              <a:rPr lang="it-IT" dirty="0"/>
+              <a:t>struttura </a:t>
+            </a:r>
+            <a:r>
+              <a:rPr lang="it-IT" b="1" i="1" dirty="0"/>
+              <a:t>statica</a:t>
+            </a:r>
+            <a:r>
+              <a:rPr lang="it-IT" dirty="0"/>
+              <a:t> </a:t>
+            </a:r>
+            <a:r>
+              <a:rPr lang="it-IT" b="1" i="1" dirty="0"/>
+              <a:t>omogenea</a:t>
+            </a:r>
+          </a:p>
+          <a:p>
+            <a:pPr lvl="1"/>
+            <a:r>
+              <a:rPr lang="it-IT" dirty="0"/>
+              <a:t>non in tutti i linguaggi … </a:t>
+            </a:r>
+            <a:r>
+              <a:rPr lang="it-IT" i="1" dirty="0"/>
+              <a:t>array dinamici</a:t>
+            </a:r>
+          </a:p>
+          <a:p>
+            <a:r>
+              <a:rPr lang="it-IT" b="1" i="1" dirty="0"/>
+              <a:t>accesso diretto </a:t>
+            </a:r>
+            <a:r>
+              <a:rPr lang="it-IT" dirty="0"/>
+              <a:t>a ogni elemento attraverso l’</a:t>
+            </a:r>
+            <a:r>
+              <a:rPr lang="it-IT" b="1" i="1" dirty="0"/>
+              <a:t>indice</a:t>
+            </a:r>
+            <a:r>
+              <a:rPr lang="it-IT" dirty="0"/>
+              <a:t> </a:t>
+            </a:r>
+          </a:p>
+          <a:p>
+            <a:pPr lvl="1"/>
+            <a:r>
+              <a:rPr lang="it-IT" dirty="0"/>
+              <a:t>complessità dell’accesso </a:t>
+            </a:r>
+            <a:r>
+              <a:rPr lang="it-IT" b="1" i="1" dirty="0"/>
+              <a:t>O(1)</a:t>
+            </a:r>
+          </a:p>
+        </p:txBody>
+      </p:sp>
+      <p:sp>
+        <p:nvSpPr>
+          <p:cNvPr id="4" name="Segnaposto piè di pagina 3">
+            <a:extLst>
+              <a:ext uri="{FF2B5EF4-FFF2-40B4-BE49-F238E27FC236}">
+                <a16:creationId xmlns:a16="http://schemas.microsoft.com/office/drawing/2014/main" id="{BDA79489-8AFD-4660-9CB5-64D7033FFDE7}"/>
+              </a:ext>
+            </a:extLst>
+          </p:cNvPr>
+          <p:cNvSpPr>
+            <a:spLocks noGrp="1"/>
+          </p:cNvSpPr>
+          <p:nvPr>
+            <p:ph type="ftr" sz="quarter" idx="11"/>
+          </p:nvPr>
+        </p:nvSpPr>
+        <p:spPr/>
+        <p:txBody>
+          <a:bodyPr/>
+          <a:lstStyle/>
+          <a:p>
+            <a:pPr>
+              <a:defRPr/>
+            </a:pPr>
+            <a:r>
+              <a:rPr lang="it-IT"/>
+              <a:t>Alberto Ferrari – Programmazione di applicazioni SW</a:t>
+            </a:r>
+            <a:endParaRPr lang="it-IT" dirty="0"/>
+          </a:p>
+        </p:txBody>
+      </p:sp>
+      <p:pic>
+        <p:nvPicPr>
+          <p:cNvPr id="1026" name="Picture 2" descr="Definizione di Array e Matrici in informatica con implementazione in C - Array">
+            <a:extLst>
+              <a:ext uri="{FF2B5EF4-FFF2-40B4-BE49-F238E27FC236}">
+                <a16:creationId xmlns:a16="http://schemas.microsoft.com/office/drawing/2014/main" id="{BD94008E-CDB0-48D0-B436-EF10CC38647C}"/>
+              </a:ext>
+            </a:extLst>
+          </p:cNvPr>
+          <p:cNvPicPr>
+            <a:picLocks noChangeAspect="1" noChangeArrowheads="1"/>
+          </p:cNvPicPr>
+          <p:nvPr/>
+        </p:nvPicPr>
+        <p:blipFill>
+          <a:blip r:embed="rId2">
+            <a:extLst>
+              <a:ext uri="{28A0092B-C50C-407E-A947-70E740481C1C}">
+                <a14:useLocalDpi xmlns:a14="http://schemas.microsoft.com/office/drawing/2010/main" val="0"/>
+              </a:ext>
+            </a:extLst>
+          </a:blip>
+          <a:srcRect/>
+          <a:stretch>
+            <a:fillRect/>
+          </a:stretch>
+        </p:blipFill>
+        <p:spPr bwMode="auto">
+          <a:xfrm>
+            <a:off x="4511824" y="3574426"/>
+            <a:ext cx="3810000" cy="1381125"/>
+          </a:xfrm>
+          <a:prstGeom prst="rect">
+            <a:avLst/>
+          </a:prstGeom>
+          <a:noFill/>
+          <a:extLst>
+            <a:ext uri="{909E8E84-426E-40DD-AFC4-6F175D3DCCD1}">
+              <a14:hiddenFill xmlns:a14="http://schemas.microsoft.com/office/drawing/2010/main">
+                <a:solidFill>
+                  <a:srgbClr val="FFFFFF"/>
+                </a:solidFill>
+              </a14:hiddenFill>
+            </a:ext>
+          </a:extLst>
+        </p:spPr>
+      </p:pic>
+    </p:spTree>
+    <p:extLst>
+      <p:ext uri="{BB962C8B-B14F-4D97-AF65-F5344CB8AC3E}">
+        <p14:creationId xmlns:p14="http://schemas.microsoft.com/office/powerpoint/2010/main" val="1421176793"/>
+      </p:ext>
+    </p:extLst>
+  </p:cSld>
+  <p:clrMapOvr>
+    <a:masterClrMapping/>
+  </p:clrMapOvr>
+</p:sld>
+</file>
+
+<file path=ppt/slides/slide19.xml><?xml version="1.0" encoding="utf-8"?>
+<p:sld xmlns:a="http://schemas.openxmlformats.org/drawingml/2006/main" xmlns:r="http://schemas.openxmlformats.org/officeDocument/2006/relationships" xmlns:p="http://schemas.openxmlformats.org/presentationml/2006/main">
+  <p:cSld>
+    <p:spTree>
+      <p:nvGrpSpPr>
+        <p:cNvPr id="1" name=""/>
+        <p:cNvGrpSpPr/>
+        <p:nvPr/>
+      </p:nvGrpSpPr>
+      <p:grpSpPr>
+        <a:xfrm>
+          <a:off x="0" y="0"/>
+          <a:ext cx="0" cy="0"/>
+          <a:chOff x="0" y="0"/>
+          <a:chExt cx="0" cy="0"/>
+        </a:xfrm>
+      </p:grpSpPr>
+      <p:sp>
+        <p:nvSpPr>
+          <p:cNvPr id="2" name="Titolo 1">
+            <a:extLst>
+              <a:ext uri="{FF2B5EF4-FFF2-40B4-BE49-F238E27FC236}">
+                <a16:creationId xmlns:a16="http://schemas.microsoft.com/office/drawing/2014/main" id="{28C82CFE-9D8F-4F95-A670-522F731330B6}"/>
+              </a:ext>
+            </a:extLst>
+          </p:cNvPr>
+          <p:cNvSpPr>
+            <a:spLocks noGrp="1"/>
+          </p:cNvSpPr>
+          <p:nvPr>
+            <p:ph type="title"/>
+          </p:nvPr>
+        </p:nvSpPr>
+        <p:spPr/>
+        <p:txBody>
+          <a:bodyPr/>
+          <a:lstStyle/>
+          <a:p>
+            <a:r>
+              <a:rPr lang="it-IT" sz="2800" dirty="0"/>
+              <a:t>algoritmo di visita</a:t>
+            </a:r>
+          </a:p>
+        </p:txBody>
+      </p:sp>
+      <p:sp>
+        <p:nvSpPr>
+          <p:cNvPr id="3" name="Segnaposto contenuto 2">
+            <a:extLst>
+              <a:ext uri="{FF2B5EF4-FFF2-40B4-BE49-F238E27FC236}">
+                <a16:creationId xmlns:a16="http://schemas.microsoft.com/office/drawing/2014/main" id="{BCAFEC26-94E9-4492-89E7-28C970CD3106}"/>
+              </a:ext>
+            </a:extLst>
+          </p:cNvPr>
+          <p:cNvSpPr>
+            <a:spLocks noGrp="1"/>
+          </p:cNvSpPr>
+          <p:nvPr>
+            <p:ph idx="1"/>
+          </p:nvPr>
+        </p:nvSpPr>
+        <p:spPr/>
+        <p:txBody>
+          <a:bodyPr/>
+          <a:lstStyle/>
+          <a:p>
+            <a:r>
+              <a:rPr lang="it-IT" dirty="0"/>
+              <a:t>percorrere </a:t>
+            </a:r>
+            <a:r>
+              <a:rPr lang="it-IT" b="1" i="1" dirty="0"/>
+              <a:t>una e una sola volta </a:t>
+            </a:r>
+            <a:r>
+              <a:rPr lang="it-IT" dirty="0"/>
+              <a:t>tutti gli </a:t>
+            </a:r>
+            <a:r>
+              <a:rPr lang="it-IT" b="1" i="1" dirty="0"/>
+              <a:t>elementi</a:t>
+            </a:r>
+          </a:p>
+          <a:p>
+            <a:pPr marL="400050" lvl="1" indent="0">
+              <a:buNone/>
+            </a:pPr>
+            <a:endParaRPr lang="pt-BR" sz="1800" b="1" dirty="0">
+              <a:latin typeface="Courier New" panose="02070309020205020404" pitchFamily="49" charset="0"/>
+              <a:cs typeface="Courier New" panose="02070309020205020404" pitchFamily="49" charset="0"/>
+            </a:endParaRPr>
+          </a:p>
+          <a:p>
+            <a:pPr marL="400050" lvl="1" indent="0">
+              <a:buNone/>
+            </a:pPr>
+            <a:r>
+              <a:rPr lang="pt-BR" sz="1800" b="1" dirty="0">
+                <a:latin typeface="Courier New" panose="02070309020205020404" pitchFamily="49" charset="0"/>
+                <a:cs typeface="Courier New" panose="02070309020205020404" pitchFamily="49" charset="0"/>
+              </a:rPr>
+              <a:t>void visita_array(int a[], int n) {</a:t>
+            </a:r>
+          </a:p>
+          <a:p>
+            <a:pPr marL="400050" lvl="1" indent="0">
+              <a:buNone/>
+            </a:pPr>
+            <a:r>
+              <a:rPr lang="pt-BR" sz="1800" b="1" dirty="0">
+                <a:latin typeface="Courier New" panose="02070309020205020404" pitchFamily="49" charset="0"/>
+                <a:cs typeface="Courier New" panose="02070309020205020404" pitchFamily="49" charset="0"/>
+              </a:rPr>
+              <a:t>  for (int i = 0; i &lt; n; i++)</a:t>
+            </a:r>
+          </a:p>
+          <a:p>
+            <a:pPr marL="400050" lvl="1" indent="0">
+              <a:buNone/>
+            </a:pPr>
+            <a:r>
+              <a:rPr lang="pt-BR" sz="1800" b="1" dirty="0">
+                <a:latin typeface="Courier New" panose="02070309020205020404" pitchFamily="49" charset="0"/>
+                <a:cs typeface="Courier New" panose="02070309020205020404" pitchFamily="49" charset="0"/>
+              </a:rPr>
+              <a:t>      elabora(a[i]);</a:t>
+            </a:r>
+          </a:p>
+          <a:p>
+            <a:pPr marL="400050" lvl="1" indent="0">
+              <a:buNone/>
+            </a:pPr>
+            <a:r>
+              <a:rPr lang="pt-BR" sz="1800" b="1" dirty="0">
+                <a:latin typeface="Courier New" panose="02070309020205020404" pitchFamily="49" charset="0"/>
+                <a:cs typeface="Courier New" panose="02070309020205020404" pitchFamily="49" charset="0"/>
+              </a:rPr>
+              <a:t>}</a:t>
+            </a:r>
+          </a:p>
+          <a:p>
+            <a:r>
+              <a:rPr lang="it-IT" dirty="0"/>
+              <a:t>se </a:t>
+            </a:r>
+            <a:r>
+              <a:rPr lang="it-IT" i="1" dirty="0"/>
+              <a:t>elabora</a:t>
+            </a:r>
+            <a:r>
+              <a:rPr lang="it-IT" dirty="0"/>
+              <a:t> ha complessità </a:t>
+            </a:r>
+            <a:r>
+              <a:rPr lang="it-IT" b="1" i="1" dirty="0"/>
+              <a:t>x</a:t>
+            </a:r>
+            <a:r>
+              <a:rPr lang="it-IT" dirty="0"/>
+              <a:t> passi la complessità dell’algoritmo risulta: </a:t>
+            </a:r>
+            <a:r>
+              <a:rPr lang="it-IT" dirty="0">
+                <a:latin typeface="Courier New" panose="02070309020205020404" pitchFamily="49" charset="0"/>
+                <a:cs typeface="Courier New" panose="02070309020205020404" pitchFamily="49" charset="0"/>
+              </a:rPr>
+              <a:t>1+n(1+x+1)+1 = (x+2)n+2 = </a:t>
+            </a:r>
+            <a:r>
+              <a:rPr lang="it-IT" b="1" i="1" dirty="0">
+                <a:latin typeface="Courier New" panose="02070309020205020404" pitchFamily="49" charset="0"/>
+                <a:cs typeface="Courier New" panose="02070309020205020404" pitchFamily="49" charset="0"/>
+              </a:rPr>
+              <a:t>O(n) </a:t>
+            </a:r>
+          </a:p>
+        </p:txBody>
+      </p:sp>
+      <p:sp>
+        <p:nvSpPr>
+          <p:cNvPr id="4" name="Segnaposto piè di pagina 3">
+            <a:extLst>
+              <a:ext uri="{FF2B5EF4-FFF2-40B4-BE49-F238E27FC236}">
+                <a16:creationId xmlns:a16="http://schemas.microsoft.com/office/drawing/2014/main" id="{4C81CCF4-D3BE-43D7-BCA1-C1BFCC99FF8F}"/>
+              </a:ext>
+            </a:extLst>
+          </p:cNvPr>
+          <p:cNvSpPr>
+            <a:spLocks noGrp="1"/>
+          </p:cNvSpPr>
+          <p:nvPr>
+            <p:ph type="ftr" sz="quarter" idx="11"/>
+          </p:nvPr>
+        </p:nvSpPr>
+        <p:spPr/>
+        <p:txBody>
+          <a:bodyPr/>
+          <a:lstStyle/>
+          <a:p>
+            <a:pPr>
+              <a:defRPr/>
+            </a:pPr>
+            <a:r>
+              <a:rPr lang="it-IT"/>
+              <a:t>Alberto Ferrari – Programmazione di applicazioni SW</a:t>
+            </a:r>
+            <a:endParaRPr lang="it-IT" dirty="0"/>
+          </a:p>
+        </p:txBody>
+      </p:sp>
+    </p:spTree>
+    <p:extLst>
+      <p:ext uri="{BB962C8B-B14F-4D97-AF65-F5344CB8AC3E}">
+        <p14:creationId xmlns:p14="http://schemas.microsoft.com/office/powerpoint/2010/main" val="894830978"/>
+      </p:ext>
+    </p:extLst>
+  </p:cSld>
+  <p:clrMapOvr>
+    <a:masterClrMapping/>
+  </p:clrMapOvr>
+</p:sld>
+</file>
+
+<file path=ppt/slides/slide2.xml><?xml version="1.0" encoding="utf-8"?>
+<p:sld xmlns:a="http://schemas.openxmlformats.org/drawingml/2006/main" xmlns:r="http://schemas.openxmlformats.org/officeDocument/2006/relationships" xmlns:p="http://schemas.openxmlformats.org/presentationml/2006/main">
+  <p:cSld>
+    <p:spTree>
+      <p:nvGrpSpPr>
+        <p:cNvPr id="1" name=""/>
+        <p:cNvGrpSpPr/>
+        <p:nvPr/>
+      </p:nvGrpSpPr>
+      <p:grpSpPr>
+        <a:xfrm>
+          <a:off x="0" y="0"/>
+          <a:ext cx="0" cy="0"/>
+          <a:chOff x="0" y="0"/>
+          <a:chExt cx="0" cy="0"/>
+        </a:xfrm>
+      </p:grpSpPr>
+      <p:sp>
+        <p:nvSpPr>
+          <p:cNvPr id="2" name="Titolo 1">
+            <a:extLst>
+              <a:ext uri="{FF2B5EF4-FFF2-40B4-BE49-F238E27FC236}">
+                <a16:creationId xmlns:a16="http://schemas.microsoft.com/office/drawing/2014/main" id="{6E1C06D7-0D15-48BB-838B-FCF258458F3C}"/>
+              </a:ext>
+            </a:extLst>
+          </p:cNvPr>
+          <p:cNvSpPr>
+            <a:spLocks noGrp="1"/>
+          </p:cNvSpPr>
+          <p:nvPr>
+            <p:ph type="title"/>
+          </p:nvPr>
+        </p:nvSpPr>
+        <p:spPr/>
+        <p:txBody>
+          <a:bodyPr/>
+          <a:lstStyle/>
+          <a:p>
+            <a:r>
+              <a:rPr lang="it-IT" sz="2800" dirty="0"/>
+              <a:t>classificazione degli algoritmi</a:t>
+            </a:r>
+          </a:p>
+        </p:txBody>
+      </p:sp>
+      <p:sp>
+        <p:nvSpPr>
+          <p:cNvPr id="3" name="Segnaposto contenuto 2">
+            <a:extLst>
+              <a:ext uri="{FF2B5EF4-FFF2-40B4-BE49-F238E27FC236}">
+                <a16:creationId xmlns:a16="http://schemas.microsoft.com/office/drawing/2014/main" id="{97F077B8-F77B-43B9-B0F9-D38691D8A104}"/>
+              </a:ext>
+            </a:extLst>
+          </p:cNvPr>
+          <p:cNvSpPr>
+            <a:spLocks noGrp="1"/>
+          </p:cNvSpPr>
+          <p:nvPr>
+            <p:ph idx="1"/>
+          </p:nvPr>
+        </p:nvSpPr>
+        <p:spPr/>
+        <p:txBody>
+          <a:bodyPr/>
+          <a:lstStyle/>
+          <a:p>
+            <a:r>
+              <a:rPr lang="it-IT" dirty="0"/>
+              <a:t>algoritmi </a:t>
+            </a:r>
+            <a:r>
+              <a:rPr lang="it-IT" b="1" i="1" dirty="0"/>
+              <a:t>sequenziali</a:t>
+            </a:r>
+            <a:r>
+              <a:rPr lang="it-IT" dirty="0"/>
+              <a:t>: eseguono </a:t>
+            </a:r>
+            <a:r>
+              <a:rPr lang="it-IT" b="1" i="1" dirty="0"/>
+              <a:t>un</a:t>
+            </a:r>
+            <a:r>
+              <a:rPr lang="it-IT" dirty="0"/>
+              <a:t> solo </a:t>
+            </a:r>
+            <a:r>
+              <a:rPr lang="it-IT" b="1" i="1" dirty="0"/>
+              <a:t>passo</a:t>
+            </a:r>
+            <a:r>
+              <a:rPr lang="it-IT" dirty="0"/>
+              <a:t> alla volta</a:t>
+            </a:r>
+          </a:p>
+          <a:p>
+            <a:r>
+              <a:rPr lang="it-IT" dirty="0"/>
+              <a:t>algoritmi </a:t>
+            </a:r>
+            <a:r>
+              <a:rPr lang="it-IT" b="1" i="1" dirty="0"/>
+              <a:t>paralleli</a:t>
+            </a:r>
+            <a:r>
+              <a:rPr lang="it-IT" dirty="0"/>
+              <a:t>: possono eseguire </a:t>
+            </a:r>
+            <a:r>
+              <a:rPr lang="it-IT" b="1" i="1" dirty="0"/>
+              <a:t>più passi </a:t>
+            </a:r>
+            <a:r>
+              <a:rPr lang="it-IT" dirty="0"/>
+              <a:t>per volta</a:t>
+            </a:r>
+          </a:p>
+          <a:p>
+            <a:r>
+              <a:rPr lang="it-IT" dirty="0"/>
+              <a:t>algoritmi </a:t>
+            </a:r>
+            <a:r>
+              <a:rPr lang="it-IT" b="1" i="1" dirty="0"/>
+              <a:t>deterministici</a:t>
+            </a:r>
+            <a:r>
+              <a:rPr lang="it-IT" dirty="0"/>
+              <a:t>: ad ogni punto di scelta, intraprendono </a:t>
+            </a:r>
+            <a:r>
+              <a:rPr lang="it-IT" b="1" i="1" dirty="0"/>
+              <a:t>una sola via</a:t>
+            </a:r>
+            <a:r>
+              <a:rPr lang="it-IT" dirty="0"/>
+              <a:t> determinata dalla valutazione di un’espressione</a:t>
+            </a:r>
+          </a:p>
+          <a:p>
+            <a:r>
+              <a:rPr lang="it-IT" dirty="0"/>
+              <a:t>algoritmi </a:t>
+            </a:r>
+            <a:r>
+              <a:rPr lang="it-IT" b="1" i="1" dirty="0"/>
+              <a:t>probabilistici</a:t>
+            </a:r>
+            <a:r>
+              <a:rPr lang="it-IT" dirty="0"/>
+              <a:t>: ad ogni punto di scelta, intraprendono </a:t>
+            </a:r>
+            <a:r>
+              <a:rPr lang="it-IT" b="1" i="1" dirty="0"/>
+              <a:t>una</a:t>
+            </a:r>
+            <a:r>
+              <a:rPr lang="it-IT" dirty="0"/>
+              <a:t> sola </a:t>
+            </a:r>
+            <a:r>
+              <a:rPr lang="it-IT" b="1" i="1" dirty="0"/>
+              <a:t>via</a:t>
+            </a:r>
+            <a:r>
+              <a:rPr lang="it-IT" dirty="0"/>
+              <a:t> determinata</a:t>
+            </a:r>
+            <a:r>
+              <a:rPr lang="it-IT" b="1" i="1" dirty="0"/>
+              <a:t> a caso</a:t>
+            </a:r>
+          </a:p>
+          <a:p>
+            <a:r>
+              <a:rPr lang="it-IT" dirty="0"/>
+              <a:t>algoritmi </a:t>
+            </a:r>
+            <a:r>
+              <a:rPr lang="it-IT" b="1" i="1" dirty="0"/>
+              <a:t>non deterministici</a:t>
+            </a:r>
+            <a:r>
+              <a:rPr lang="it-IT" dirty="0"/>
+              <a:t>: ad ogni punto di scelta, esplorano </a:t>
+            </a:r>
+            <a:r>
+              <a:rPr lang="it-IT" b="1" i="1" dirty="0"/>
+              <a:t>tutte le vie</a:t>
+            </a:r>
+            <a:r>
+              <a:rPr lang="it-IT" dirty="0"/>
+              <a:t> contemporaneamente</a:t>
+            </a:r>
+          </a:p>
+        </p:txBody>
+      </p:sp>
+      <p:sp>
+        <p:nvSpPr>
+          <p:cNvPr id="4" name="Segnaposto piè di pagina 3">
+            <a:extLst>
+              <a:ext uri="{FF2B5EF4-FFF2-40B4-BE49-F238E27FC236}">
+                <a16:creationId xmlns:a16="http://schemas.microsoft.com/office/drawing/2014/main" id="{4A218655-A1DF-4DAE-9F17-EDA00B9B03CB}"/>
+              </a:ext>
+            </a:extLst>
+          </p:cNvPr>
+          <p:cNvSpPr>
+            <a:spLocks noGrp="1"/>
+          </p:cNvSpPr>
+          <p:nvPr>
+            <p:ph type="ftr" sz="quarter" idx="11"/>
+          </p:nvPr>
+        </p:nvSpPr>
+        <p:spPr/>
+        <p:txBody>
+          <a:bodyPr/>
+          <a:lstStyle/>
+          <a:p>
+            <a:pPr>
+              <a:defRPr/>
+            </a:pPr>
+            <a:r>
+              <a:rPr lang="it-IT"/>
+              <a:t>Alberto Ferrari – Programmazione di applicazioni SW</a:t>
+            </a:r>
+            <a:endParaRPr lang="it-IT" dirty="0"/>
+          </a:p>
+        </p:txBody>
+      </p:sp>
+    </p:spTree>
+    <p:extLst>
+      <p:ext uri="{BB962C8B-B14F-4D97-AF65-F5344CB8AC3E}">
+        <p14:creationId xmlns:p14="http://schemas.microsoft.com/office/powerpoint/2010/main" val="3644423435"/>
+      </p:ext>
+    </p:extLst>
+  </p:cSld>
+  <p:clrMapOvr>
+    <a:masterClrMapping/>
+  </p:clrMapOvr>
+</p:sld>
+</file>
+
+<file path=ppt/slides/slide20.xml><?xml version="1.0" encoding="utf-8"?>
+<p:sld xmlns:a="http://schemas.openxmlformats.org/drawingml/2006/main" xmlns:r="http://schemas.openxmlformats.org/officeDocument/2006/relationships" xmlns:p="http://schemas.openxmlformats.org/presentationml/2006/main">
+  <p:cSld>
+    <p:spTree>
+      <p:nvGrpSpPr>
+        <p:cNvPr id="1" name=""/>
+        <p:cNvGrpSpPr/>
+        <p:nvPr/>
+      </p:nvGrpSpPr>
+      <p:grpSpPr>
+        <a:xfrm>
+          <a:off x="0" y="0"/>
+          <a:ext cx="0" cy="0"/>
+          <a:chOff x="0" y="0"/>
+          <a:chExt cx="0" cy="0"/>
+        </a:xfrm>
+      </p:grpSpPr>
+      <p:sp>
+        <p:nvSpPr>
+          <p:cNvPr id="2" name="Titolo 1">
+            <a:extLst>
+              <a:ext uri="{FF2B5EF4-FFF2-40B4-BE49-F238E27FC236}">
+                <a16:creationId xmlns:a16="http://schemas.microsoft.com/office/drawing/2014/main" id="{112215FB-B4C1-4477-99E2-9E5BD430ED35}"/>
+              </a:ext>
+            </a:extLst>
+          </p:cNvPr>
+          <p:cNvSpPr>
+            <a:spLocks noGrp="1"/>
+          </p:cNvSpPr>
+          <p:nvPr>
+            <p:ph type="title"/>
+          </p:nvPr>
+        </p:nvSpPr>
+        <p:spPr/>
+        <p:txBody>
+          <a:bodyPr/>
+          <a:lstStyle/>
+          <a:p>
+            <a:r>
+              <a:rPr lang="it-IT" sz="2800" dirty="0"/>
+              <a:t>ricerca</a:t>
+            </a:r>
+          </a:p>
+        </p:txBody>
+      </p:sp>
+      <p:sp>
+        <p:nvSpPr>
+          <p:cNvPr id="3" name="Segnaposto contenuto 2">
+            <a:extLst>
+              <a:ext uri="{FF2B5EF4-FFF2-40B4-BE49-F238E27FC236}">
+                <a16:creationId xmlns:a16="http://schemas.microsoft.com/office/drawing/2014/main" id="{D977EB42-8420-4F12-9919-3D9CF8B25431}"/>
+              </a:ext>
+            </a:extLst>
+          </p:cNvPr>
+          <p:cNvSpPr>
+            <a:spLocks noGrp="1"/>
+          </p:cNvSpPr>
+          <p:nvPr>
+            <p:ph idx="1"/>
+          </p:nvPr>
+        </p:nvSpPr>
+        <p:spPr/>
+        <p:txBody>
+          <a:bodyPr/>
+          <a:lstStyle/>
+          <a:p>
+            <a:r>
+              <a:rPr lang="it-IT" dirty="0"/>
+              <a:t>stabilire se un </a:t>
+            </a:r>
+            <a:r>
+              <a:rPr lang="it-IT" b="1" i="1" dirty="0"/>
+              <a:t>valore</a:t>
+            </a:r>
+            <a:r>
+              <a:rPr lang="it-IT" dirty="0"/>
+              <a:t> è </a:t>
+            </a:r>
+            <a:r>
+              <a:rPr lang="it-IT" b="1" i="1" dirty="0"/>
+              <a:t>presente</a:t>
+            </a:r>
+            <a:r>
+              <a:rPr lang="it-IT" dirty="0"/>
+              <a:t> all’interno dell’array restituendo l’</a:t>
+            </a:r>
+            <a:r>
+              <a:rPr lang="it-IT" b="1" i="1" dirty="0"/>
+              <a:t>indice</a:t>
+            </a:r>
+            <a:r>
+              <a:rPr lang="it-IT" dirty="0"/>
+              <a:t> dell’elemento o </a:t>
+            </a:r>
+            <a:r>
+              <a:rPr lang="it-IT" b="1" i="1" dirty="0"/>
+              <a:t>-1 </a:t>
+            </a:r>
+            <a:r>
+              <a:rPr lang="it-IT" dirty="0"/>
+              <a:t>se non presente</a:t>
+            </a:r>
+          </a:p>
+          <a:p>
+            <a:r>
+              <a:rPr lang="it-IT" dirty="0"/>
+              <a:t>ricerca </a:t>
+            </a:r>
+            <a:r>
+              <a:rPr lang="it-IT" b="1" i="1" dirty="0"/>
+              <a:t>sequenziale</a:t>
+            </a:r>
+            <a:r>
+              <a:rPr lang="it-IT" dirty="0"/>
+              <a:t> (</a:t>
+            </a:r>
+            <a:r>
+              <a:rPr lang="it-IT" i="1" dirty="0"/>
+              <a:t>lineare</a:t>
+            </a:r>
+            <a:r>
+              <a:rPr lang="it-IT" dirty="0"/>
+              <a:t>): algoritmo per trovare un elemento in un insieme </a:t>
+            </a:r>
+            <a:r>
+              <a:rPr lang="it-IT" b="1" i="1" dirty="0"/>
+              <a:t>non ordinato</a:t>
+            </a:r>
+          </a:p>
+          <a:p>
+            <a:pPr lvl="1"/>
+            <a:r>
+              <a:rPr lang="it-IT" dirty="0"/>
+              <a:t>si effettua la scansione dell'array </a:t>
+            </a:r>
+            <a:r>
+              <a:rPr lang="it-IT" b="1" i="1" dirty="0"/>
+              <a:t>sequenzialmente</a:t>
+            </a:r>
+          </a:p>
+          <a:p>
+            <a:r>
+              <a:rPr lang="it-IT" dirty="0"/>
+              <a:t>ricerca </a:t>
+            </a:r>
+            <a:r>
+              <a:rPr lang="it-IT" b="1" i="1" dirty="0"/>
+              <a:t>binaria</a:t>
+            </a:r>
+            <a:r>
+              <a:rPr lang="it-IT" dirty="0"/>
+              <a:t> (</a:t>
+            </a:r>
+            <a:r>
+              <a:rPr lang="it-IT" i="1" dirty="0"/>
+              <a:t>dicotomica</a:t>
+            </a:r>
+            <a:r>
+              <a:rPr lang="it-IT" dirty="0"/>
+              <a:t>): algoritmo per trovare un elemento in un insieme </a:t>
+            </a:r>
+            <a:r>
+              <a:rPr lang="it-IT" b="1" i="1" dirty="0"/>
+              <a:t>ordinato</a:t>
+            </a:r>
+          </a:p>
+          <a:p>
+            <a:pPr lvl="1"/>
+            <a:r>
+              <a:rPr lang="it-IT" dirty="0"/>
+              <a:t>si inizia la ricerca dall'</a:t>
+            </a:r>
+            <a:r>
+              <a:rPr lang="it-IT" b="1" i="1" dirty="0"/>
+              <a:t>elemento</a:t>
+            </a:r>
+            <a:r>
+              <a:rPr lang="it-IT" dirty="0"/>
+              <a:t> </a:t>
+            </a:r>
+            <a:r>
+              <a:rPr lang="it-IT" b="1" i="1" dirty="0"/>
+              <a:t>centrale</a:t>
+            </a:r>
+            <a:r>
+              <a:rPr lang="it-IT" dirty="0"/>
+              <a:t>, si confronta questo elemento con quello cercato:</a:t>
+            </a:r>
+          </a:p>
+          <a:p>
+            <a:pPr lvl="2"/>
+            <a:r>
+              <a:rPr lang="it-IT" dirty="0"/>
+              <a:t>se </a:t>
+            </a:r>
+            <a:r>
+              <a:rPr lang="it-IT" b="1" i="1" dirty="0"/>
+              <a:t>corrisponde</a:t>
+            </a:r>
+            <a:r>
+              <a:rPr lang="it-IT" dirty="0"/>
+              <a:t>, la ricerca termina con successo</a:t>
+            </a:r>
+          </a:p>
+          <a:p>
+            <a:pPr lvl="2"/>
+            <a:r>
+              <a:rPr lang="it-IT" dirty="0"/>
+              <a:t>se è </a:t>
+            </a:r>
+            <a:r>
+              <a:rPr lang="it-IT" b="1" i="1" dirty="0"/>
+              <a:t>superiore</a:t>
+            </a:r>
+            <a:r>
+              <a:rPr lang="it-IT" dirty="0"/>
+              <a:t>, la ricerca viene ripetuta sugli elementi </a:t>
+            </a:r>
+            <a:r>
+              <a:rPr lang="it-IT" b="1" i="1" dirty="0"/>
+              <a:t>precedenti</a:t>
+            </a:r>
+          </a:p>
+          <a:p>
+            <a:pPr lvl="2"/>
+            <a:r>
+              <a:rPr lang="it-IT" dirty="0"/>
+              <a:t>se è </a:t>
+            </a:r>
+            <a:r>
+              <a:rPr lang="it-IT" b="1" i="1" dirty="0"/>
+              <a:t>inferiore</a:t>
+            </a:r>
+            <a:r>
+              <a:rPr lang="it-IT" dirty="0"/>
+              <a:t>, la ricerca viene ripetuta sugli elementi </a:t>
+            </a:r>
+            <a:r>
+              <a:rPr lang="it-IT" b="1" i="1" dirty="0"/>
+              <a:t>successivi</a:t>
+            </a:r>
+          </a:p>
+        </p:txBody>
+      </p:sp>
+      <p:sp>
+        <p:nvSpPr>
+          <p:cNvPr id="4" name="Segnaposto piè di pagina 3">
+            <a:extLst>
+              <a:ext uri="{FF2B5EF4-FFF2-40B4-BE49-F238E27FC236}">
+                <a16:creationId xmlns:a16="http://schemas.microsoft.com/office/drawing/2014/main" id="{4815F228-BC92-43B4-9D8B-891D9FFD4859}"/>
+              </a:ext>
+            </a:extLst>
+          </p:cNvPr>
+          <p:cNvSpPr>
+            <a:spLocks noGrp="1"/>
+          </p:cNvSpPr>
+          <p:nvPr>
+            <p:ph type="ftr" sz="quarter" idx="11"/>
+          </p:nvPr>
+        </p:nvSpPr>
+        <p:spPr/>
+        <p:txBody>
+          <a:bodyPr/>
+          <a:lstStyle/>
+          <a:p>
+            <a:pPr>
+              <a:defRPr/>
+            </a:pPr>
+            <a:r>
+              <a:rPr lang="it-IT"/>
+              <a:t>Alberto Ferrari – Programmazione di applicazioni SW</a:t>
+            </a:r>
+            <a:endParaRPr lang="it-IT" dirty="0"/>
+          </a:p>
+        </p:txBody>
+      </p:sp>
+    </p:spTree>
+    <p:extLst>
+      <p:ext uri="{BB962C8B-B14F-4D97-AF65-F5344CB8AC3E}">
+        <p14:creationId xmlns:p14="http://schemas.microsoft.com/office/powerpoint/2010/main" val="2811347832"/>
+      </p:ext>
+    </p:extLst>
+  </p:cSld>
+  <p:clrMapOvr>
+    <a:masterClrMapping/>
+  </p:clrMapOvr>
+</p:sld>
+</file>
+
+<file path=ppt/slides/slide21.xml><?xml version="1.0" encoding="utf-8"?>
+<p:sld xmlns:a="http://schemas.openxmlformats.org/drawingml/2006/main" xmlns:r="http://schemas.openxmlformats.org/officeDocument/2006/relationships" xmlns:p="http://schemas.openxmlformats.org/presentationml/2006/main">
+  <p:cSld>
+    <p:spTree>
+      <p:nvGrpSpPr>
+        <p:cNvPr id="1" name=""/>
+        <p:cNvGrpSpPr/>
+        <p:nvPr/>
+      </p:nvGrpSpPr>
+      <p:grpSpPr>
+        <a:xfrm>
+          <a:off x="0" y="0"/>
+          <a:ext cx="0" cy="0"/>
+          <a:chOff x="0" y="0"/>
+          <a:chExt cx="0" cy="0"/>
+        </a:xfrm>
+      </p:grpSpPr>
+      <p:sp>
+        <p:nvSpPr>
+          <p:cNvPr id="2" name="Titolo 1">
+            <a:extLst>
+              <a:ext uri="{FF2B5EF4-FFF2-40B4-BE49-F238E27FC236}">
                 <a16:creationId xmlns:a16="http://schemas.microsoft.com/office/drawing/2014/main" id="{5AAA4176-B7EF-49EB-A159-8D05ED74A212}"/>
               </a:ext>
             </a:extLst>
@@ -5171,18 +7784,1743 @@
           <a:lstStyle/>
           <a:p>
             <a:r>
-              <a:rPr lang="it-IT" dirty="0" err="1"/>
+              <a:rPr lang="it-IT" sz="2800" dirty="0"/>
+              <a:t>ricerca sequenziale</a:t>
+            </a:r>
+          </a:p>
+        </p:txBody>
+      </p:sp>
+      <p:sp>
+        <p:nvSpPr>
+          <p:cNvPr id="5" name="Segnaposto contenuto 4">
+            <a:extLst>
+              <a:ext uri="{FF2B5EF4-FFF2-40B4-BE49-F238E27FC236}">
+                <a16:creationId xmlns:a16="http://schemas.microsoft.com/office/drawing/2014/main" id="{BCAF70DA-D659-477D-84C0-DD6EAD1BE66E}"/>
+              </a:ext>
+            </a:extLst>
+          </p:cNvPr>
+          <p:cNvSpPr>
+            <a:spLocks noGrp="1"/>
+          </p:cNvSpPr>
+          <p:nvPr>
+            <p:ph sz="half" idx="1"/>
+          </p:nvPr>
+        </p:nvSpPr>
+        <p:spPr/>
+        <p:txBody>
+          <a:bodyPr/>
+          <a:lstStyle/>
+          <a:p>
+            <a:pPr marL="0" indent="0">
+              <a:buNone/>
+            </a:pPr>
+            <a:r>
+              <a:rPr lang="en-US" sz="2000" b="1" dirty="0" err="1">
+                <a:latin typeface="Courier New" panose="02070309020205020404" pitchFamily="49" charset="0"/>
+                <a:cs typeface="Courier New" panose="02070309020205020404" pitchFamily="49" charset="0"/>
+              </a:rPr>
+              <a:t>int</a:t>
+            </a:r>
+            <a:r>
+              <a:rPr lang="en-US" sz="2000" b="1" dirty="0">
+                <a:latin typeface="Courier New" panose="02070309020205020404" pitchFamily="49" charset="0"/>
+                <a:cs typeface="Courier New" panose="02070309020205020404" pitchFamily="49" charset="0"/>
+              </a:rPr>
+              <a:t> </a:t>
+            </a:r>
+            <a:r>
+              <a:rPr lang="en-US" sz="2000" b="1" dirty="0" err="1">
+                <a:solidFill>
+                  <a:srgbClr val="FF0000"/>
+                </a:solidFill>
+                <a:latin typeface="Courier New" panose="02070309020205020404" pitchFamily="49" charset="0"/>
+                <a:cs typeface="Courier New" panose="02070309020205020404" pitchFamily="49" charset="0"/>
+              </a:rPr>
+              <a:t>linearSearch</a:t>
+            </a:r>
+            <a:r>
+              <a:rPr lang="en-US" sz="2000" b="1" dirty="0">
+                <a:latin typeface="Courier New" panose="02070309020205020404" pitchFamily="49" charset="0"/>
+                <a:cs typeface="Courier New" panose="02070309020205020404" pitchFamily="49" charset="0"/>
+              </a:rPr>
+              <a:t>(</a:t>
+            </a:r>
+            <a:r>
+              <a:rPr lang="en-US" sz="2000" b="1" dirty="0" err="1">
+                <a:latin typeface="Courier New" panose="02070309020205020404" pitchFamily="49" charset="0"/>
+                <a:cs typeface="Courier New" panose="02070309020205020404" pitchFamily="49" charset="0"/>
+              </a:rPr>
+              <a:t>int</a:t>
+            </a:r>
+            <a:r>
+              <a:rPr lang="en-US" sz="2000" b="1" dirty="0">
+                <a:latin typeface="Courier New" panose="02070309020205020404" pitchFamily="49" charset="0"/>
+                <a:cs typeface="Courier New" panose="02070309020205020404" pitchFamily="49" charset="0"/>
+              </a:rPr>
+              <a:t> </a:t>
+            </a:r>
+            <a:r>
+              <a:rPr lang="en-US" sz="2000" b="1" dirty="0">
+                <a:solidFill>
+                  <a:srgbClr val="FF0000"/>
+                </a:solidFill>
+                <a:latin typeface="Courier New" panose="02070309020205020404" pitchFamily="49" charset="0"/>
+                <a:cs typeface="Courier New" panose="02070309020205020404" pitchFamily="49" charset="0"/>
+              </a:rPr>
+              <a:t>array</a:t>
+            </a:r>
+            <a:r>
+              <a:rPr lang="en-US" sz="2000" b="1" dirty="0">
+                <a:latin typeface="Courier New" panose="02070309020205020404" pitchFamily="49" charset="0"/>
+                <a:cs typeface="Courier New" panose="02070309020205020404" pitchFamily="49" charset="0"/>
+              </a:rPr>
+              <a:t>[], </a:t>
+            </a:r>
+          </a:p>
+          <a:p>
+            <a:pPr marL="0" indent="0">
+              <a:buNone/>
+            </a:pPr>
+            <a:r>
+              <a:rPr lang="en-US" sz="2000" b="1" dirty="0">
+                <a:latin typeface="Courier New" panose="02070309020205020404" pitchFamily="49" charset="0"/>
+                <a:cs typeface="Courier New" panose="02070309020205020404" pitchFamily="49" charset="0"/>
+              </a:rPr>
+              <a:t>		</a:t>
+            </a:r>
+            <a:r>
+              <a:rPr lang="en-US" sz="2000" b="1" dirty="0" err="1">
+                <a:latin typeface="Courier New" panose="02070309020205020404" pitchFamily="49" charset="0"/>
+                <a:cs typeface="Courier New" panose="02070309020205020404" pitchFamily="49" charset="0"/>
+              </a:rPr>
+              <a:t>int</a:t>
+            </a:r>
+            <a:r>
+              <a:rPr lang="en-US" sz="2000" b="1" dirty="0">
+                <a:latin typeface="Courier New" panose="02070309020205020404" pitchFamily="49" charset="0"/>
+                <a:cs typeface="Courier New" panose="02070309020205020404" pitchFamily="49" charset="0"/>
+              </a:rPr>
+              <a:t> </a:t>
+            </a:r>
+            <a:r>
+              <a:rPr lang="en-US" sz="2000" b="1" dirty="0">
+                <a:solidFill>
+                  <a:srgbClr val="FF0000"/>
+                </a:solidFill>
+                <a:latin typeface="Courier New" panose="02070309020205020404" pitchFamily="49" charset="0"/>
+                <a:cs typeface="Courier New" panose="02070309020205020404" pitchFamily="49" charset="0"/>
+              </a:rPr>
+              <a:t>size</a:t>
+            </a:r>
+            <a:r>
+              <a:rPr lang="en-US" sz="2000" b="1" dirty="0">
+                <a:latin typeface="Courier New" panose="02070309020205020404" pitchFamily="49" charset="0"/>
+                <a:cs typeface="Courier New" panose="02070309020205020404" pitchFamily="49" charset="0"/>
+              </a:rPr>
+              <a:t>, </a:t>
+            </a:r>
+            <a:r>
+              <a:rPr lang="en-US" sz="2000" b="1" dirty="0" err="1">
+                <a:latin typeface="Courier New" panose="02070309020205020404" pitchFamily="49" charset="0"/>
+                <a:cs typeface="Courier New" panose="02070309020205020404" pitchFamily="49" charset="0"/>
+              </a:rPr>
+              <a:t>int</a:t>
+            </a:r>
+            <a:r>
+              <a:rPr lang="en-US" sz="2000" b="1" dirty="0">
+                <a:latin typeface="Courier New" panose="02070309020205020404" pitchFamily="49" charset="0"/>
+                <a:cs typeface="Courier New" panose="02070309020205020404" pitchFamily="49" charset="0"/>
+              </a:rPr>
+              <a:t> </a:t>
+            </a:r>
+            <a:r>
+              <a:rPr lang="en-US" sz="2000" b="1" dirty="0" err="1">
+                <a:solidFill>
+                  <a:srgbClr val="FF0000"/>
+                </a:solidFill>
+                <a:latin typeface="Courier New" panose="02070309020205020404" pitchFamily="49" charset="0"/>
+                <a:cs typeface="Courier New" panose="02070309020205020404" pitchFamily="49" charset="0"/>
+              </a:rPr>
+              <a:t>val</a:t>
+            </a:r>
+            <a:r>
+              <a:rPr lang="en-US" sz="2000" b="1" dirty="0">
+                <a:latin typeface="Courier New" panose="02070309020205020404" pitchFamily="49" charset="0"/>
+                <a:cs typeface="Courier New" panose="02070309020205020404" pitchFamily="49" charset="0"/>
+              </a:rPr>
+              <a:t>) {</a:t>
+            </a:r>
+          </a:p>
+          <a:p>
+            <a:pPr marL="0" indent="0">
+              <a:buNone/>
+            </a:pPr>
+            <a:r>
+              <a:rPr lang="en-US" sz="2000" b="1" dirty="0">
+                <a:latin typeface="Courier New" panose="02070309020205020404" pitchFamily="49" charset="0"/>
+                <a:cs typeface="Courier New" panose="02070309020205020404" pitchFamily="49" charset="0"/>
+              </a:rPr>
+              <a:t>  for (</a:t>
+            </a:r>
+            <a:r>
+              <a:rPr lang="en-US" sz="2000" b="1" dirty="0" err="1">
+                <a:latin typeface="Courier New" panose="02070309020205020404" pitchFamily="49" charset="0"/>
+                <a:cs typeface="Courier New" panose="02070309020205020404" pitchFamily="49" charset="0"/>
+              </a:rPr>
+              <a:t>int</a:t>
+            </a:r>
+            <a:r>
+              <a:rPr lang="en-US" sz="2000" b="1" dirty="0">
+                <a:latin typeface="Courier New" panose="02070309020205020404" pitchFamily="49" charset="0"/>
+                <a:cs typeface="Courier New" panose="02070309020205020404" pitchFamily="49" charset="0"/>
+              </a:rPr>
+              <a:t> </a:t>
+            </a:r>
+            <a:r>
+              <a:rPr lang="en-US" sz="2000" b="1" dirty="0" err="1">
+                <a:latin typeface="Courier New" panose="02070309020205020404" pitchFamily="49" charset="0"/>
+                <a:cs typeface="Courier New" panose="02070309020205020404" pitchFamily="49" charset="0"/>
+              </a:rPr>
+              <a:t>i</a:t>
+            </a:r>
+            <a:r>
+              <a:rPr lang="en-US" sz="2000" b="1" dirty="0">
+                <a:latin typeface="Courier New" panose="02070309020205020404" pitchFamily="49" charset="0"/>
+                <a:cs typeface="Courier New" panose="02070309020205020404" pitchFamily="49" charset="0"/>
+              </a:rPr>
+              <a:t>=0;i&lt;size;++</a:t>
+            </a:r>
+            <a:r>
+              <a:rPr lang="en-US" sz="2000" b="1" dirty="0" err="1">
+                <a:latin typeface="Courier New" panose="02070309020205020404" pitchFamily="49" charset="0"/>
+                <a:cs typeface="Courier New" panose="02070309020205020404" pitchFamily="49" charset="0"/>
+              </a:rPr>
+              <a:t>i</a:t>
+            </a:r>
+            <a:r>
+              <a:rPr lang="en-US" sz="2000" b="1" dirty="0">
+                <a:latin typeface="Courier New" panose="02070309020205020404" pitchFamily="49" charset="0"/>
+                <a:cs typeface="Courier New" panose="02070309020205020404" pitchFamily="49" charset="0"/>
+              </a:rPr>
+              <a:t>)</a:t>
+            </a:r>
+          </a:p>
+          <a:p>
+            <a:pPr marL="0" indent="0">
+              <a:buNone/>
+            </a:pPr>
+            <a:r>
+              <a:rPr lang="en-US" sz="2000" b="1" dirty="0">
+                <a:latin typeface="Courier New" panose="02070309020205020404" pitchFamily="49" charset="0"/>
+                <a:cs typeface="Courier New" panose="02070309020205020404" pitchFamily="49" charset="0"/>
+              </a:rPr>
+              <a:t>      if (array[</a:t>
+            </a:r>
+            <a:r>
+              <a:rPr lang="en-US" sz="2000" b="1" dirty="0" err="1">
+                <a:latin typeface="Courier New" panose="02070309020205020404" pitchFamily="49" charset="0"/>
+                <a:cs typeface="Courier New" panose="02070309020205020404" pitchFamily="49" charset="0"/>
+              </a:rPr>
+              <a:t>i</a:t>
+            </a:r>
+            <a:r>
+              <a:rPr lang="en-US" sz="2000" b="1" dirty="0">
+                <a:latin typeface="Courier New" panose="02070309020205020404" pitchFamily="49" charset="0"/>
+                <a:cs typeface="Courier New" panose="02070309020205020404" pitchFamily="49" charset="0"/>
+              </a:rPr>
+              <a:t>]==</a:t>
+            </a:r>
+            <a:r>
+              <a:rPr lang="en-US" sz="2000" b="1" dirty="0" err="1">
+                <a:latin typeface="Courier New" panose="02070309020205020404" pitchFamily="49" charset="0"/>
+                <a:cs typeface="Courier New" panose="02070309020205020404" pitchFamily="49" charset="0"/>
+              </a:rPr>
+              <a:t>val</a:t>
+            </a:r>
+            <a:r>
+              <a:rPr lang="en-US" sz="2000" b="1" dirty="0">
+                <a:latin typeface="Courier New" panose="02070309020205020404" pitchFamily="49" charset="0"/>
+                <a:cs typeface="Courier New" panose="02070309020205020404" pitchFamily="49" charset="0"/>
+              </a:rPr>
+              <a:t>)</a:t>
+            </a:r>
+          </a:p>
+          <a:p>
+            <a:pPr marL="0" indent="0">
+              <a:buNone/>
+            </a:pPr>
+            <a:r>
+              <a:rPr lang="en-US" sz="2000" b="1" dirty="0">
+                <a:latin typeface="Courier New" panose="02070309020205020404" pitchFamily="49" charset="0"/>
+                <a:cs typeface="Courier New" panose="02070309020205020404" pitchFamily="49" charset="0"/>
+              </a:rPr>
+              <a:t>          return </a:t>
+            </a:r>
+            <a:r>
+              <a:rPr lang="en-US" sz="2000" b="1" dirty="0" err="1">
+                <a:solidFill>
+                  <a:srgbClr val="FF0000"/>
+                </a:solidFill>
+                <a:latin typeface="Courier New" panose="02070309020205020404" pitchFamily="49" charset="0"/>
+                <a:cs typeface="Courier New" panose="02070309020205020404" pitchFamily="49" charset="0"/>
+              </a:rPr>
+              <a:t>i</a:t>
+            </a:r>
+            <a:r>
+              <a:rPr lang="en-US" sz="2000" b="1" dirty="0">
+                <a:latin typeface="Courier New" panose="02070309020205020404" pitchFamily="49" charset="0"/>
+                <a:cs typeface="Courier New" panose="02070309020205020404" pitchFamily="49" charset="0"/>
+              </a:rPr>
+              <a:t>;</a:t>
+            </a:r>
+          </a:p>
+          <a:p>
+            <a:pPr marL="0" indent="0">
+              <a:buNone/>
+            </a:pPr>
+            <a:r>
+              <a:rPr lang="en-US" sz="2000" b="1" dirty="0">
+                <a:latin typeface="Courier New" panose="02070309020205020404" pitchFamily="49" charset="0"/>
+                <a:cs typeface="Courier New" panose="02070309020205020404" pitchFamily="49" charset="0"/>
+              </a:rPr>
+              <a:t>  return </a:t>
+            </a:r>
+            <a:r>
+              <a:rPr lang="en-US" sz="2000" b="1" dirty="0">
+                <a:solidFill>
+                  <a:srgbClr val="FF0000"/>
+                </a:solidFill>
+                <a:latin typeface="Courier New" panose="02070309020205020404" pitchFamily="49" charset="0"/>
+                <a:cs typeface="Courier New" panose="02070309020205020404" pitchFamily="49" charset="0"/>
+              </a:rPr>
+              <a:t>-1</a:t>
+            </a:r>
+            <a:r>
+              <a:rPr lang="en-US" sz="2000" b="1" dirty="0">
+                <a:latin typeface="Courier New" panose="02070309020205020404" pitchFamily="49" charset="0"/>
+                <a:cs typeface="Courier New" panose="02070309020205020404" pitchFamily="49" charset="0"/>
+              </a:rPr>
+              <a:t>;</a:t>
+            </a:r>
+          </a:p>
+          <a:p>
+            <a:pPr marL="0" indent="0">
+              <a:buNone/>
+            </a:pPr>
+            <a:r>
+              <a:rPr lang="en-US" sz="2000" b="1" dirty="0">
+                <a:latin typeface="Courier New" panose="02070309020205020404" pitchFamily="49" charset="0"/>
+                <a:cs typeface="Courier New" panose="02070309020205020404" pitchFamily="49" charset="0"/>
+              </a:rPr>
+              <a:t>}</a:t>
+            </a:r>
+            <a:endParaRPr lang="it-IT" sz="2000" b="1" dirty="0">
+              <a:latin typeface="Courier New" panose="02070309020205020404" pitchFamily="49" charset="0"/>
+              <a:cs typeface="Courier New" panose="02070309020205020404" pitchFamily="49" charset="0"/>
+            </a:endParaRPr>
+          </a:p>
+        </p:txBody>
+      </p:sp>
+      <p:sp>
+        <p:nvSpPr>
+          <p:cNvPr id="6" name="Segnaposto contenuto 5">
+            <a:extLst>
+              <a:ext uri="{FF2B5EF4-FFF2-40B4-BE49-F238E27FC236}">
+                <a16:creationId xmlns:a16="http://schemas.microsoft.com/office/drawing/2014/main" id="{7C897CB3-32B9-4733-8EC6-A4E9ECA3DA21}"/>
+              </a:ext>
+            </a:extLst>
+          </p:cNvPr>
+          <p:cNvSpPr>
+            <a:spLocks noGrp="1"/>
+          </p:cNvSpPr>
+          <p:nvPr>
+            <p:ph sz="half" idx="2"/>
+          </p:nvPr>
+        </p:nvSpPr>
+        <p:spPr/>
+        <p:txBody>
+          <a:bodyPr/>
+          <a:lstStyle/>
+          <a:p>
+            <a:r>
+              <a:rPr lang="it-IT" sz="2400" b="1" i="1" dirty="0"/>
+              <a:t>complessità</a:t>
+            </a:r>
+            <a:r>
+              <a:rPr lang="it-IT" sz="2400" dirty="0"/>
+              <a:t> computazionale</a:t>
+            </a:r>
+          </a:p>
+          <a:p>
+            <a:pPr lvl="1"/>
+            <a:r>
+              <a:rPr lang="it-IT" sz="2000" dirty="0"/>
+              <a:t>caso </a:t>
+            </a:r>
+            <a:r>
+              <a:rPr lang="it-IT" sz="2000" b="1" i="1" dirty="0"/>
+              <a:t>pessimo</a:t>
+            </a:r>
+            <a:r>
+              <a:rPr lang="it-IT" sz="2000" dirty="0"/>
+              <a:t> </a:t>
+            </a:r>
+            <a:r>
+              <a:rPr lang="az-Cyrl-AZ" sz="2000" b="1" i="1" dirty="0"/>
+              <a:t>О(</a:t>
+            </a:r>
+            <a:r>
+              <a:rPr lang="it-IT" sz="2000" b="1" i="1" dirty="0"/>
+              <a:t>n)</a:t>
+            </a:r>
+          </a:p>
+          <a:p>
+            <a:pPr lvl="1"/>
+            <a:r>
+              <a:rPr lang="it-IT" sz="2000" dirty="0"/>
+              <a:t>caso </a:t>
+            </a:r>
+            <a:r>
+              <a:rPr lang="it-IT" sz="2000" b="1" i="1" dirty="0"/>
+              <a:t>ottimo O(1)</a:t>
+            </a:r>
+          </a:p>
+          <a:p>
+            <a:pPr lvl="1"/>
+            <a:r>
+              <a:rPr lang="it-IT" sz="2000" dirty="0"/>
+              <a:t>caso </a:t>
+            </a:r>
+            <a:r>
+              <a:rPr lang="it-IT" sz="2000" b="1" i="1" dirty="0"/>
+              <a:t>medio O(n/2)</a:t>
+            </a:r>
+          </a:p>
+        </p:txBody>
+      </p:sp>
+      <p:sp>
+        <p:nvSpPr>
+          <p:cNvPr id="4" name="Segnaposto piè di pagina 3">
+            <a:extLst>
+              <a:ext uri="{FF2B5EF4-FFF2-40B4-BE49-F238E27FC236}">
+                <a16:creationId xmlns:a16="http://schemas.microsoft.com/office/drawing/2014/main" id="{A4E00B96-0D34-4559-939D-18660F15A027}"/>
+              </a:ext>
+            </a:extLst>
+          </p:cNvPr>
+          <p:cNvSpPr>
+            <a:spLocks noGrp="1"/>
+          </p:cNvSpPr>
+          <p:nvPr>
+            <p:ph type="ftr" sz="quarter" idx="11"/>
+          </p:nvPr>
+        </p:nvSpPr>
+        <p:spPr/>
+        <p:txBody>
+          <a:bodyPr/>
+          <a:lstStyle/>
+          <a:p>
+            <a:pPr>
+              <a:defRPr/>
+            </a:pPr>
+            <a:r>
+              <a:rPr lang="it-IT"/>
+              <a:t>Alberto Ferrari – Programmazione di applicazioni SW</a:t>
+            </a:r>
+            <a:endParaRPr lang="it-IT" dirty="0"/>
+          </a:p>
+        </p:txBody>
+      </p:sp>
+    </p:spTree>
+    <p:extLst>
+      <p:ext uri="{BB962C8B-B14F-4D97-AF65-F5344CB8AC3E}">
+        <p14:creationId xmlns:p14="http://schemas.microsoft.com/office/powerpoint/2010/main" val="2164810018"/>
+      </p:ext>
+    </p:extLst>
+  </p:cSld>
+  <p:clrMapOvr>
+    <a:masterClrMapping/>
+  </p:clrMapOvr>
+</p:sld>
+</file>
+
+<file path=ppt/slides/slide22.xml><?xml version="1.0" encoding="utf-8"?>
+<p:sld xmlns:a="http://schemas.openxmlformats.org/drawingml/2006/main" xmlns:r="http://schemas.openxmlformats.org/officeDocument/2006/relationships" xmlns:p="http://schemas.openxmlformats.org/presentationml/2006/main">
+  <p:cSld>
+    <p:spTree>
+      <p:nvGrpSpPr>
+        <p:cNvPr id="1" name=""/>
+        <p:cNvGrpSpPr/>
+        <p:nvPr/>
+      </p:nvGrpSpPr>
+      <p:grpSpPr>
+        <a:xfrm>
+          <a:off x="0" y="0"/>
+          <a:ext cx="0" cy="0"/>
+          <a:chOff x="0" y="0"/>
+          <a:chExt cx="0" cy="0"/>
+        </a:xfrm>
+      </p:grpSpPr>
+      <p:sp>
+        <p:nvSpPr>
+          <p:cNvPr id="2" name="Titolo 1">
+            <a:extLst>
+              <a:ext uri="{FF2B5EF4-FFF2-40B4-BE49-F238E27FC236}">
+                <a16:creationId xmlns:a16="http://schemas.microsoft.com/office/drawing/2014/main" id="{5AAA4176-B7EF-49EB-A159-8D05ED74A212}"/>
+              </a:ext>
+            </a:extLst>
+          </p:cNvPr>
+          <p:cNvSpPr>
+            <a:spLocks noGrp="1"/>
+          </p:cNvSpPr>
+          <p:nvPr>
+            <p:ph type="title"/>
+          </p:nvPr>
+        </p:nvSpPr>
+        <p:spPr/>
+        <p:txBody>
+          <a:bodyPr/>
+          <a:lstStyle/>
+          <a:p>
+            <a:r>
+              <a:rPr lang="it-IT" sz="2800" dirty="0"/>
+              <a:t>ricerca binaria</a:t>
+            </a:r>
+          </a:p>
+        </p:txBody>
+      </p:sp>
+      <p:sp>
+        <p:nvSpPr>
+          <p:cNvPr id="5" name="Segnaposto contenuto 4">
+            <a:extLst>
+              <a:ext uri="{FF2B5EF4-FFF2-40B4-BE49-F238E27FC236}">
+                <a16:creationId xmlns:a16="http://schemas.microsoft.com/office/drawing/2014/main" id="{BCAF70DA-D659-477D-84C0-DD6EAD1BE66E}"/>
+              </a:ext>
+            </a:extLst>
+          </p:cNvPr>
+          <p:cNvSpPr>
+            <a:spLocks noGrp="1"/>
+          </p:cNvSpPr>
+          <p:nvPr>
+            <p:ph sz="half" idx="1"/>
+          </p:nvPr>
+        </p:nvSpPr>
+        <p:spPr/>
+        <p:txBody>
+          <a:bodyPr/>
+          <a:lstStyle/>
+          <a:p>
+            <a:pPr marL="0" indent="0">
+              <a:buNone/>
+            </a:pPr>
+            <a:r>
+              <a:rPr lang="en-US" sz="1600" b="1" dirty="0" err="1">
+                <a:latin typeface="Courier New" panose="02070309020205020404" pitchFamily="49" charset="0"/>
+                <a:cs typeface="Courier New" panose="02070309020205020404" pitchFamily="49" charset="0"/>
+              </a:rPr>
+              <a:t>int</a:t>
+            </a:r>
+            <a:r>
+              <a:rPr lang="en-US" sz="1600" b="1" dirty="0">
+                <a:latin typeface="Courier New" panose="02070309020205020404" pitchFamily="49" charset="0"/>
+                <a:cs typeface="Courier New" panose="02070309020205020404" pitchFamily="49" charset="0"/>
+              </a:rPr>
+              <a:t> </a:t>
+            </a:r>
+            <a:r>
+              <a:rPr lang="en-US" sz="1600" b="1" dirty="0" err="1">
+                <a:solidFill>
+                  <a:srgbClr val="FF0000"/>
+                </a:solidFill>
+                <a:latin typeface="Courier New" panose="02070309020205020404" pitchFamily="49" charset="0"/>
+                <a:cs typeface="Courier New" panose="02070309020205020404" pitchFamily="49" charset="0"/>
+              </a:rPr>
+              <a:t>binarySearch</a:t>
+            </a:r>
+            <a:r>
+              <a:rPr lang="en-US" sz="1600" b="1" dirty="0">
+                <a:latin typeface="Courier New" panose="02070309020205020404" pitchFamily="49" charset="0"/>
+                <a:cs typeface="Courier New" panose="02070309020205020404" pitchFamily="49" charset="0"/>
+              </a:rPr>
+              <a:t>(</a:t>
+            </a:r>
+            <a:r>
+              <a:rPr lang="en-US" sz="1600" b="1" dirty="0" err="1">
+                <a:latin typeface="Courier New" panose="02070309020205020404" pitchFamily="49" charset="0"/>
+                <a:cs typeface="Courier New" panose="02070309020205020404" pitchFamily="49" charset="0"/>
+              </a:rPr>
+              <a:t>int</a:t>
+            </a:r>
+            <a:r>
+              <a:rPr lang="en-US" sz="1600" b="1" dirty="0">
+                <a:latin typeface="Courier New" panose="02070309020205020404" pitchFamily="49" charset="0"/>
+                <a:cs typeface="Courier New" panose="02070309020205020404" pitchFamily="49" charset="0"/>
+              </a:rPr>
+              <a:t> array[], </a:t>
+            </a:r>
+            <a:r>
+              <a:rPr lang="en-US" sz="1600" b="1" dirty="0" err="1">
+                <a:latin typeface="Courier New" panose="02070309020205020404" pitchFamily="49" charset="0"/>
+                <a:cs typeface="Courier New" panose="02070309020205020404" pitchFamily="49" charset="0"/>
+              </a:rPr>
+              <a:t>int</a:t>
+            </a:r>
+            <a:r>
+              <a:rPr lang="en-US" sz="1600" b="1" dirty="0">
+                <a:latin typeface="Courier New" panose="02070309020205020404" pitchFamily="49" charset="0"/>
+                <a:cs typeface="Courier New" panose="02070309020205020404" pitchFamily="49" charset="0"/>
+              </a:rPr>
+              <a:t> size, </a:t>
+            </a:r>
+          </a:p>
+          <a:p>
+            <a:pPr marL="0" indent="0">
+              <a:buNone/>
+            </a:pPr>
+            <a:r>
+              <a:rPr lang="en-US" sz="1600" b="1" dirty="0">
+                <a:latin typeface="Courier New" panose="02070309020205020404" pitchFamily="49" charset="0"/>
+                <a:cs typeface="Courier New" panose="02070309020205020404" pitchFamily="49" charset="0"/>
+              </a:rPr>
+              <a:t>                 </a:t>
+            </a:r>
+            <a:r>
+              <a:rPr lang="en-US" sz="1600" b="1" dirty="0" err="1">
+                <a:latin typeface="Courier New" panose="02070309020205020404" pitchFamily="49" charset="0"/>
+                <a:cs typeface="Courier New" panose="02070309020205020404" pitchFamily="49" charset="0"/>
+              </a:rPr>
+              <a:t>int</a:t>
+            </a:r>
+            <a:r>
+              <a:rPr lang="en-US" sz="1600" b="1" dirty="0">
+                <a:latin typeface="Courier New" panose="02070309020205020404" pitchFamily="49" charset="0"/>
+                <a:cs typeface="Courier New" panose="02070309020205020404" pitchFamily="49" charset="0"/>
+              </a:rPr>
+              <a:t> </a:t>
+            </a:r>
+            <a:r>
+              <a:rPr lang="en-US" sz="1600" b="1" dirty="0" err="1">
+                <a:latin typeface="Courier New" panose="02070309020205020404" pitchFamily="49" charset="0"/>
+                <a:cs typeface="Courier New" panose="02070309020205020404" pitchFamily="49" charset="0"/>
+              </a:rPr>
+              <a:t>val</a:t>
+            </a:r>
+            <a:r>
+              <a:rPr lang="en-US" sz="1600" b="1" dirty="0">
+                <a:latin typeface="Courier New" panose="02070309020205020404" pitchFamily="49" charset="0"/>
+                <a:cs typeface="Courier New" panose="02070309020205020404" pitchFamily="49" charset="0"/>
+              </a:rPr>
+              <a:t>) {</a:t>
+            </a:r>
+          </a:p>
+          <a:p>
+            <a:pPr marL="0" indent="0">
+              <a:buNone/>
+            </a:pPr>
+            <a:r>
+              <a:rPr lang="en-US" sz="1600" b="1" dirty="0">
+                <a:latin typeface="Courier New" panose="02070309020205020404" pitchFamily="49" charset="0"/>
+                <a:cs typeface="Courier New" panose="02070309020205020404" pitchFamily="49" charset="0"/>
+              </a:rPr>
+              <a:t>    </a:t>
+            </a:r>
+            <a:r>
+              <a:rPr lang="en-US" sz="1600" b="1" dirty="0" err="1">
+                <a:latin typeface="Courier New" panose="02070309020205020404" pitchFamily="49" charset="0"/>
+                <a:cs typeface="Courier New" panose="02070309020205020404" pitchFamily="49" charset="0"/>
+              </a:rPr>
+              <a:t>int</a:t>
+            </a:r>
+            <a:r>
+              <a:rPr lang="en-US" sz="1600" b="1" dirty="0">
+                <a:latin typeface="Courier New" panose="02070309020205020404" pitchFamily="49" charset="0"/>
+                <a:cs typeface="Courier New" panose="02070309020205020404" pitchFamily="49" charset="0"/>
+              </a:rPr>
+              <a:t> </a:t>
+            </a:r>
+            <a:r>
+              <a:rPr lang="en-US" sz="1600" b="1" dirty="0">
+                <a:solidFill>
+                  <a:srgbClr val="FF0000"/>
+                </a:solidFill>
+                <a:latin typeface="Courier New" panose="02070309020205020404" pitchFamily="49" charset="0"/>
+                <a:cs typeface="Courier New" panose="02070309020205020404" pitchFamily="49" charset="0"/>
+              </a:rPr>
+              <a:t>first</a:t>
+            </a:r>
+            <a:r>
+              <a:rPr lang="en-US" sz="1600" b="1" dirty="0">
+                <a:latin typeface="Courier New" panose="02070309020205020404" pitchFamily="49" charset="0"/>
+                <a:cs typeface="Courier New" panose="02070309020205020404" pitchFamily="49" charset="0"/>
+              </a:rPr>
+              <a:t>, </a:t>
+            </a:r>
+            <a:r>
+              <a:rPr lang="en-US" sz="1600" b="1" dirty="0">
+                <a:solidFill>
+                  <a:srgbClr val="FF0000"/>
+                </a:solidFill>
+                <a:latin typeface="Courier New" panose="02070309020205020404" pitchFamily="49" charset="0"/>
+                <a:cs typeface="Courier New" panose="02070309020205020404" pitchFamily="49" charset="0"/>
+              </a:rPr>
+              <a:t>last</a:t>
+            </a:r>
+            <a:r>
+              <a:rPr lang="en-US" sz="1600" b="1" dirty="0">
+                <a:latin typeface="Courier New" panose="02070309020205020404" pitchFamily="49" charset="0"/>
+                <a:cs typeface="Courier New" panose="02070309020205020404" pitchFamily="49" charset="0"/>
+              </a:rPr>
+              <a:t>, </a:t>
+            </a:r>
+            <a:r>
+              <a:rPr lang="en-US" sz="1600" b="1" dirty="0">
+                <a:solidFill>
+                  <a:srgbClr val="FF0000"/>
+                </a:solidFill>
+                <a:latin typeface="Courier New" panose="02070309020205020404" pitchFamily="49" charset="0"/>
+                <a:cs typeface="Courier New" panose="02070309020205020404" pitchFamily="49" charset="0"/>
+              </a:rPr>
+              <a:t>medium</a:t>
+            </a:r>
+            <a:r>
+              <a:rPr lang="en-US" sz="1600" b="1" dirty="0">
+                <a:latin typeface="Courier New" panose="02070309020205020404" pitchFamily="49" charset="0"/>
+                <a:cs typeface="Courier New" panose="02070309020205020404" pitchFamily="49" charset="0"/>
+              </a:rPr>
+              <a:t>;</a:t>
+            </a:r>
+          </a:p>
+          <a:p>
+            <a:pPr marL="0" indent="0">
+              <a:buNone/>
+            </a:pPr>
+            <a:r>
+              <a:rPr lang="en-US" sz="1600" b="1" dirty="0">
+                <a:latin typeface="Courier New" panose="02070309020205020404" pitchFamily="49" charset="0"/>
+                <a:cs typeface="Courier New" panose="02070309020205020404" pitchFamily="49" charset="0"/>
+              </a:rPr>
+              <a:t>    first = 0;</a:t>
+            </a:r>
+          </a:p>
+          <a:p>
+            <a:pPr marL="0" indent="0">
+              <a:buNone/>
+            </a:pPr>
+            <a:r>
+              <a:rPr lang="en-US" sz="1600" b="1" dirty="0">
+                <a:latin typeface="Courier New" panose="02070309020205020404" pitchFamily="49" charset="0"/>
+                <a:cs typeface="Courier New" panose="02070309020205020404" pitchFamily="49" charset="0"/>
+              </a:rPr>
+              <a:t>    last = size - 1;</a:t>
+            </a:r>
+          </a:p>
+          <a:p>
+            <a:pPr marL="0" indent="0">
+              <a:buNone/>
+            </a:pPr>
+            <a:r>
+              <a:rPr lang="en-US" sz="1600" b="1" dirty="0">
+                <a:latin typeface="Courier New" panose="02070309020205020404" pitchFamily="49" charset="0"/>
+                <a:cs typeface="Courier New" panose="02070309020205020404" pitchFamily="49" charset="0"/>
+              </a:rPr>
+              <a:t>    while(first &lt;= last) {</a:t>
+            </a:r>
+          </a:p>
+          <a:p>
+            <a:pPr marL="0" indent="0">
+              <a:buNone/>
+            </a:pPr>
+            <a:r>
+              <a:rPr lang="en-US" sz="1600" b="1" dirty="0">
+                <a:latin typeface="Courier New" panose="02070309020205020404" pitchFamily="49" charset="0"/>
+                <a:cs typeface="Courier New" panose="02070309020205020404" pitchFamily="49" charset="0"/>
+              </a:rPr>
+              <a:t>        medium = (first + last) / 2;</a:t>
+            </a:r>
+          </a:p>
+          <a:p>
+            <a:pPr marL="0" indent="0">
+              <a:buNone/>
+            </a:pPr>
+            <a:r>
+              <a:rPr lang="en-US" sz="1600" b="1" dirty="0">
+                <a:latin typeface="Courier New" panose="02070309020205020404" pitchFamily="49" charset="0"/>
+                <a:cs typeface="Courier New" panose="02070309020205020404" pitchFamily="49" charset="0"/>
+              </a:rPr>
+              <a:t>        if(array[medium] == </a:t>
+            </a:r>
+            <a:r>
+              <a:rPr lang="en-US" sz="1600" b="1" dirty="0" err="1">
+                <a:latin typeface="Courier New" panose="02070309020205020404" pitchFamily="49" charset="0"/>
+                <a:cs typeface="Courier New" panose="02070309020205020404" pitchFamily="49" charset="0"/>
+              </a:rPr>
+              <a:t>val</a:t>
+            </a:r>
+            <a:r>
+              <a:rPr lang="en-US" sz="1600" b="1" dirty="0">
+                <a:latin typeface="Courier New" panose="02070309020205020404" pitchFamily="49" charset="0"/>
+                <a:cs typeface="Courier New" panose="02070309020205020404" pitchFamily="49" charset="0"/>
+              </a:rPr>
+              <a:t>)</a:t>
+            </a:r>
+          </a:p>
+          <a:p>
+            <a:pPr marL="0" indent="0">
+              <a:buNone/>
+            </a:pPr>
+            <a:r>
+              <a:rPr lang="en-US" sz="1600" b="1" dirty="0">
+                <a:latin typeface="Courier New" panose="02070309020205020404" pitchFamily="49" charset="0"/>
+                <a:cs typeface="Courier New" panose="02070309020205020404" pitchFamily="49" charset="0"/>
+              </a:rPr>
+              <a:t>            return </a:t>
+            </a:r>
+            <a:r>
+              <a:rPr lang="en-US" sz="1600" b="1" dirty="0">
+                <a:solidFill>
+                  <a:srgbClr val="FF0000"/>
+                </a:solidFill>
+                <a:latin typeface="Courier New" panose="02070309020205020404" pitchFamily="49" charset="0"/>
+                <a:cs typeface="Courier New" panose="02070309020205020404" pitchFamily="49" charset="0"/>
+              </a:rPr>
+              <a:t>medium; // value found</a:t>
+            </a:r>
+          </a:p>
+          <a:p>
+            <a:pPr marL="0" indent="0">
+              <a:buNone/>
+            </a:pPr>
+            <a:r>
+              <a:rPr lang="en-US" sz="1600" b="1" dirty="0">
+                <a:latin typeface="Courier New" panose="02070309020205020404" pitchFamily="49" charset="0"/>
+                <a:cs typeface="Courier New" panose="02070309020205020404" pitchFamily="49" charset="0"/>
+              </a:rPr>
+              <a:t>        if(array[medium] &lt; </a:t>
+            </a:r>
+            <a:r>
+              <a:rPr lang="en-US" sz="1600" b="1" dirty="0" err="1">
+                <a:latin typeface="Courier New" panose="02070309020205020404" pitchFamily="49" charset="0"/>
+                <a:cs typeface="Courier New" panose="02070309020205020404" pitchFamily="49" charset="0"/>
+              </a:rPr>
+              <a:t>val</a:t>
+            </a:r>
+            <a:r>
+              <a:rPr lang="en-US" sz="1600" b="1" dirty="0">
+                <a:latin typeface="Courier New" panose="02070309020205020404" pitchFamily="49" charset="0"/>
+                <a:cs typeface="Courier New" panose="02070309020205020404" pitchFamily="49" charset="0"/>
+              </a:rPr>
+              <a:t>)</a:t>
+            </a:r>
+          </a:p>
+          <a:p>
+            <a:pPr marL="0" indent="0">
+              <a:buNone/>
+            </a:pPr>
+            <a:r>
+              <a:rPr lang="en-US" sz="1600" b="1" dirty="0">
+                <a:latin typeface="Courier New" panose="02070309020205020404" pitchFamily="49" charset="0"/>
+                <a:cs typeface="Courier New" panose="02070309020205020404" pitchFamily="49" charset="0"/>
+              </a:rPr>
+              <a:t>            </a:t>
+            </a:r>
+            <a:r>
+              <a:rPr lang="en-US" sz="1600" b="1" dirty="0">
+                <a:solidFill>
+                  <a:srgbClr val="FF0000"/>
+                </a:solidFill>
+                <a:latin typeface="Courier New" panose="02070309020205020404" pitchFamily="49" charset="0"/>
+                <a:cs typeface="Courier New" panose="02070309020205020404" pitchFamily="49" charset="0"/>
+              </a:rPr>
+              <a:t>first = medium + 1</a:t>
+            </a:r>
+            <a:r>
+              <a:rPr lang="en-US" sz="1600" b="1" dirty="0">
+                <a:latin typeface="Courier New" panose="02070309020205020404" pitchFamily="49" charset="0"/>
+                <a:cs typeface="Courier New" panose="02070309020205020404" pitchFamily="49" charset="0"/>
+              </a:rPr>
+              <a:t>;</a:t>
+            </a:r>
+          </a:p>
+          <a:p>
+            <a:pPr marL="0" indent="0">
+              <a:buNone/>
+            </a:pPr>
+            <a:r>
+              <a:rPr lang="en-US" sz="1600" b="1" dirty="0">
+                <a:latin typeface="Courier New" panose="02070309020205020404" pitchFamily="49" charset="0"/>
+                <a:cs typeface="Courier New" panose="02070309020205020404" pitchFamily="49" charset="0"/>
+              </a:rPr>
+              <a:t>        else</a:t>
+            </a:r>
+          </a:p>
+          <a:p>
+            <a:pPr marL="0" indent="0">
+              <a:buNone/>
+            </a:pPr>
+            <a:r>
+              <a:rPr lang="en-US" sz="1600" b="1" dirty="0">
+                <a:latin typeface="Courier New" panose="02070309020205020404" pitchFamily="49" charset="0"/>
+                <a:cs typeface="Courier New" panose="02070309020205020404" pitchFamily="49" charset="0"/>
+              </a:rPr>
+              <a:t>            </a:t>
+            </a:r>
+            <a:r>
+              <a:rPr lang="en-US" sz="1600" b="1" dirty="0">
+                <a:solidFill>
+                  <a:srgbClr val="FF0000"/>
+                </a:solidFill>
+                <a:latin typeface="Courier New" panose="02070309020205020404" pitchFamily="49" charset="0"/>
+                <a:cs typeface="Courier New" panose="02070309020205020404" pitchFamily="49" charset="0"/>
+              </a:rPr>
+              <a:t>last = medium - 1</a:t>
+            </a:r>
+            <a:r>
+              <a:rPr lang="en-US" sz="1600" b="1" dirty="0">
+                <a:latin typeface="Courier New" panose="02070309020205020404" pitchFamily="49" charset="0"/>
+                <a:cs typeface="Courier New" panose="02070309020205020404" pitchFamily="49" charset="0"/>
+              </a:rPr>
+              <a:t>;</a:t>
+            </a:r>
+          </a:p>
+          <a:p>
+            <a:pPr marL="0" indent="0">
+              <a:buNone/>
+            </a:pPr>
+            <a:r>
+              <a:rPr lang="en-US" sz="1600" b="1" dirty="0">
+                <a:latin typeface="Courier New" panose="02070309020205020404" pitchFamily="49" charset="0"/>
+                <a:cs typeface="Courier New" panose="02070309020205020404" pitchFamily="49" charset="0"/>
+              </a:rPr>
+              <a:t>    }</a:t>
+            </a:r>
+          </a:p>
+          <a:p>
+            <a:pPr marL="0" indent="0">
+              <a:buNone/>
+            </a:pPr>
+            <a:r>
+              <a:rPr lang="en-US" sz="1600" b="1" dirty="0">
+                <a:latin typeface="Courier New" panose="02070309020205020404" pitchFamily="49" charset="0"/>
+                <a:cs typeface="Courier New" panose="02070309020205020404" pitchFamily="49" charset="0"/>
+              </a:rPr>
+              <a:t>    return </a:t>
+            </a:r>
+            <a:r>
+              <a:rPr lang="en-US" sz="1600" b="1" dirty="0">
+                <a:solidFill>
+                  <a:srgbClr val="FF0000"/>
+                </a:solidFill>
+                <a:latin typeface="Courier New" panose="02070309020205020404" pitchFamily="49" charset="0"/>
+                <a:cs typeface="Courier New" panose="02070309020205020404" pitchFamily="49" charset="0"/>
+              </a:rPr>
+              <a:t>-1; // not found</a:t>
+            </a:r>
+          </a:p>
+          <a:p>
+            <a:pPr marL="0" indent="0">
+              <a:buNone/>
+            </a:pPr>
+            <a:r>
+              <a:rPr lang="en-US" sz="1600" b="1" dirty="0">
+                <a:latin typeface="Courier New" panose="02070309020205020404" pitchFamily="49" charset="0"/>
+                <a:cs typeface="Courier New" panose="02070309020205020404" pitchFamily="49" charset="0"/>
+              </a:rPr>
+              <a:t> }</a:t>
+            </a:r>
+            <a:endParaRPr lang="it-IT" sz="1600" b="1" dirty="0">
+              <a:latin typeface="Courier New" panose="02070309020205020404" pitchFamily="49" charset="0"/>
+              <a:cs typeface="Courier New" panose="02070309020205020404" pitchFamily="49" charset="0"/>
+            </a:endParaRPr>
+          </a:p>
+        </p:txBody>
+      </p:sp>
+      <p:sp>
+        <p:nvSpPr>
+          <p:cNvPr id="6" name="Segnaposto contenuto 5">
+            <a:extLst>
+              <a:ext uri="{FF2B5EF4-FFF2-40B4-BE49-F238E27FC236}">
+                <a16:creationId xmlns:a16="http://schemas.microsoft.com/office/drawing/2014/main" id="{7C897CB3-32B9-4733-8EC6-A4E9ECA3DA21}"/>
+              </a:ext>
+            </a:extLst>
+          </p:cNvPr>
+          <p:cNvSpPr>
+            <a:spLocks noGrp="1"/>
+          </p:cNvSpPr>
+          <p:nvPr>
+            <p:ph sz="half" idx="2"/>
+          </p:nvPr>
+        </p:nvSpPr>
+        <p:spPr/>
+        <p:txBody>
+          <a:bodyPr/>
+          <a:lstStyle/>
+          <a:p>
+            <a:r>
+              <a:rPr lang="it-IT" sz="2400" b="1" i="1" dirty="0"/>
+              <a:t>complessità</a:t>
+            </a:r>
+            <a:r>
+              <a:rPr lang="it-IT" sz="2400" dirty="0"/>
+              <a:t> computazionale</a:t>
+            </a:r>
+          </a:p>
+          <a:p>
+            <a:pPr lvl="1"/>
+            <a:r>
+              <a:rPr lang="it-IT" sz="2000" dirty="0"/>
+              <a:t>caso </a:t>
+            </a:r>
+            <a:r>
+              <a:rPr lang="it-IT" sz="2000" b="1" i="1" dirty="0"/>
+              <a:t>pessimo</a:t>
+            </a:r>
+            <a:r>
+              <a:rPr lang="it-IT" sz="2000" dirty="0"/>
+              <a:t> </a:t>
+            </a:r>
+            <a:r>
+              <a:rPr lang="az-Cyrl-AZ" sz="2000" b="1" i="1" dirty="0"/>
+              <a:t>О(</a:t>
+            </a:r>
+            <a:r>
+              <a:rPr lang="it-IT" sz="2000" b="1" i="1" dirty="0"/>
+              <a:t>log2n) </a:t>
+            </a:r>
+          </a:p>
+          <a:p>
+            <a:pPr lvl="1"/>
+            <a:r>
+              <a:rPr lang="it-IT" sz="2000" dirty="0"/>
+              <a:t>caso</a:t>
+            </a:r>
+            <a:r>
+              <a:rPr lang="it-IT" sz="2000" b="1" i="1" dirty="0"/>
+              <a:t> ottimo O(1) </a:t>
+            </a:r>
+          </a:p>
+          <a:p>
+            <a:pPr lvl="1"/>
+            <a:r>
+              <a:rPr lang="it-IT" sz="2000" dirty="0"/>
+              <a:t>caso</a:t>
+            </a:r>
+            <a:r>
+              <a:rPr lang="it-IT" sz="2000" b="1" i="1" dirty="0"/>
+              <a:t> medio O(log2n) </a:t>
+            </a:r>
+          </a:p>
+        </p:txBody>
+      </p:sp>
+      <p:sp>
+        <p:nvSpPr>
+          <p:cNvPr id="4" name="Segnaposto piè di pagina 3">
+            <a:extLst>
+              <a:ext uri="{FF2B5EF4-FFF2-40B4-BE49-F238E27FC236}">
+                <a16:creationId xmlns:a16="http://schemas.microsoft.com/office/drawing/2014/main" id="{A4E00B96-0D34-4559-939D-18660F15A027}"/>
+              </a:ext>
+            </a:extLst>
+          </p:cNvPr>
+          <p:cNvSpPr>
+            <a:spLocks noGrp="1"/>
+          </p:cNvSpPr>
+          <p:nvPr>
+            <p:ph type="ftr" sz="quarter" idx="11"/>
+          </p:nvPr>
+        </p:nvSpPr>
+        <p:spPr/>
+        <p:txBody>
+          <a:bodyPr/>
+          <a:lstStyle/>
+          <a:p>
+            <a:pPr>
+              <a:defRPr/>
+            </a:pPr>
+            <a:r>
+              <a:rPr lang="it-IT"/>
+              <a:t>Alberto Ferrari – Programmazione di applicazioni SW</a:t>
+            </a:r>
+            <a:endParaRPr lang="it-IT" dirty="0"/>
+          </a:p>
+        </p:txBody>
+      </p:sp>
+    </p:spTree>
+    <p:extLst>
+      <p:ext uri="{BB962C8B-B14F-4D97-AF65-F5344CB8AC3E}">
+        <p14:creationId xmlns:p14="http://schemas.microsoft.com/office/powerpoint/2010/main" val="4237006034"/>
+      </p:ext>
+    </p:extLst>
+  </p:cSld>
+  <p:clrMapOvr>
+    <a:masterClrMapping/>
+  </p:clrMapOvr>
+</p:sld>
+</file>
+
+<file path=ppt/slides/slide23.xml><?xml version="1.0" encoding="utf-8"?>
+<p:sld xmlns:a="http://schemas.openxmlformats.org/drawingml/2006/main" xmlns:r="http://schemas.openxmlformats.org/officeDocument/2006/relationships" xmlns:p="http://schemas.openxmlformats.org/presentationml/2006/main">
+  <p:cSld>
+    <p:spTree>
+      <p:nvGrpSpPr>
+        <p:cNvPr id="1" name=""/>
+        <p:cNvGrpSpPr/>
+        <p:nvPr/>
+      </p:nvGrpSpPr>
+      <p:grpSpPr>
+        <a:xfrm>
+          <a:off x="0" y="0"/>
+          <a:ext cx="0" cy="0"/>
+          <a:chOff x="0" y="0"/>
+          <a:chExt cx="0" cy="0"/>
+        </a:xfrm>
+      </p:grpSpPr>
+      <p:sp>
+        <p:nvSpPr>
+          <p:cNvPr id="6" name="Titolo 5">
+            <a:extLst>
+              <a:ext uri="{FF2B5EF4-FFF2-40B4-BE49-F238E27FC236}">
+                <a16:creationId xmlns:a16="http://schemas.microsoft.com/office/drawing/2014/main" id="{C6EC67D4-91FF-45EB-8DE2-528E95C5496E}"/>
+              </a:ext>
+            </a:extLst>
+          </p:cNvPr>
+          <p:cNvSpPr>
+            <a:spLocks noGrp="1"/>
+          </p:cNvSpPr>
+          <p:nvPr>
+            <p:ph type="title"/>
+          </p:nvPr>
+        </p:nvSpPr>
+        <p:spPr/>
+        <p:txBody>
+          <a:bodyPr/>
+          <a:lstStyle/>
+          <a:p>
+            <a:r>
+              <a:rPr lang="it-IT" cap="none" dirty="0"/>
+              <a:t>ordinamento</a:t>
+            </a:r>
+          </a:p>
+        </p:txBody>
+      </p:sp>
+      <p:sp>
+        <p:nvSpPr>
+          <p:cNvPr id="7" name="Segnaposto testo 6">
+            <a:extLst>
+              <a:ext uri="{FF2B5EF4-FFF2-40B4-BE49-F238E27FC236}">
+                <a16:creationId xmlns:a16="http://schemas.microsoft.com/office/drawing/2014/main" id="{37EA9FA7-F371-4287-B050-5D9514D113D3}"/>
+              </a:ext>
+            </a:extLst>
+          </p:cNvPr>
+          <p:cNvSpPr>
+            <a:spLocks noGrp="1"/>
+          </p:cNvSpPr>
+          <p:nvPr>
+            <p:ph type="body" idx="1"/>
+          </p:nvPr>
+        </p:nvSpPr>
+        <p:spPr/>
+        <p:txBody>
+          <a:bodyPr/>
+          <a:lstStyle/>
+          <a:p>
+            <a:r>
+              <a:rPr lang="it-IT" i="1" dirty="0"/>
+              <a:t>array – algoritmi di</a:t>
+            </a:r>
+          </a:p>
+        </p:txBody>
+      </p:sp>
+      <p:sp>
+        <p:nvSpPr>
+          <p:cNvPr id="5" name="Segnaposto piè di pagina 4">
+            <a:extLst>
+              <a:ext uri="{FF2B5EF4-FFF2-40B4-BE49-F238E27FC236}">
+                <a16:creationId xmlns:a16="http://schemas.microsoft.com/office/drawing/2014/main" id="{33F2CA67-3B67-4279-9765-571689FFB2E2}"/>
+              </a:ext>
+            </a:extLst>
+          </p:cNvPr>
+          <p:cNvSpPr>
+            <a:spLocks noGrp="1"/>
+          </p:cNvSpPr>
+          <p:nvPr>
+            <p:ph type="ftr" sz="quarter" idx="11"/>
+          </p:nvPr>
+        </p:nvSpPr>
+        <p:spPr/>
+        <p:txBody>
+          <a:bodyPr/>
+          <a:lstStyle/>
+          <a:p>
+            <a:pPr>
+              <a:defRPr/>
+            </a:pPr>
+            <a:r>
+              <a:rPr lang="it-IT"/>
+              <a:t>Alberto Ferrari – Programmazione di applicazioni SW</a:t>
+            </a:r>
+            <a:endParaRPr lang="it-IT" dirty="0"/>
+          </a:p>
+        </p:txBody>
+      </p:sp>
+    </p:spTree>
+    <p:extLst>
+      <p:ext uri="{BB962C8B-B14F-4D97-AF65-F5344CB8AC3E}">
+        <p14:creationId xmlns:p14="http://schemas.microsoft.com/office/powerpoint/2010/main" val="1232502538"/>
+      </p:ext>
+    </p:extLst>
+  </p:cSld>
+  <p:clrMapOvr>
+    <a:masterClrMapping/>
+  </p:clrMapOvr>
+</p:sld>
+</file>
+
+<file path=ppt/slides/slide24.xml><?xml version="1.0" encoding="utf-8"?>
+<p:sld xmlns:a="http://schemas.openxmlformats.org/drawingml/2006/main" xmlns:r="http://schemas.openxmlformats.org/officeDocument/2006/relationships" xmlns:p="http://schemas.openxmlformats.org/presentationml/2006/main">
+  <p:cSld>
+    <p:spTree>
+      <p:nvGrpSpPr>
+        <p:cNvPr id="1" name=""/>
+        <p:cNvGrpSpPr/>
+        <p:nvPr/>
+      </p:nvGrpSpPr>
+      <p:grpSpPr>
+        <a:xfrm>
+          <a:off x="0" y="0"/>
+          <a:ext cx="0" cy="0"/>
+          <a:chOff x="0" y="0"/>
+          <a:chExt cx="0" cy="0"/>
+        </a:xfrm>
+      </p:grpSpPr>
+      <p:sp>
+        <p:nvSpPr>
+          <p:cNvPr id="5" name="Titolo 4">
+            <a:extLst>
+              <a:ext uri="{FF2B5EF4-FFF2-40B4-BE49-F238E27FC236}">
+                <a16:creationId xmlns:a16="http://schemas.microsoft.com/office/drawing/2014/main" id="{FE4AE4DA-4F91-4192-AB57-B36E3DB95DF1}"/>
+              </a:ext>
+            </a:extLst>
+          </p:cNvPr>
+          <p:cNvSpPr>
+            <a:spLocks noGrp="1"/>
+          </p:cNvSpPr>
+          <p:nvPr>
+            <p:ph type="title"/>
+          </p:nvPr>
+        </p:nvSpPr>
+        <p:spPr/>
+        <p:txBody>
+          <a:bodyPr/>
+          <a:lstStyle/>
+          <a:p>
+            <a:r>
+              <a:rPr lang="it-IT" sz="2800" dirty="0" err="1"/>
+              <a:t>sort</a:t>
+            </a:r>
+            <a:endParaRPr lang="it-IT" sz="2800" dirty="0"/>
+          </a:p>
+        </p:txBody>
+      </p:sp>
+      <p:sp>
+        <p:nvSpPr>
+          <p:cNvPr id="6" name="Segnaposto contenuto 5">
+            <a:extLst>
+              <a:ext uri="{FF2B5EF4-FFF2-40B4-BE49-F238E27FC236}">
+                <a16:creationId xmlns:a16="http://schemas.microsoft.com/office/drawing/2014/main" id="{97E2343D-6129-451A-8EFB-E4ACBFFB9445}"/>
+              </a:ext>
+            </a:extLst>
+          </p:cNvPr>
+          <p:cNvSpPr>
+            <a:spLocks noGrp="1"/>
+          </p:cNvSpPr>
+          <p:nvPr>
+            <p:ph idx="1"/>
+          </p:nvPr>
+        </p:nvSpPr>
+        <p:spPr/>
+        <p:txBody>
+          <a:bodyPr/>
+          <a:lstStyle/>
+          <a:p>
+            <a:r>
+              <a:rPr lang="it-IT" dirty="0"/>
+              <a:t>l’</a:t>
+            </a:r>
+            <a:r>
+              <a:rPr lang="it-IT" b="1" i="1" dirty="0"/>
+              <a:t>ordinamento</a:t>
+            </a:r>
+            <a:r>
+              <a:rPr lang="it-IT" dirty="0"/>
+              <a:t> degli elementi di un array avviene considerando il valore della </a:t>
+            </a:r>
+            <a:r>
+              <a:rPr lang="it-IT" b="1" i="1" dirty="0"/>
+              <a:t>chiave primaria</a:t>
+            </a:r>
+          </a:p>
+          <a:p>
+            <a:r>
+              <a:rPr lang="it-IT" dirty="0"/>
+              <a:t>negli esempi le chiavi sono interi e la </a:t>
+            </a:r>
+            <a:r>
+              <a:rPr lang="it-IT" b="1" i="1" dirty="0"/>
+              <a:t>relazione d'ordine totale è &lt;=</a:t>
+            </a:r>
+          </a:p>
+          <a:p>
+            <a:r>
+              <a:rPr lang="it-IT" dirty="0"/>
+              <a:t>caratteristiche degli algoritmi di ordinamento:</a:t>
+            </a:r>
+          </a:p>
+          <a:p>
+            <a:pPr lvl="1"/>
+            <a:r>
+              <a:rPr lang="it-IT" b="1" i="1" dirty="0"/>
+              <a:t>efficienza</a:t>
+            </a:r>
+            <a:r>
+              <a:rPr lang="it-IT" dirty="0"/>
+              <a:t> (complessità computazionale)</a:t>
+            </a:r>
+          </a:p>
+          <a:p>
+            <a:pPr lvl="1"/>
+            <a:r>
+              <a:rPr lang="it-IT" b="1" i="1" dirty="0"/>
+              <a:t>stabilità</a:t>
+            </a:r>
+            <a:r>
+              <a:rPr lang="it-IT" dirty="0"/>
+              <a:t>: l’algoritmo è stabile se </a:t>
+            </a:r>
+            <a:r>
+              <a:rPr lang="it-IT" b="1" i="1" dirty="0"/>
+              <a:t>non altera l'ordine </a:t>
+            </a:r>
+            <a:r>
+              <a:rPr lang="it-IT" dirty="0"/>
+              <a:t>relativo di elementi dell'array aventi la stessa chiave primaria</a:t>
+            </a:r>
+          </a:p>
+          <a:p>
+            <a:pPr lvl="1"/>
+            <a:r>
+              <a:rPr lang="it-IT" b="1" i="1" dirty="0"/>
+              <a:t>sul posto</a:t>
+            </a:r>
+            <a:r>
+              <a:rPr lang="it-IT" dirty="0"/>
+              <a:t>: l’algoritmo opera sul posto se la </a:t>
+            </a:r>
+            <a:r>
+              <a:rPr lang="it-IT" b="1" i="1" dirty="0"/>
+              <a:t>dimensione</a:t>
+            </a:r>
+            <a:r>
+              <a:rPr lang="it-IT" dirty="0"/>
+              <a:t> delle </a:t>
+            </a:r>
+            <a:r>
+              <a:rPr lang="it-IT" b="1" i="1" dirty="0"/>
+              <a:t>strutture ausiliarie </a:t>
+            </a:r>
+            <a:r>
+              <a:rPr lang="it-IT" dirty="0"/>
+              <a:t>di cui necessita è </a:t>
+            </a:r>
+            <a:r>
+              <a:rPr lang="it-IT" b="1" i="1" dirty="0"/>
+              <a:t>indipendente dal numero di elementi </a:t>
+            </a:r>
+            <a:r>
+              <a:rPr lang="it-IT" dirty="0"/>
+              <a:t>dell'array da ordinare</a:t>
+            </a:r>
+          </a:p>
+        </p:txBody>
+      </p:sp>
+      <p:sp>
+        <p:nvSpPr>
+          <p:cNvPr id="4" name="Segnaposto piè di pagina 3">
+            <a:extLst>
+              <a:ext uri="{FF2B5EF4-FFF2-40B4-BE49-F238E27FC236}">
+                <a16:creationId xmlns:a16="http://schemas.microsoft.com/office/drawing/2014/main" id="{72E0E5EA-A839-43D5-90EB-04BEC56F4E67}"/>
+              </a:ext>
+            </a:extLst>
+          </p:cNvPr>
+          <p:cNvSpPr>
+            <a:spLocks noGrp="1"/>
+          </p:cNvSpPr>
+          <p:nvPr>
+            <p:ph type="ftr" sz="quarter" idx="11"/>
+          </p:nvPr>
+        </p:nvSpPr>
+        <p:spPr/>
+        <p:txBody>
+          <a:bodyPr/>
+          <a:lstStyle/>
+          <a:p>
+            <a:pPr>
+              <a:defRPr/>
+            </a:pPr>
+            <a:r>
+              <a:rPr lang="it-IT"/>
+              <a:t>Alberto Ferrari – Programmazione di applicazioni SW</a:t>
+            </a:r>
+            <a:endParaRPr lang="it-IT" dirty="0"/>
+          </a:p>
+        </p:txBody>
+      </p:sp>
+      <p:sp>
+        <p:nvSpPr>
+          <p:cNvPr id="7" name="Rettangolo 6">
+            <a:extLst>
+              <a:ext uri="{FF2B5EF4-FFF2-40B4-BE49-F238E27FC236}">
+                <a16:creationId xmlns:a16="http://schemas.microsoft.com/office/drawing/2014/main" id="{E120F52F-93A3-41C2-8D9D-FC983E9FD55C}"/>
+              </a:ext>
+            </a:extLst>
+          </p:cNvPr>
+          <p:cNvSpPr/>
+          <p:nvPr/>
+        </p:nvSpPr>
+        <p:spPr>
+          <a:xfrm>
+            <a:off x="6312024" y="5584310"/>
+            <a:ext cx="5614037" cy="338554"/>
+          </a:xfrm>
+          <a:prstGeom prst="rect">
+            <a:avLst/>
+          </a:prstGeom>
+        </p:spPr>
+        <p:txBody>
+          <a:bodyPr wrap="none">
+            <a:spAutoFit/>
+          </a:bodyPr>
+          <a:lstStyle/>
+          <a:p>
+            <a:r>
+              <a:rPr lang="it-IT" sz="1600" i="1" dirty="0">
+                <a:latin typeface="Century Schoolbook" panose="02040604050505020304" pitchFamily="18" charset="0"/>
+              </a:rPr>
+              <a:t>https://www.toptal.com/developers/sorting-algorithms/</a:t>
+            </a:r>
+          </a:p>
+        </p:txBody>
+      </p:sp>
+    </p:spTree>
+    <p:extLst>
+      <p:ext uri="{BB962C8B-B14F-4D97-AF65-F5344CB8AC3E}">
+        <p14:creationId xmlns:p14="http://schemas.microsoft.com/office/powerpoint/2010/main" val="2516381520"/>
+      </p:ext>
+    </p:extLst>
+  </p:cSld>
+  <p:clrMapOvr>
+    <a:masterClrMapping/>
+  </p:clrMapOvr>
+</p:sld>
+</file>
+
+<file path=ppt/slides/slide25.xml><?xml version="1.0" encoding="utf-8"?>
+<p:sld xmlns:a="http://schemas.openxmlformats.org/drawingml/2006/main" xmlns:r="http://schemas.openxmlformats.org/officeDocument/2006/relationships" xmlns:p="http://schemas.openxmlformats.org/presentationml/2006/main">
+  <p:cSld>
+    <p:spTree>
+      <p:nvGrpSpPr>
+        <p:cNvPr id="1" name=""/>
+        <p:cNvGrpSpPr/>
+        <p:nvPr/>
+      </p:nvGrpSpPr>
+      <p:grpSpPr>
+        <a:xfrm>
+          <a:off x="0" y="0"/>
+          <a:ext cx="0" cy="0"/>
+          <a:chOff x="0" y="0"/>
+          <a:chExt cx="0" cy="0"/>
+        </a:xfrm>
+      </p:grpSpPr>
+      <p:sp>
+        <p:nvSpPr>
+          <p:cNvPr id="2" name="Titolo 1">
+            <a:extLst>
+              <a:ext uri="{FF2B5EF4-FFF2-40B4-BE49-F238E27FC236}">
+                <a16:creationId xmlns:a16="http://schemas.microsoft.com/office/drawing/2014/main" id="{FF198010-7F7C-4442-80C7-0EC930A4B94D}"/>
+              </a:ext>
+            </a:extLst>
+          </p:cNvPr>
+          <p:cNvSpPr>
+            <a:spLocks noGrp="1"/>
+          </p:cNvSpPr>
+          <p:nvPr>
+            <p:ph type="title"/>
+          </p:nvPr>
+        </p:nvSpPr>
+        <p:spPr/>
+        <p:txBody>
+          <a:bodyPr/>
+          <a:lstStyle/>
+          <a:p>
+            <a:r>
+              <a:rPr lang="it-IT" sz="2800" dirty="0" err="1"/>
               <a:t>insertion</a:t>
             </a:r>
             <a:r>
-              <a:rPr lang="it-IT" dirty="0"/>
+              <a:rPr lang="it-IT" sz="2800" dirty="0"/>
               <a:t> </a:t>
             </a:r>
             <a:r>
-              <a:rPr lang="it-IT" dirty="0" err="1"/>
+              <a:rPr lang="it-IT" sz="2800" dirty="0" err="1"/>
               <a:t>sort</a:t>
             </a:r>
+            <a:endParaRPr lang="it-IT" sz="2800" dirty="0"/>
+          </a:p>
+        </p:txBody>
+      </p:sp>
+      <p:sp>
+        <p:nvSpPr>
+          <p:cNvPr id="3" name="Segnaposto contenuto 2">
+            <a:extLst>
+              <a:ext uri="{FF2B5EF4-FFF2-40B4-BE49-F238E27FC236}">
+                <a16:creationId xmlns:a16="http://schemas.microsoft.com/office/drawing/2014/main" id="{CE318EB6-F65F-4E05-8866-B6B35070625E}"/>
+              </a:ext>
+            </a:extLst>
+          </p:cNvPr>
+          <p:cNvSpPr>
+            <a:spLocks noGrp="1"/>
+          </p:cNvSpPr>
+          <p:nvPr>
+            <p:ph sz="half" idx="1"/>
+          </p:nvPr>
+        </p:nvSpPr>
+        <p:spPr/>
+        <p:txBody>
+          <a:bodyPr/>
+          <a:lstStyle/>
+          <a:p>
+            <a:r>
+              <a:rPr lang="it-IT" sz="2400" dirty="0"/>
+              <a:t>al generico passo </a:t>
+            </a:r>
+            <a:r>
+              <a:rPr lang="it-IT" sz="2400" b="1" i="1" dirty="0"/>
+              <a:t>i</a:t>
+            </a:r>
+            <a:r>
+              <a:rPr lang="it-IT" sz="2400" dirty="0"/>
+              <a:t> l’array è considerato </a:t>
+            </a:r>
+            <a:r>
+              <a:rPr lang="it-IT" sz="2400" b="1" i="1" dirty="0"/>
+              <a:t>diviso</a:t>
+            </a:r>
+            <a:r>
+              <a:rPr lang="it-IT" sz="2400" dirty="0"/>
+              <a:t> in</a:t>
+            </a:r>
+          </a:p>
+          <a:p>
+            <a:pPr lvl="1"/>
+            <a:r>
+              <a:rPr lang="it-IT" sz="2000" dirty="0"/>
+              <a:t>una sequenza di </a:t>
+            </a:r>
+            <a:r>
+              <a:rPr lang="it-IT" sz="2000" b="1" i="1" dirty="0"/>
+              <a:t>destinazione </a:t>
+            </a:r>
+            <a:br>
+              <a:rPr lang="it-IT" sz="2000" b="1" i="1" dirty="0"/>
+            </a:br>
+            <a:r>
+              <a:rPr lang="it-IT" sz="2000" b="1" i="1" dirty="0"/>
+              <a:t>a[0] ... a[i - 1] già ordinata</a:t>
+            </a:r>
+          </a:p>
+          <a:p>
+            <a:pPr lvl="1"/>
+            <a:r>
+              <a:rPr lang="it-IT" sz="2000" dirty="0"/>
+              <a:t>una sequenza di </a:t>
+            </a:r>
+            <a:r>
+              <a:rPr lang="it-IT" sz="2000" b="1" i="1" dirty="0"/>
+              <a:t>origine </a:t>
+            </a:r>
+            <a:br>
+              <a:rPr lang="it-IT" sz="2000" b="1" i="1" dirty="0"/>
+            </a:br>
+            <a:r>
+              <a:rPr lang="it-IT" sz="2000" b="1" i="1" dirty="0"/>
+              <a:t>a[i] ... a[n - 1] ancora da ordinare</a:t>
+            </a:r>
+          </a:p>
+          <a:p>
+            <a:r>
+              <a:rPr lang="it-IT" sz="2400" dirty="0"/>
+              <a:t>l'obiettivo è di </a:t>
+            </a:r>
+            <a:r>
+              <a:rPr lang="it-IT" sz="2400" b="1" i="1" dirty="0"/>
+              <a:t>inserire</a:t>
+            </a:r>
+            <a:r>
+              <a:rPr lang="it-IT" sz="2400" dirty="0"/>
+              <a:t> il valore contenuto in </a:t>
+            </a:r>
+            <a:r>
+              <a:rPr lang="it-IT" sz="2400" b="1" i="1" dirty="0"/>
+              <a:t>a[i]</a:t>
+            </a:r>
+            <a:r>
+              <a:rPr lang="it-IT" sz="2400" dirty="0"/>
+              <a:t> al </a:t>
+            </a:r>
+            <a:r>
+              <a:rPr lang="it-IT" sz="2400" b="1" i="1" dirty="0"/>
+              <a:t>posto giusto </a:t>
+            </a:r>
+            <a:r>
+              <a:rPr lang="it-IT" sz="2400" dirty="0"/>
+              <a:t>nella sequenza di destinazione facendolo scivolare a ritroso, in modo da </a:t>
+            </a:r>
+            <a:r>
+              <a:rPr lang="it-IT" sz="2400" b="1" i="1" dirty="0"/>
+              <a:t>ridurre</a:t>
+            </a:r>
+            <a:r>
+              <a:rPr lang="it-IT" sz="2400" dirty="0"/>
+              <a:t> la sequenza di origine di un elemento</a:t>
+            </a:r>
+          </a:p>
+        </p:txBody>
+      </p:sp>
+      <p:pic>
+        <p:nvPicPr>
+          <p:cNvPr id="6" name="Segnaposto contenuto 5">
+            <a:extLst>
+              <a:ext uri="{FF2B5EF4-FFF2-40B4-BE49-F238E27FC236}">
+                <a16:creationId xmlns:a16="http://schemas.microsoft.com/office/drawing/2014/main" id="{4C791489-E945-4B7F-8C67-BBFAA976BBE4}"/>
+              </a:ext>
+            </a:extLst>
+          </p:cNvPr>
+          <p:cNvPicPr>
+            <a:picLocks noGrp="1" noChangeAspect="1"/>
+          </p:cNvPicPr>
+          <p:nvPr>
+            <p:ph sz="half" idx="2"/>
+          </p:nvPr>
+        </p:nvPicPr>
+        <p:blipFill>
+          <a:blip r:embed="rId2"/>
+          <a:stretch>
+            <a:fillRect/>
+          </a:stretch>
+        </p:blipFill>
+        <p:spPr>
+          <a:xfrm>
+            <a:off x="6240016" y="1679564"/>
+            <a:ext cx="5137907" cy="3498872"/>
+          </a:xfrm>
+          <a:prstGeom prst="rect">
+            <a:avLst/>
+          </a:prstGeom>
+        </p:spPr>
+      </p:pic>
+      <p:sp>
+        <p:nvSpPr>
+          <p:cNvPr id="4" name="Segnaposto piè di pagina 3">
+            <a:extLst>
+              <a:ext uri="{FF2B5EF4-FFF2-40B4-BE49-F238E27FC236}">
+                <a16:creationId xmlns:a16="http://schemas.microsoft.com/office/drawing/2014/main" id="{4161F8E7-A048-4813-B9A4-9C7C4F8F9B56}"/>
+              </a:ext>
+            </a:extLst>
+          </p:cNvPr>
+          <p:cNvSpPr>
+            <a:spLocks noGrp="1"/>
+          </p:cNvSpPr>
+          <p:nvPr>
+            <p:ph type="ftr" sz="quarter" idx="11"/>
+          </p:nvPr>
+        </p:nvSpPr>
+        <p:spPr/>
+        <p:txBody>
+          <a:bodyPr/>
+          <a:lstStyle/>
+          <a:p>
+            <a:pPr>
+              <a:defRPr/>
+            </a:pPr>
+            <a:r>
+              <a:rPr lang="it-IT"/>
+              <a:t>Alberto Ferrari – Programmazione di applicazioni SW</a:t>
+            </a:r>
             <a:endParaRPr lang="it-IT" dirty="0"/>
+          </a:p>
+        </p:txBody>
+      </p:sp>
+    </p:spTree>
+    <p:extLst>
+      <p:ext uri="{BB962C8B-B14F-4D97-AF65-F5344CB8AC3E}">
+        <p14:creationId xmlns:p14="http://schemas.microsoft.com/office/powerpoint/2010/main" val="1936210606"/>
+      </p:ext>
+    </p:extLst>
+  </p:cSld>
+  <p:clrMapOvr>
+    <a:masterClrMapping/>
+  </p:clrMapOvr>
+</p:sld>
+</file>
+
+<file path=ppt/slides/slide26.xml><?xml version="1.0" encoding="utf-8"?>
+<p:sld xmlns:a="http://schemas.openxmlformats.org/drawingml/2006/main" xmlns:r="http://schemas.openxmlformats.org/officeDocument/2006/relationships" xmlns:p="http://schemas.openxmlformats.org/presentationml/2006/main">
+  <p:cSld>
+    <p:spTree>
+      <p:nvGrpSpPr>
+        <p:cNvPr id="1" name=""/>
+        <p:cNvGrpSpPr/>
+        <p:nvPr/>
+      </p:nvGrpSpPr>
+      <p:grpSpPr>
+        <a:xfrm>
+          <a:off x="0" y="0"/>
+          <a:ext cx="0" cy="0"/>
+          <a:chOff x="0" y="0"/>
+          <a:chExt cx="0" cy="0"/>
+        </a:xfrm>
+      </p:grpSpPr>
+      <p:sp>
+        <p:nvSpPr>
+          <p:cNvPr id="2" name="Titolo 1">
+            <a:extLst>
+              <a:ext uri="{FF2B5EF4-FFF2-40B4-BE49-F238E27FC236}">
+                <a16:creationId xmlns:a16="http://schemas.microsoft.com/office/drawing/2014/main" id="{5AAA4176-B7EF-49EB-A159-8D05ED74A212}"/>
+              </a:ext>
+            </a:extLst>
+          </p:cNvPr>
+          <p:cNvSpPr>
+            <a:spLocks noGrp="1"/>
+          </p:cNvSpPr>
+          <p:nvPr>
+            <p:ph type="title"/>
+          </p:nvPr>
+        </p:nvSpPr>
+        <p:spPr/>
+        <p:txBody>
+          <a:bodyPr/>
+          <a:lstStyle/>
+          <a:p>
+            <a:r>
+              <a:rPr lang="it-IT" sz="2800" dirty="0" err="1"/>
+              <a:t>insertion</a:t>
+            </a:r>
+            <a:r>
+              <a:rPr lang="it-IT" sz="2800" dirty="0"/>
+              <a:t> </a:t>
+            </a:r>
+            <a:r>
+              <a:rPr lang="it-IT" sz="2800" dirty="0" err="1"/>
+              <a:t>sort</a:t>
+            </a:r>
+            <a:endParaRPr lang="it-IT" sz="2800" dirty="0"/>
           </a:p>
         </p:txBody>
       </p:sp>
@@ -5686,7 +10024,7 @@
 </p:sld>
 </file>
 
-<file path=ppt/slides/slide11.xml><?xml version="1.0" encoding="utf-8"?>
+<file path=ppt/slides/slide27.xml><?xml version="1.0" encoding="utf-8"?>
 <p:sld xmlns:a="http://schemas.openxmlformats.org/drawingml/2006/main" xmlns:r="http://schemas.openxmlformats.org/officeDocument/2006/relationships" xmlns:p="http://schemas.openxmlformats.org/presentationml/2006/main">
   <p:cSld>
     <p:spTree>
@@ -5955,7 +10293,7 @@
 </p:sld>
 </file>
 
-<file path=ppt/slides/slide12.xml><?xml version="1.0" encoding="utf-8"?>
+<file path=ppt/slides/slide28.xml><?xml version="1.0" encoding="utf-8"?>
 <p:sld xmlns:a="http://schemas.openxmlformats.org/drawingml/2006/main" xmlns:r="http://schemas.openxmlformats.org/officeDocument/2006/relationships" xmlns:p="http://schemas.openxmlformats.org/presentationml/2006/main">
   <p:cSld>
     <p:spTree>
@@ -6612,7 +10950,7 @@
 </p:sld>
 </file>
 
-<file path=ppt/slides/slide13.xml><?xml version="1.0" encoding="utf-8"?>
+<file path=ppt/slides/slide29.xml><?xml version="1.0" encoding="utf-8"?>
 <p:sld xmlns:a="http://schemas.openxmlformats.org/drawingml/2006/main" xmlns:r="http://schemas.openxmlformats.org/officeDocument/2006/relationships" xmlns:p="http://schemas.openxmlformats.org/presentationml/2006/main">
   <p:cSld>
     <p:spTree>
@@ -6651,10 +10989,10 @@
           <a:lstStyle/>
           <a:p>
             <a:r>
-              <a:rPr lang="it-IT" dirty="0" err="1"/>
+              <a:rPr lang="it-IT" sz="2800" dirty="0" err="1"/>
               <a:t>bubblesort</a:t>
             </a:r>
-            <a:endParaRPr lang="it-IT" dirty="0"/>
+            <a:endParaRPr lang="it-IT" sz="2800" dirty="0"/>
           </a:p>
         </p:txBody>
       </p:sp>
@@ -6884,7 +11222,7 @@
 </p:sld>
 </file>
 
-<file path=ppt/slides/slide14.xml><?xml version="1.0" encoding="utf-8"?>
+<file path=ppt/slides/slide3.xml><?xml version="1.0" encoding="utf-8"?>
 <p:sld xmlns:a="http://schemas.openxmlformats.org/drawingml/2006/main" xmlns:r="http://schemas.openxmlformats.org/officeDocument/2006/relationships" xmlns:p="http://schemas.openxmlformats.org/presentationml/2006/main">
   <p:cSld>
     <p:spTree>
@@ -6906,7 +11244,7 @@
           <p:cNvPr id="2" name="Titolo 1">
             <a:extLst>
               <a:ext uri="{FF2B5EF4-FFF2-40B4-BE49-F238E27FC236}">
-                <a16:creationId xmlns:a16="http://schemas.microsoft.com/office/drawing/2014/main" id="{5AAA4176-B7EF-49EB-A159-8D05ED74A212}"/>
+                <a16:creationId xmlns:a16="http://schemas.microsoft.com/office/drawing/2014/main" id="{49A9B24B-F156-4202-9C05-A82B4078A562}"/>
               </a:ext>
             </a:extLst>
           </p:cNvPr>
@@ -6923,27 +11261,18 @@
           <a:lstStyle/>
           <a:p>
             <a:r>
-              <a:rPr lang="it-IT" dirty="0" err="1"/>
-              <a:t>bubble</a:t>
-            </a:r>
-            <a:r>
-              <a:rPr lang="it-IT" dirty="0"/>
-              <a:t> </a:t>
-            </a:r>
-            <a:r>
-              <a:rPr lang="it-IT" dirty="0" err="1"/>
-              <a:t>sort</a:t>
-            </a:r>
-            <a:endParaRPr lang="it-IT" dirty="0"/>
-          </a:p>
-        </p:txBody>
-      </p:sp>
-      <p:sp>
-        <p:nvSpPr>
-          <p:cNvPr id="5" name="Segnaposto contenuto 4">
+              <a:rPr lang="it-IT" sz="2800" dirty="0"/>
+              <a:t>problemi e algoritmi</a:t>
+            </a:r>
+          </a:p>
+        </p:txBody>
+      </p:sp>
+      <p:sp>
+        <p:nvSpPr>
+          <p:cNvPr id="3" name="Segnaposto contenuto 2">
             <a:extLst>
               <a:ext uri="{FF2B5EF4-FFF2-40B4-BE49-F238E27FC236}">
-                <a16:creationId xmlns:a16="http://schemas.microsoft.com/office/drawing/2014/main" id="{BCAF70DA-D659-477D-84C0-DD6EAD1BE66E}"/>
+                <a16:creationId xmlns:a16="http://schemas.microsoft.com/office/drawing/2014/main" id="{2E463BA8-8815-4B1B-A48F-474351DE846E}"/>
               </a:ext>
             </a:extLst>
           </p:cNvPr>
@@ -6951,7 +11280,7 @@
             <a:spLocks noGrp="1"/>
           </p:cNvSpPr>
           <p:nvPr>
-            <p:ph sz="half" idx="1"/>
+            <p:ph idx="1"/>
           </p:nvPr>
         </p:nvSpPr>
         <p:spPr/>
@@ -6960,303 +11289,70 @@
           <a:lstStyle/>
           <a:p>
             <a:r>
-              <a:rPr lang="it-IT" sz="1800" dirty="0"/>
-              <a:t>versione semplificata</a:t>
-            </a:r>
-            <a:br>
-              <a:rPr lang="it-IT" sz="1600" b="1" i="1" dirty="0"/>
-            </a:br>
-            <a:endParaRPr lang="en-US" sz="1600" b="1" dirty="0">
-              <a:latin typeface="Courier New" panose="02070309020205020404" pitchFamily="49" charset="0"/>
-              <a:cs typeface="Courier New" panose="02070309020205020404" pitchFamily="49" charset="0"/>
-            </a:endParaRPr>
-          </a:p>
-          <a:p>
-            <a:pPr marL="0" indent="0">
-              <a:buNone/>
-            </a:pPr>
-            <a:r>
-              <a:rPr lang="en-US" sz="1600" b="1" dirty="0">
-                <a:latin typeface="Courier New" panose="02070309020205020404" pitchFamily="49" charset="0"/>
-                <a:cs typeface="Courier New" panose="02070309020205020404" pitchFamily="49" charset="0"/>
-              </a:rPr>
-              <a:t>void </a:t>
-            </a:r>
-            <a:r>
-              <a:rPr lang="en-US" sz="1600" b="1" dirty="0" err="1">
-                <a:solidFill>
-                  <a:srgbClr val="FF0000"/>
-                </a:solidFill>
-                <a:latin typeface="Courier New" panose="02070309020205020404" pitchFamily="49" charset="0"/>
-                <a:cs typeface="Courier New" panose="02070309020205020404" pitchFamily="49" charset="0"/>
-              </a:rPr>
-              <a:t>bubble_sort</a:t>
-            </a:r>
-            <a:r>
-              <a:rPr lang="en-US" sz="1600" b="1" dirty="0">
-                <a:latin typeface="Courier New" panose="02070309020205020404" pitchFamily="49" charset="0"/>
-                <a:cs typeface="Courier New" panose="02070309020205020404" pitchFamily="49" charset="0"/>
-              </a:rPr>
-              <a:t>(</a:t>
-            </a:r>
-            <a:r>
-              <a:rPr lang="en-US" sz="1600" b="1" dirty="0" err="1">
-                <a:latin typeface="Courier New" panose="02070309020205020404" pitchFamily="49" charset="0"/>
-                <a:cs typeface="Courier New" panose="02070309020205020404" pitchFamily="49" charset="0"/>
-              </a:rPr>
-              <a:t>int</a:t>
-            </a:r>
-            <a:r>
-              <a:rPr lang="en-US" sz="1600" b="1" dirty="0">
-                <a:latin typeface="Courier New" panose="02070309020205020404" pitchFamily="49" charset="0"/>
-                <a:cs typeface="Courier New" panose="02070309020205020404" pitchFamily="49" charset="0"/>
-              </a:rPr>
-              <a:t> array[], </a:t>
-            </a:r>
-            <a:r>
-              <a:rPr lang="en-US" sz="1600" b="1" dirty="0" err="1">
-                <a:latin typeface="Courier New" panose="02070309020205020404" pitchFamily="49" charset="0"/>
-                <a:cs typeface="Courier New" panose="02070309020205020404" pitchFamily="49" charset="0"/>
-              </a:rPr>
-              <a:t>int</a:t>
-            </a:r>
-            <a:r>
-              <a:rPr lang="en-US" sz="1600" b="1" dirty="0">
-                <a:latin typeface="Courier New" panose="02070309020205020404" pitchFamily="49" charset="0"/>
-                <a:cs typeface="Courier New" panose="02070309020205020404" pitchFamily="49" charset="0"/>
-              </a:rPr>
-              <a:t> size) {</a:t>
-            </a:r>
-          </a:p>
-          <a:p>
-            <a:pPr marL="0" indent="0">
-              <a:buNone/>
-            </a:pPr>
-            <a:r>
-              <a:rPr lang="en-US" sz="1600" b="1" dirty="0">
-                <a:latin typeface="Courier New" panose="02070309020205020404" pitchFamily="49" charset="0"/>
-                <a:cs typeface="Courier New" panose="02070309020205020404" pitchFamily="49" charset="0"/>
-              </a:rPr>
-              <a:t> </a:t>
-            </a:r>
-            <a:r>
-              <a:rPr lang="en-US" sz="1600" b="1" dirty="0" err="1">
-                <a:latin typeface="Courier New" panose="02070309020205020404" pitchFamily="49" charset="0"/>
-                <a:cs typeface="Courier New" panose="02070309020205020404" pitchFamily="49" charset="0"/>
-              </a:rPr>
-              <a:t>int</a:t>
-            </a:r>
-            <a:r>
-              <a:rPr lang="en-US" sz="1600" b="1" dirty="0">
-                <a:latin typeface="Courier New" panose="02070309020205020404" pitchFamily="49" charset="0"/>
-                <a:cs typeface="Courier New" panose="02070309020205020404" pitchFamily="49" charset="0"/>
-              </a:rPr>
-              <a:t> </a:t>
-            </a:r>
-            <a:r>
-              <a:rPr lang="en-US" sz="1600" b="1" dirty="0" err="1">
-                <a:latin typeface="Courier New" panose="02070309020205020404" pitchFamily="49" charset="0"/>
-                <a:cs typeface="Courier New" panose="02070309020205020404" pitchFamily="49" charset="0"/>
-              </a:rPr>
-              <a:t>i,last</a:t>
-            </a:r>
-            <a:r>
-              <a:rPr lang="en-US" sz="1600" b="1" dirty="0">
-                <a:latin typeface="Courier New" panose="02070309020205020404" pitchFamily="49" charset="0"/>
-                <a:cs typeface="Courier New" panose="02070309020205020404" pitchFamily="49" charset="0"/>
-              </a:rPr>
-              <a:t>;</a:t>
-            </a:r>
-          </a:p>
-          <a:p>
-            <a:pPr marL="0" indent="0">
-              <a:buNone/>
-            </a:pPr>
-            <a:r>
-              <a:rPr lang="en-US" sz="1600" b="1" dirty="0">
-                <a:latin typeface="Courier New" panose="02070309020205020404" pitchFamily="49" charset="0"/>
-                <a:cs typeface="Courier New" panose="02070309020205020404" pitchFamily="49" charset="0"/>
-              </a:rPr>
-              <a:t> for (last = size - 1; last &gt; 0; last-- ){</a:t>
-            </a:r>
-          </a:p>
-          <a:p>
-            <a:pPr marL="0" indent="0">
-              <a:buNone/>
-            </a:pPr>
-            <a:r>
-              <a:rPr lang="en-US" sz="1600" b="1" dirty="0">
-                <a:latin typeface="Courier New" panose="02070309020205020404" pitchFamily="49" charset="0"/>
-                <a:cs typeface="Courier New" panose="02070309020205020404" pitchFamily="49" charset="0"/>
-              </a:rPr>
-              <a:t>        for (</a:t>
-            </a:r>
-            <a:r>
-              <a:rPr lang="en-US" sz="1600" b="1" dirty="0" err="1">
-                <a:latin typeface="Courier New" panose="02070309020205020404" pitchFamily="49" charset="0"/>
-                <a:cs typeface="Courier New" panose="02070309020205020404" pitchFamily="49" charset="0"/>
-              </a:rPr>
-              <a:t>i</a:t>
-            </a:r>
-            <a:r>
-              <a:rPr lang="en-US" sz="1600" b="1" dirty="0">
-                <a:latin typeface="Courier New" panose="02070309020205020404" pitchFamily="49" charset="0"/>
-                <a:cs typeface="Courier New" panose="02070309020205020404" pitchFamily="49" charset="0"/>
-              </a:rPr>
-              <a:t>=0; </a:t>
-            </a:r>
-            <a:r>
-              <a:rPr lang="en-US" sz="1600" b="1" dirty="0" err="1">
-                <a:latin typeface="Courier New" panose="02070309020205020404" pitchFamily="49" charset="0"/>
-                <a:cs typeface="Courier New" panose="02070309020205020404" pitchFamily="49" charset="0"/>
-              </a:rPr>
-              <a:t>i</a:t>
-            </a:r>
-            <a:r>
-              <a:rPr lang="en-US" sz="1600" b="1" dirty="0">
-                <a:latin typeface="Courier New" panose="02070309020205020404" pitchFamily="49" charset="0"/>
-                <a:cs typeface="Courier New" panose="02070309020205020404" pitchFamily="49" charset="0"/>
-              </a:rPr>
-              <a:t>&lt;last; </a:t>
-            </a:r>
-            <a:r>
-              <a:rPr lang="en-US" sz="1600" b="1" dirty="0" err="1">
-                <a:latin typeface="Courier New" panose="02070309020205020404" pitchFamily="49" charset="0"/>
-                <a:cs typeface="Courier New" panose="02070309020205020404" pitchFamily="49" charset="0"/>
-              </a:rPr>
-              <a:t>i</a:t>
-            </a:r>
-            <a:r>
-              <a:rPr lang="en-US" sz="1600" b="1" dirty="0">
-                <a:latin typeface="Courier New" panose="02070309020205020404" pitchFamily="49" charset="0"/>
-                <a:cs typeface="Courier New" panose="02070309020205020404" pitchFamily="49" charset="0"/>
-              </a:rPr>
-              <a:t>++){</a:t>
-            </a:r>
-          </a:p>
-          <a:p>
-            <a:pPr marL="0" indent="0">
-              <a:buNone/>
-            </a:pPr>
-            <a:r>
-              <a:rPr lang="en-US" sz="1600" b="1" dirty="0">
-                <a:latin typeface="Courier New" panose="02070309020205020404" pitchFamily="49" charset="0"/>
-                <a:cs typeface="Courier New" panose="02070309020205020404" pitchFamily="49" charset="0"/>
-              </a:rPr>
-              <a:t>            if (</a:t>
-            </a:r>
-            <a:r>
-              <a:rPr lang="en-US" sz="1600" b="1" dirty="0">
-                <a:solidFill>
-                  <a:srgbClr val="FF0000"/>
-                </a:solidFill>
-                <a:latin typeface="Courier New" panose="02070309020205020404" pitchFamily="49" charset="0"/>
-                <a:cs typeface="Courier New" panose="02070309020205020404" pitchFamily="49" charset="0"/>
-              </a:rPr>
-              <a:t>array[</a:t>
-            </a:r>
-            <a:r>
-              <a:rPr lang="en-US" sz="1600" b="1" dirty="0" err="1">
-                <a:solidFill>
-                  <a:srgbClr val="FF0000"/>
-                </a:solidFill>
-                <a:latin typeface="Courier New" panose="02070309020205020404" pitchFamily="49" charset="0"/>
-                <a:cs typeface="Courier New" panose="02070309020205020404" pitchFamily="49" charset="0"/>
-              </a:rPr>
-              <a:t>i</a:t>
-            </a:r>
-            <a:r>
-              <a:rPr lang="en-US" sz="1600" b="1" dirty="0">
-                <a:solidFill>
-                  <a:srgbClr val="FF0000"/>
-                </a:solidFill>
-                <a:latin typeface="Courier New" panose="02070309020205020404" pitchFamily="49" charset="0"/>
-                <a:cs typeface="Courier New" panose="02070309020205020404" pitchFamily="49" charset="0"/>
-              </a:rPr>
-              <a:t>]&gt;array[i+1]</a:t>
-            </a:r>
-            <a:r>
-              <a:rPr lang="en-US" sz="1600" b="1" dirty="0">
-                <a:latin typeface="Courier New" panose="02070309020205020404" pitchFamily="49" charset="0"/>
-                <a:cs typeface="Courier New" panose="02070309020205020404" pitchFamily="49" charset="0"/>
-              </a:rPr>
-              <a:t>)</a:t>
-            </a:r>
-          </a:p>
-          <a:p>
-            <a:pPr marL="0" indent="0">
-              <a:buNone/>
-            </a:pPr>
-            <a:r>
-              <a:rPr lang="en-US" sz="1600" b="1" dirty="0">
-                <a:latin typeface="Courier New" panose="02070309020205020404" pitchFamily="49" charset="0"/>
-                <a:cs typeface="Courier New" panose="02070309020205020404" pitchFamily="49" charset="0"/>
-              </a:rPr>
-              <a:t>              swap(array[</a:t>
-            </a:r>
-            <a:r>
-              <a:rPr lang="en-US" sz="1600" b="1" dirty="0" err="1">
-                <a:latin typeface="Courier New" panose="02070309020205020404" pitchFamily="49" charset="0"/>
-                <a:cs typeface="Courier New" panose="02070309020205020404" pitchFamily="49" charset="0"/>
-              </a:rPr>
-              <a:t>i</a:t>
-            </a:r>
-            <a:r>
-              <a:rPr lang="en-US" sz="1600" b="1" dirty="0">
-                <a:latin typeface="Courier New" panose="02070309020205020404" pitchFamily="49" charset="0"/>
-                <a:cs typeface="Courier New" panose="02070309020205020404" pitchFamily="49" charset="0"/>
-              </a:rPr>
-              <a:t>], array[i+1]);</a:t>
-            </a:r>
-          </a:p>
-          <a:p>
-            <a:pPr marL="0" indent="0">
-              <a:buNone/>
-            </a:pPr>
-            <a:r>
-              <a:rPr lang="en-US" sz="1600" b="1" dirty="0">
-                <a:latin typeface="Courier New" panose="02070309020205020404" pitchFamily="49" charset="0"/>
-                <a:cs typeface="Courier New" panose="02070309020205020404" pitchFamily="49" charset="0"/>
-              </a:rPr>
-              <a:t>        }</a:t>
-            </a:r>
-          </a:p>
-          <a:p>
-            <a:pPr marL="0" indent="0">
-              <a:buNone/>
-            </a:pPr>
-            <a:r>
-              <a:rPr lang="en-US" sz="1600" b="1" dirty="0">
-                <a:latin typeface="Courier New" panose="02070309020205020404" pitchFamily="49" charset="0"/>
-                <a:cs typeface="Courier New" panose="02070309020205020404" pitchFamily="49" charset="0"/>
-              </a:rPr>
-              <a:t>    }</a:t>
-            </a:r>
-          </a:p>
-          <a:p>
-            <a:pPr marL="0" indent="0">
-              <a:buNone/>
-            </a:pPr>
-            <a:r>
-              <a:rPr lang="en-US" sz="1600" b="1" dirty="0">
-                <a:latin typeface="Courier New" panose="02070309020205020404" pitchFamily="49" charset="0"/>
-                <a:cs typeface="Courier New" panose="02070309020205020404" pitchFamily="49" charset="0"/>
-              </a:rPr>
-              <a:t>}</a:t>
-            </a:r>
-            <a:endParaRPr lang="it-IT" sz="1600" b="1" dirty="0">
-              <a:latin typeface="Courier New" panose="02070309020205020404" pitchFamily="49" charset="0"/>
-              <a:cs typeface="Courier New" panose="02070309020205020404" pitchFamily="49" charset="0"/>
-            </a:endParaRPr>
-          </a:p>
-        </p:txBody>
-      </p:sp>
-      <p:sp>
-        <p:nvSpPr>
-          <p:cNvPr id="6" name="Segnaposto contenuto 5">
+              <a:rPr lang="it-IT" dirty="0"/>
+              <a:t>dato </a:t>
+            </a:r>
+            <a:r>
+              <a:rPr lang="it-IT" b="1" i="1" dirty="0"/>
+              <a:t>un problema</a:t>
+            </a:r>
+            <a:r>
+              <a:rPr lang="it-IT" dirty="0"/>
+              <a:t>, possono esistere </a:t>
+            </a:r>
+            <a:r>
+              <a:rPr lang="it-IT" b="1" i="1" dirty="0"/>
+              <a:t>più algoritmi </a:t>
+            </a:r>
+            <a:r>
+              <a:rPr lang="it-IT" dirty="0"/>
+              <a:t>che sono </a:t>
+            </a:r>
+            <a:r>
+              <a:rPr lang="it-IT" b="1" i="1" dirty="0"/>
+              <a:t>corretti</a:t>
+            </a:r>
+            <a:r>
+              <a:rPr lang="it-IT" dirty="0"/>
+              <a:t> rispetto ad esso</a:t>
+            </a:r>
+          </a:p>
+          <a:p>
+            <a:r>
+              <a:rPr lang="it-IT" dirty="0"/>
+              <a:t>… e un numero illimitato di algoritmi </a:t>
+            </a:r>
+            <a:r>
+              <a:rPr lang="it-IT" b="1" i="1" dirty="0"/>
+              <a:t>errati :(</a:t>
+            </a:r>
+          </a:p>
+          <a:p>
+            <a:r>
+              <a:rPr lang="it-IT" dirty="0"/>
+              <a:t>gli algoritmi corretti possono essere confrontati rispetto alla loro </a:t>
+            </a:r>
+            <a:r>
+              <a:rPr lang="it-IT" b="1" i="1" dirty="0"/>
+              <a:t>complessità</a:t>
+            </a:r>
+            <a:r>
+              <a:rPr lang="it-IT" dirty="0"/>
+              <a:t> o efficienza </a:t>
+            </a:r>
+            <a:r>
+              <a:rPr lang="it-IT" b="1" i="1" dirty="0"/>
+              <a:t>computazionale</a:t>
+            </a:r>
+          </a:p>
+        </p:txBody>
+      </p:sp>
+      <p:sp>
+        <p:nvSpPr>
+          <p:cNvPr id="4" name="Segnaposto piè di pagina 3">
             <a:extLst>
               <a:ext uri="{FF2B5EF4-FFF2-40B4-BE49-F238E27FC236}">
-                <a16:creationId xmlns:a16="http://schemas.microsoft.com/office/drawing/2014/main" id="{7C897CB3-32B9-4733-8EC6-A4E9ECA3DA21}"/>
+                <a16:creationId xmlns:a16="http://schemas.microsoft.com/office/drawing/2014/main" id="{6ABCCA80-C5C5-4A52-8BCB-FC511E01127A}"/>
               </a:ext>
             </a:extLst>
           </p:cNvPr>
@@ -7264,482 +11360,6 @@
             <a:spLocks noGrp="1"/>
           </p:cNvSpPr>
           <p:nvPr>
-            <p:ph sz="half" idx="2"/>
-          </p:nvPr>
-        </p:nvSpPr>
-        <p:spPr/>
-        <p:txBody>
-          <a:bodyPr/>
-          <a:lstStyle/>
-          <a:p>
-            <a:r>
-              <a:rPr lang="it-IT" sz="1800" dirty="0"/>
-              <a:t>se </a:t>
-            </a:r>
-            <a:r>
-              <a:rPr lang="it-IT" sz="1800" b="1" i="1" dirty="0"/>
-              <a:t>non</a:t>
-            </a:r>
-            <a:r>
-              <a:rPr lang="it-IT" sz="1800" dirty="0"/>
-              <a:t> avvengono </a:t>
-            </a:r>
-            <a:r>
-              <a:rPr lang="it-IT" sz="1800" b="1" i="1" dirty="0"/>
-              <a:t>scambi</a:t>
-            </a:r>
-            <a:r>
-              <a:rPr lang="it-IT" sz="1800" dirty="0"/>
-              <a:t> </a:t>
-            </a:r>
-            <a:br>
-              <a:rPr lang="it-IT" sz="1800" dirty="0"/>
-            </a:br>
-            <a:r>
-              <a:rPr lang="it-IT" sz="1800" dirty="0"/>
-              <a:t>l’array risulta </a:t>
-            </a:r>
-            <a:r>
-              <a:rPr lang="it-IT" sz="1800" b="1" i="1" dirty="0"/>
-              <a:t>ordinato</a:t>
-            </a:r>
-          </a:p>
-          <a:p>
-            <a:pPr marL="0" indent="0">
-              <a:buNone/>
-            </a:pPr>
-            <a:r>
-              <a:rPr lang="en-US" sz="1600" b="1" dirty="0">
-                <a:latin typeface="Courier New" panose="02070309020205020404" pitchFamily="49" charset="0"/>
-                <a:cs typeface="Courier New" panose="02070309020205020404" pitchFamily="49" charset="0"/>
-              </a:rPr>
-              <a:t>void </a:t>
-            </a:r>
-            <a:r>
-              <a:rPr lang="en-US" sz="1600" b="1" dirty="0" err="1">
-                <a:solidFill>
-                  <a:srgbClr val="FF0000"/>
-                </a:solidFill>
-                <a:latin typeface="Courier New" panose="02070309020205020404" pitchFamily="49" charset="0"/>
-                <a:cs typeface="Courier New" panose="02070309020205020404" pitchFamily="49" charset="0"/>
-              </a:rPr>
-              <a:t>bubble_sort</a:t>
-            </a:r>
-            <a:r>
-              <a:rPr lang="en-US" sz="1600" b="1" dirty="0">
-                <a:latin typeface="Courier New" panose="02070309020205020404" pitchFamily="49" charset="0"/>
-                <a:cs typeface="Courier New" panose="02070309020205020404" pitchFamily="49" charset="0"/>
-              </a:rPr>
-              <a:t>(</a:t>
-            </a:r>
-            <a:r>
-              <a:rPr lang="en-US" sz="1600" b="1" dirty="0" err="1">
-                <a:latin typeface="Courier New" panose="02070309020205020404" pitchFamily="49" charset="0"/>
-                <a:cs typeface="Courier New" panose="02070309020205020404" pitchFamily="49" charset="0"/>
-              </a:rPr>
-              <a:t>int</a:t>
-            </a:r>
-            <a:r>
-              <a:rPr lang="en-US" sz="1600" b="1" dirty="0">
-                <a:latin typeface="Courier New" panose="02070309020205020404" pitchFamily="49" charset="0"/>
-                <a:cs typeface="Courier New" panose="02070309020205020404" pitchFamily="49" charset="0"/>
-              </a:rPr>
-              <a:t> array[], </a:t>
-            </a:r>
-            <a:r>
-              <a:rPr lang="en-US" sz="1600" b="1" dirty="0" err="1">
-                <a:latin typeface="Courier New" panose="02070309020205020404" pitchFamily="49" charset="0"/>
-                <a:cs typeface="Courier New" panose="02070309020205020404" pitchFamily="49" charset="0"/>
-              </a:rPr>
-              <a:t>int</a:t>
-            </a:r>
-            <a:r>
-              <a:rPr lang="en-US" sz="1600" b="1" dirty="0">
-                <a:latin typeface="Courier New" panose="02070309020205020404" pitchFamily="49" charset="0"/>
-                <a:cs typeface="Courier New" panose="02070309020205020404" pitchFamily="49" charset="0"/>
-              </a:rPr>
-              <a:t> size) {</a:t>
-            </a:r>
-          </a:p>
-          <a:p>
-            <a:pPr marL="0" indent="0">
-              <a:buNone/>
-            </a:pPr>
-            <a:r>
-              <a:rPr lang="en-US" sz="1600" b="1" dirty="0">
-                <a:latin typeface="Courier New" panose="02070309020205020404" pitchFamily="49" charset="0"/>
-                <a:cs typeface="Courier New" panose="02070309020205020404" pitchFamily="49" charset="0"/>
-              </a:rPr>
-              <a:t> </a:t>
-            </a:r>
-            <a:r>
-              <a:rPr lang="en-US" sz="1600" b="1" dirty="0" err="1">
-                <a:latin typeface="Courier New" panose="02070309020205020404" pitchFamily="49" charset="0"/>
-                <a:cs typeface="Courier New" panose="02070309020205020404" pitchFamily="49" charset="0"/>
-              </a:rPr>
-              <a:t>int</a:t>
-            </a:r>
-            <a:r>
-              <a:rPr lang="en-US" sz="1600" b="1" dirty="0">
-                <a:latin typeface="Courier New" panose="02070309020205020404" pitchFamily="49" charset="0"/>
-                <a:cs typeface="Courier New" panose="02070309020205020404" pitchFamily="49" charset="0"/>
-              </a:rPr>
-              <a:t> </a:t>
-            </a:r>
-            <a:r>
-              <a:rPr lang="en-US" sz="1600" b="1" dirty="0" err="1">
-                <a:latin typeface="Courier New" panose="02070309020205020404" pitchFamily="49" charset="0"/>
-                <a:cs typeface="Courier New" panose="02070309020205020404" pitchFamily="49" charset="0"/>
-              </a:rPr>
-              <a:t>i,last</a:t>
-            </a:r>
-            <a:r>
-              <a:rPr lang="en-US" sz="1600" b="1" dirty="0">
-                <a:latin typeface="Courier New" panose="02070309020205020404" pitchFamily="49" charset="0"/>
-                <a:cs typeface="Courier New" panose="02070309020205020404" pitchFamily="49" charset="0"/>
-              </a:rPr>
-              <a:t>;</a:t>
-            </a:r>
-          </a:p>
-          <a:p>
-            <a:pPr marL="0" indent="0">
-              <a:buNone/>
-            </a:pPr>
-            <a:r>
-              <a:rPr lang="en-US" sz="1600" b="1" dirty="0">
-                <a:latin typeface="Courier New" panose="02070309020205020404" pitchFamily="49" charset="0"/>
-                <a:cs typeface="Courier New" panose="02070309020205020404" pitchFamily="49" charset="0"/>
-              </a:rPr>
-              <a:t> bool </a:t>
-            </a:r>
-            <a:r>
-              <a:rPr lang="en-US" sz="1600" b="1" dirty="0">
-                <a:solidFill>
-                  <a:srgbClr val="FF0000"/>
-                </a:solidFill>
-                <a:latin typeface="Courier New" panose="02070309020205020404" pitchFamily="49" charset="0"/>
-                <a:cs typeface="Courier New" panose="02070309020205020404" pitchFamily="49" charset="0"/>
-              </a:rPr>
-              <a:t>swapped</a:t>
-            </a:r>
-            <a:r>
-              <a:rPr lang="en-US" sz="1600" b="1" dirty="0">
-                <a:latin typeface="Courier New" panose="02070309020205020404" pitchFamily="49" charset="0"/>
-                <a:cs typeface="Courier New" panose="02070309020205020404" pitchFamily="49" charset="0"/>
-              </a:rPr>
-              <a:t>;</a:t>
-            </a:r>
-          </a:p>
-          <a:p>
-            <a:pPr marL="0" indent="0">
-              <a:buNone/>
-            </a:pPr>
-            <a:r>
-              <a:rPr lang="en-US" sz="1600" b="1" dirty="0">
-                <a:latin typeface="Courier New" panose="02070309020205020404" pitchFamily="49" charset="0"/>
-                <a:cs typeface="Courier New" panose="02070309020205020404" pitchFamily="49" charset="0"/>
-              </a:rPr>
-              <a:t> for (last = size - 1; last &gt; 0; last-- ){</a:t>
-            </a:r>
-          </a:p>
-          <a:p>
-            <a:pPr marL="0" indent="0">
-              <a:buNone/>
-            </a:pPr>
-            <a:r>
-              <a:rPr lang="en-US" sz="1600" b="1" dirty="0">
-                <a:latin typeface="Courier New" panose="02070309020205020404" pitchFamily="49" charset="0"/>
-                <a:cs typeface="Courier New" panose="02070309020205020404" pitchFamily="49" charset="0"/>
-              </a:rPr>
-              <a:t>        </a:t>
-            </a:r>
-            <a:r>
-              <a:rPr lang="en-US" sz="1600" b="1" dirty="0">
-                <a:solidFill>
-                  <a:srgbClr val="FF0000"/>
-                </a:solidFill>
-                <a:latin typeface="Courier New" panose="02070309020205020404" pitchFamily="49" charset="0"/>
-                <a:cs typeface="Courier New" panose="02070309020205020404" pitchFamily="49" charset="0"/>
-              </a:rPr>
-              <a:t>swapped = false</a:t>
-            </a:r>
-            <a:r>
-              <a:rPr lang="en-US" sz="1600" b="1" dirty="0">
-                <a:latin typeface="Courier New" panose="02070309020205020404" pitchFamily="49" charset="0"/>
-                <a:cs typeface="Courier New" panose="02070309020205020404" pitchFamily="49" charset="0"/>
-              </a:rPr>
-              <a:t>;</a:t>
-            </a:r>
-          </a:p>
-          <a:p>
-            <a:pPr marL="0" indent="0">
-              <a:buNone/>
-            </a:pPr>
-            <a:r>
-              <a:rPr lang="en-US" sz="1600" b="1" dirty="0">
-                <a:latin typeface="Courier New" panose="02070309020205020404" pitchFamily="49" charset="0"/>
-                <a:cs typeface="Courier New" panose="02070309020205020404" pitchFamily="49" charset="0"/>
-              </a:rPr>
-              <a:t>        for (</a:t>
-            </a:r>
-            <a:r>
-              <a:rPr lang="en-US" sz="1600" b="1" dirty="0" err="1">
-                <a:latin typeface="Courier New" panose="02070309020205020404" pitchFamily="49" charset="0"/>
-                <a:cs typeface="Courier New" panose="02070309020205020404" pitchFamily="49" charset="0"/>
-              </a:rPr>
-              <a:t>i</a:t>
-            </a:r>
-            <a:r>
-              <a:rPr lang="en-US" sz="1600" b="1" dirty="0">
-                <a:latin typeface="Courier New" panose="02070309020205020404" pitchFamily="49" charset="0"/>
-                <a:cs typeface="Courier New" panose="02070309020205020404" pitchFamily="49" charset="0"/>
-              </a:rPr>
-              <a:t>=0; </a:t>
-            </a:r>
-            <a:r>
-              <a:rPr lang="en-US" sz="1600" b="1" dirty="0" err="1">
-                <a:latin typeface="Courier New" panose="02070309020205020404" pitchFamily="49" charset="0"/>
-                <a:cs typeface="Courier New" panose="02070309020205020404" pitchFamily="49" charset="0"/>
-              </a:rPr>
-              <a:t>i</a:t>
-            </a:r>
-            <a:r>
-              <a:rPr lang="en-US" sz="1600" b="1" dirty="0">
-                <a:latin typeface="Courier New" panose="02070309020205020404" pitchFamily="49" charset="0"/>
-                <a:cs typeface="Courier New" panose="02070309020205020404" pitchFamily="49" charset="0"/>
-              </a:rPr>
-              <a:t>&lt;last; </a:t>
-            </a:r>
-            <a:r>
-              <a:rPr lang="en-US" sz="1600" b="1" dirty="0" err="1">
-                <a:latin typeface="Courier New" panose="02070309020205020404" pitchFamily="49" charset="0"/>
-                <a:cs typeface="Courier New" panose="02070309020205020404" pitchFamily="49" charset="0"/>
-              </a:rPr>
-              <a:t>i</a:t>
-            </a:r>
-            <a:r>
-              <a:rPr lang="en-US" sz="1600" b="1" dirty="0">
-                <a:latin typeface="Courier New" panose="02070309020205020404" pitchFamily="49" charset="0"/>
-                <a:cs typeface="Courier New" panose="02070309020205020404" pitchFamily="49" charset="0"/>
-              </a:rPr>
-              <a:t>++){</a:t>
-            </a:r>
-          </a:p>
-          <a:p>
-            <a:pPr marL="0" indent="0">
-              <a:buNone/>
-            </a:pPr>
-            <a:r>
-              <a:rPr lang="en-US" sz="1600" b="1" dirty="0">
-                <a:latin typeface="Courier New" panose="02070309020205020404" pitchFamily="49" charset="0"/>
-                <a:cs typeface="Courier New" panose="02070309020205020404" pitchFamily="49" charset="0"/>
-              </a:rPr>
-              <a:t>            if (</a:t>
-            </a:r>
-            <a:r>
-              <a:rPr lang="en-US" sz="1600" b="1" dirty="0">
-                <a:solidFill>
-                  <a:srgbClr val="FF0000"/>
-                </a:solidFill>
-                <a:latin typeface="Courier New" panose="02070309020205020404" pitchFamily="49" charset="0"/>
-                <a:cs typeface="Courier New" panose="02070309020205020404" pitchFamily="49" charset="0"/>
-              </a:rPr>
-              <a:t>array[</a:t>
-            </a:r>
-            <a:r>
-              <a:rPr lang="en-US" sz="1600" b="1" dirty="0" err="1">
-                <a:solidFill>
-                  <a:srgbClr val="FF0000"/>
-                </a:solidFill>
-                <a:latin typeface="Courier New" panose="02070309020205020404" pitchFamily="49" charset="0"/>
-                <a:cs typeface="Courier New" panose="02070309020205020404" pitchFamily="49" charset="0"/>
-              </a:rPr>
-              <a:t>i</a:t>
-            </a:r>
-            <a:r>
-              <a:rPr lang="en-US" sz="1600" b="1" dirty="0">
-                <a:solidFill>
-                  <a:srgbClr val="FF0000"/>
-                </a:solidFill>
-                <a:latin typeface="Courier New" panose="02070309020205020404" pitchFamily="49" charset="0"/>
-                <a:cs typeface="Courier New" panose="02070309020205020404" pitchFamily="49" charset="0"/>
-              </a:rPr>
-              <a:t>]&gt;array[i+1]</a:t>
-            </a:r>
-            <a:r>
-              <a:rPr lang="en-US" sz="1600" b="1" dirty="0">
-                <a:latin typeface="Courier New" panose="02070309020205020404" pitchFamily="49" charset="0"/>
-                <a:cs typeface="Courier New" panose="02070309020205020404" pitchFamily="49" charset="0"/>
-              </a:rPr>
-              <a:t>) </a:t>
-            </a:r>
-          </a:p>
-          <a:p>
-            <a:pPr marL="0" indent="0">
-              <a:buNone/>
-            </a:pPr>
-            <a:r>
-              <a:rPr lang="en-US" sz="1600" b="1" dirty="0">
-                <a:latin typeface="Courier New" panose="02070309020205020404" pitchFamily="49" charset="0"/>
-                <a:cs typeface="Courier New" panose="02070309020205020404" pitchFamily="49" charset="0"/>
-              </a:rPr>
-              <a:t>              </a:t>
-            </a:r>
-            <a:r>
-              <a:rPr lang="en-US" sz="1600" b="1" dirty="0">
-                <a:solidFill>
-                  <a:srgbClr val="FF0000"/>
-                </a:solidFill>
-                <a:latin typeface="Courier New" panose="02070309020205020404" pitchFamily="49" charset="0"/>
-                <a:cs typeface="Courier New" panose="02070309020205020404" pitchFamily="49" charset="0"/>
-              </a:rPr>
-              <a:t>swap = true</a:t>
-            </a:r>
-            <a:r>
-              <a:rPr lang="en-US" sz="1600" b="1" dirty="0">
-                <a:latin typeface="Courier New" panose="02070309020205020404" pitchFamily="49" charset="0"/>
-                <a:cs typeface="Courier New" panose="02070309020205020404" pitchFamily="49" charset="0"/>
-              </a:rPr>
-              <a:t>;</a:t>
-            </a:r>
-          </a:p>
-          <a:p>
-            <a:pPr marL="0" indent="0">
-              <a:buNone/>
-            </a:pPr>
-            <a:r>
-              <a:rPr lang="en-US" sz="1600" b="1" dirty="0">
-                <a:latin typeface="Courier New" panose="02070309020205020404" pitchFamily="49" charset="0"/>
-                <a:cs typeface="Courier New" panose="02070309020205020404" pitchFamily="49" charset="0"/>
-              </a:rPr>
-              <a:t>              swap(array[</a:t>
-            </a:r>
-            <a:r>
-              <a:rPr lang="en-US" sz="1600" b="1" dirty="0" err="1">
-                <a:latin typeface="Courier New" panose="02070309020205020404" pitchFamily="49" charset="0"/>
-                <a:cs typeface="Courier New" panose="02070309020205020404" pitchFamily="49" charset="0"/>
-              </a:rPr>
-              <a:t>i</a:t>
-            </a:r>
-            <a:r>
-              <a:rPr lang="en-US" sz="1600" b="1" dirty="0">
-                <a:latin typeface="Courier New" panose="02070309020205020404" pitchFamily="49" charset="0"/>
-                <a:cs typeface="Courier New" panose="02070309020205020404" pitchFamily="49" charset="0"/>
-              </a:rPr>
-              <a:t>], array[i+1]);</a:t>
-            </a:r>
-          </a:p>
-          <a:p>
-            <a:pPr marL="0" indent="0">
-              <a:buNone/>
-            </a:pPr>
-            <a:r>
-              <a:rPr lang="en-US" sz="1600" b="1" dirty="0">
-                <a:latin typeface="Courier New" panose="02070309020205020404" pitchFamily="49" charset="0"/>
-                <a:cs typeface="Courier New" panose="02070309020205020404" pitchFamily="49" charset="0"/>
-              </a:rPr>
-              <a:t>        }</a:t>
-            </a:r>
-          </a:p>
-          <a:p>
-            <a:pPr marL="0" indent="0">
-              <a:buNone/>
-            </a:pPr>
-            <a:r>
-              <a:rPr lang="en-US" sz="1600" b="1" dirty="0">
-                <a:latin typeface="Courier New" panose="02070309020205020404" pitchFamily="49" charset="0"/>
-                <a:cs typeface="Courier New" panose="02070309020205020404" pitchFamily="49" charset="0"/>
-              </a:rPr>
-              <a:t>	if </a:t>
-            </a:r>
-            <a:r>
-              <a:rPr lang="en-US" sz="1600" b="1" dirty="0">
-                <a:solidFill>
-                  <a:srgbClr val="FF0000"/>
-                </a:solidFill>
-                <a:latin typeface="Courier New" panose="02070309020205020404" pitchFamily="49" charset="0"/>
-                <a:cs typeface="Courier New" panose="02070309020205020404" pitchFamily="49" charset="0"/>
-              </a:rPr>
-              <a:t>(!swapped</a:t>
-            </a:r>
-            <a:r>
-              <a:rPr lang="en-US" sz="1600" b="1" dirty="0">
-                <a:latin typeface="Courier New" panose="02070309020205020404" pitchFamily="49" charset="0"/>
-                <a:cs typeface="Courier New" panose="02070309020205020404" pitchFamily="49" charset="0"/>
-              </a:rPr>
-              <a:t>)</a:t>
-            </a:r>
-          </a:p>
-          <a:p>
-            <a:pPr marL="0" indent="0">
-              <a:buNone/>
-            </a:pPr>
-            <a:r>
-              <a:rPr lang="en-US" sz="1600" b="1" dirty="0">
-                <a:latin typeface="Courier New" panose="02070309020205020404" pitchFamily="49" charset="0"/>
-                <a:cs typeface="Courier New" panose="02070309020205020404" pitchFamily="49" charset="0"/>
-              </a:rPr>
-              <a:t>	   return;</a:t>
-            </a:r>
-          </a:p>
-          <a:p>
-            <a:pPr marL="0" indent="0">
-              <a:buNone/>
-            </a:pPr>
-            <a:r>
-              <a:rPr lang="en-US" sz="1600" b="1" dirty="0">
-                <a:latin typeface="Courier New" panose="02070309020205020404" pitchFamily="49" charset="0"/>
-                <a:cs typeface="Courier New" panose="02070309020205020404" pitchFamily="49" charset="0"/>
-              </a:rPr>
-              <a:t>    }</a:t>
-            </a:r>
-          </a:p>
-          <a:p>
-            <a:pPr marL="0" indent="0">
-              <a:buNone/>
-            </a:pPr>
-            <a:r>
-              <a:rPr lang="en-US" sz="1600" b="1" dirty="0">
-                <a:latin typeface="Courier New" panose="02070309020205020404" pitchFamily="49" charset="0"/>
-                <a:cs typeface="Courier New" panose="02070309020205020404" pitchFamily="49" charset="0"/>
-              </a:rPr>
-              <a:t>}</a:t>
-            </a:r>
-            <a:endParaRPr lang="it-IT" sz="1600" b="1" dirty="0">
-              <a:latin typeface="Courier New" panose="02070309020205020404" pitchFamily="49" charset="0"/>
-              <a:cs typeface="Courier New" panose="02070309020205020404" pitchFamily="49" charset="0"/>
-            </a:endParaRPr>
-          </a:p>
-          <a:p>
-            <a:pPr marL="0" indent="0">
-              <a:buNone/>
-            </a:pPr>
-            <a:endParaRPr lang="en-US" sz="2000" b="1" i="1" dirty="0">
-              <a:latin typeface="Courier New" panose="02070309020205020404" pitchFamily="49" charset="0"/>
-              <a:cs typeface="Courier New" panose="02070309020205020404" pitchFamily="49" charset="0"/>
-            </a:endParaRPr>
-          </a:p>
-          <a:p>
-            <a:pPr marL="0" indent="0">
-              <a:buNone/>
-            </a:pPr>
-            <a:endParaRPr lang="en-US" sz="2000" b="1" i="1" dirty="0"/>
-          </a:p>
-        </p:txBody>
-      </p:sp>
-      <p:sp>
-        <p:nvSpPr>
-          <p:cNvPr id="4" name="Segnaposto piè di pagina 3">
-            <a:extLst>
-              <a:ext uri="{FF2B5EF4-FFF2-40B4-BE49-F238E27FC236}">
-                <a16:creationId xmlns:a16="http://schemas.microsoft.com/office/drawing/2014/main" id="{A4E00B96-0D34-4559-939D-18660F15A027}"/>
-              </a:ext>
-            </a:extLst>
-          </p:cNvPr>
-          <p:cNvSpPr>
-            <a:spLocks noGrp="1"/>
-          </p:cNvSpPr>
-          <p:nvPr>
             <p:ph type="ftr" sz="quarter" idx="11"/>
           </p:nvPr>
         </p:nvSpPr>
@@ -7762,7 +11382,7 @@
     </p:spTree>
     <p:extLst>
       <p:ext uri="{BB962C8B-B14F-4D97-AF65-F5344CB8AC3E}">
-        <p14:creationId xmlns:p14="http://schemas.microsoft.com/office/powerpoint/2010/main" val="1282284899"/>
+        <p14:creationId xmlns:p14="http://schemas.microsoft.com/office/powerpoint/2010/main" val="558475803"/>
       </p:ext>
     </p:extLst>
   </p:cSld>
@@ -7772,7 +11392,7 @@
 </p:sld>
 </file>
 
-<file path=ppt/slides/slide15.xml><?xml version="1.0" encoding="utf-8"?>
+<file path=ppt/slides/slide30.xml><?xml version="1.0" encoding="utf-8"?>
 <p:sld xmlns:a="http://schemas.openxmlformats.org/drawingml/2006/main" xmlns:r="http://schemas.openxmlformats.org/officeDocument/2006/relationships" xmlns:p="http://schemas.openxmlformats.org/presentationml/2006/main">
   <p:cSld>
     <p:spTree>
@@ -7791,6 +11411,894 @@
       </p:grpSpPr>
       <p:sp>
         <p:nvSpPr>
+          <p:cNvPr id="2" name="Titolo 1">
+            <a:extLst>
+              <a:ext uri="{FF2B5EF4-FFF2-40B4-BE49-F238E27FC236}">
+                <a16:creationId xmlns:a16="http://schemas.microsoft.com/office/drawing/2014/main" id="{5AAA4176-B7EF-49EB-A159-8D05ED74A212}"/>
+              </a:ext>
+            </a:extLst>
+          </p:cNvPr>
+          <p:cNvSpPr>
+            <a:spLocks noGrp="1"/>
+          </p:cNvSpPr>
+          <p:nvPr>
+            <p:ph type="title"/>
+          </p:nvPr>
+        </p:nvSpPr>
+        <p:spPr/>
+        <p:txBody>
+          <a:bodyPr/>
+          <a:lstStyle/>
+          <a:p>
+            <a:r>
+              <a:rPr lang="it-IT" sz="2800" dirty="0" err="1"/>
+              <a:t>bubble</a:t>
+            </a:r>
+            <a:r>
+              <a:rPr lang="it-IT" sz="2800" dirty="0"/>
+              <a:t> </a:t>
+            </a:r>
+            <a:r>
+              <a:rPr lang="it-IT" sz="2800" dirty="0" err="1"/>
+              <a:t>sort</a:t>
+            </a:r>
+            <a:endParaRPr lang="it-IT" sz="2800" dirty="0"/>
+          </a:p>
+        </p:txBody>
+      </p:sp>
+      <p:sp>
+        <p:nvSpPr>
+          <p:cNvPr id="5" name="Segnaposto contenuto 4">
+            <a:extLst>
+              <a:ext uri="{FF2B5EF4-FFF2-40B4-BE49-F238E27FC236}">
+                <a16:creationId xmlns:a16="http://schemas.microsoft.com/office/drawing/2014/main" id="{BCAF70DA-D659-477D-84C0-DD6EAD1BE66E}"/>
+              </a:ext>
+            </a:extLst>
+          </p:cNvPr>
+          <p:cNvSpPr>
+            <a:spLocks noGrp="1"/>
+          </p:cNvSpPr>
+          <p:nvPr>
+            <p:ph sz="half" idx="1"/>
+          </p:nvPr>
+        </p:nvSpPr>
+        <p:spPr/>
+        <p:txBody>
+          <a:bodyPr/>
+          <a:lstStyle/>
+          <a:p>
+            <a:r>
+              <a:rPr lang="it-IT" sz="1800" dirty="0"/>
+              <a:t>versione semplificata</a:t>
+            </a:r>
+            <a:br>
+              <a:rPr lang="it-IT" sz="1600" b="1" i="1" dirty="0"/>
+            </a:br>
+            <a:endParaRPr lang="en-US" sz="1600" b="1" dirty="0">
+              <a:latin typeface="Courier New" panose="02070309020205020404" pitchFamily="49" charset="0"/>
+              <a:cs typeface="Courier New" panose="02070309020205020404" pitchFamily="49" charset="0"/>
+            </a:endParaRPr>
+          </a:p>
+          <a:p>
+            <a:pPr marL="0" indent="0">
+              <a:buNone/>
+            </a:pPr>
+            <a:r>
+              <a:rPr lang="en-US" sz="1600" b="1" dirty="0">
+                <a:latin typeface="Courier New" panose="02070309020205020404" pitchFamily="49" charset="0"/>
+                <a:cs typeface="Courier New" panose="02070309020205020404" pitchFamily="49" charset="0"/>
+              </a:rPr>
+              <a:t>void </a:t>
+            </a:r>
+            <a:r>
+              <a:rPr lang="en-US" sz="1600" b="1" dirty="0" err="1">
+                <a:solidFill>
+                  <a:srgbClr val="FF0000"/>
+                </a:solidFill>
+                <a:latin typeface="Courier New" panose="02070309020205020404" pitchFamily="49" charset="0"/>
+                <a:cs typeface="Courier New" panose="02070309020205020404" pitchFamily="49" charset="0"/>
+              </a:rPr>
+              <a:t>bubble_sort</a:t>
+            </a:r>
+            <a:r>
+              <a:rPr lang="en-US" sz="1600" b="1" dirty="0">
+                <a:latin typeface="Courier New" panose="02070309020205020404" pitchFamily="49" charset="0"/>
+                <a:cs typeface="Courier New" panose="02070309020205020404" pitchFamily="49" charset="0"/>
+              </a:rPr>
+              <a:t>(</a:t>
+            </a:r>
+            <a:r>
+              <a:rPr lang="en-US" sz="1600" b="1" dirty="0" err="1">
+                <a:latin typeface="Courier New" panose="02070309020205020404" pitchFamily="49" charset="0"/>
+                <a:cs typeface="Courier New" panose="02070309020205020404" pitchFamily="49" charset="0"/>
+              </a:rPr>
+              <a:t>int</a:t>
+            </a:r>
+            <a:r>
+              <a:rPr lang="en-US" sz="1600" b="1" dirty="0">
+                <a:latin typeface="Courier New" panose="02070309020205020404" pitchFamily="49" charset="0"/>
+                <a:cs typeface="Courier New" panose="02070309020205020404" pitchFamily="49" charset="0"/>
+              </a:rPr>
+              <a:t> array[], </a:t>
+            </a:r>
+            <a:r>
+              <a:rPr lang="en-US" sz="1600" b="1" dirty="0" err="1">
+                <a:latin typeface="Courier New" panose="02070309020205020404" pitchFamily="49" charset="0"/>
+                <a:cs typeface="Courier New" panose="02070309020205020404" pitchFamily="49" charset="0"/>
+              </a:rPr>
+              <a:t>int</a:t>
+            </a:r>
+            <a:r>
+              <a:rPr lang="en-US" sz="1600" b="1" dirty="0">
+                <a:latin typeface="Courier New" panose="02070309020205020404" pitchFamily="49" charset="0"/>
+                <a:cs typeface="Courier New" panose="02070309020205020404" pitchFamily="49" charset="0"/>
+              </a:rPr>
+              <a:t> size) {</a:t>
+            </a:r>
+          </a:p>
+          <a:p>
+            <a:pPr marL="0" indent="0">
+              <a:buNone/>
+            </a:pPr>
+            <a:r>
+              <a:rPr lang="en-US" sz="1600" b="1" dirty="0">
+                <a:latin typeface="Courier New" panose="02070309020205020404" pitchFamily="49" charset="0"/>
+                <a:cs typeface="Courier New" panose="02070309020205020404" pitchFamily="49" charset="0"/>
+              </a:rPr>
+              <a:t> </a:t>
+            </a:r>
+            <a:r>
+              <a:rPr lang="en-US" sz="1600" b="1" dirty="0" err="1">
+                <a:latin typeface="Courier New" panose="02070309020205020404" pitchFamily="49" charset="0"/>
+                <a:cs typeface="Courier New" panose="02070309020205020404" pitchFamily="49" charset="0"/>
+              </a:rPr>
+              <a:t>int</a:t>
+            </a:r>
+            <a:r>
+              <a:rPr lang="en-US" sz="1600" b="1" dirty="0">
+                <a:latin typeface="Courier New" panose="02070309020205020404" pitchFamily="49" charset="0"/>
+                <a:cs typeface="Courier New" panose="02070309020205020404" pitchFamily="49" charset="0"/>
+              </a:rPr>
+              <a:t> </a:t>
+            </a:r>
+            <a:r>
+              <a:rPr lang="en-US" sz="1600" b="1" dirty="0" err="1">
+                <a:latin typeface="Courier New" panose="02070309020205020404" pitchFamily="49" charset="0"/>
+                <a:cs typeface="Courier New" panose="02070309020205020404" pitchFamily="49" charset="0"/>
+              </a:rPr>
+              <a:t>i,last</a:t>
+            </a:r>
+            <a:r>
+              <a:rPr lang="en-US" sz="1600" b="1" dirty="0">
+                <a:latin typeface="Courier New" panose="02070309020205020404" pitchFamily="49" charset="0"/>
+                <a:cs typeface="Courier New" panose="02070309020205020404" pitchFamily="49" charset="0"/>
+              </a:rPr>
+              <a:t>;</a:t>
+            </a:r>
+          </a:p>
+          <a:p>
+            <a:pPr marL="0" indent="0">
+              <a:buNone/>
+            </a:pPr>
+            <a:r>
+              <a:rPr lang="en-US" sz="1600" b="1" dirty="0">
+                <a:latin typeface="Courier New" panose="02070309020205020404" pitchFamily="49" charset="0"/>
+                <a:cs typeface="Courier New" panose="02070309020205020404" pitchFamily="49" charset="0"/>
+              </a:rPr>
+              <a:t> for (last = size - 1; last &gt; 0; last-- ){</a:t>
+            </a:r>
+          </a:p>
+          <a:p>
+            <a:pPr marL="0" indent="0">
+              <a:buNone/>
+            </a:pPr>
+            <a:r>
+              <a:rPr lang="en-US" sz="1600" b="1" dirty="0">
+                <a:latin typeface="Courier New" panose="02070309020205020404" pitchFamily="49" charset="0"/>
+                <a:cs typeface="Courier New" panose="02070309020205020404" pitchFamily="49" charset="0"/>
+              </a:rPr>
+              <a:t>        for (</a:t>
+            </a:r>
+            <a:r>
+              <a:rPr lang="en-US" sz="1600" b="1" dirty="0" err="1">
+                <a:latin typeface="Courier New" panose="02070309020205020404" pitchFamily="49" charset="0"/>
+                <a:cs typeface="Courier New" panose="02070309020205020404" pitchFamily="49" charset="0"/>
+              </a:rPr>
+              <a:t>i</a:t>
+            </a:r>
+            <a:r>
+              <a:rPr lang="en-US" sz="1600" b="1" dirty="0">
+                <a:latin typeface="Courier New" panose="02070309020205020404" pitchFamily="49" charset="0"/>
+                <a:cs typeface="Courier New" panose="02070309020205020404" pitchFamily="49" charset="0"/>
+              </a:rPr>
+              <a:t>=0; </a:t>
+            </a:r>
+            <a:r>
+              <a:rPr lang="en-US" sz="1600" b="1" dirty="0" err="1">
+                <a:latin typeface="Courier New" panose="02070309020205020404" pitchFamily="49" charset="0"/>
+                <a:cs typeface="Courier New" panose="02070309020205020404" pitchFamily="49" charset="0"/>
+              </a:rPr>
+              <a:t>i</a:t>
+            </a:r>
+            <a:r>
+              <a:rPr lang="en-US" sz="1600" b="1" dirty="0">
+                <a:latin typeface="Courier New" panose="02070309020205020404" pitchFamily="49" charset="0"/>
+                <a:cs typeface="Courier New" panose="02070309020205020404" pitchFamily="49" charset="0"/>
+              </a:rPr>
+              <a:t>&lt;last; </a:t>
+            </a:r>
+            <a:r>
+              <a:rPr lang="en-US" sz="1600" b="1" dirty="0" err="1">
+                <a:latin typeface="Courier New" panose="02070309020205020404" pitchFamily="49" charset="0"/>
+                <a:cs typeface="Courier New" panose="02070309020205020404" pitchFamily="49" charset="0"/>
+              </a:rPr>
+              <a:t>i</a:t>
+            </a:r>
+            <a:r>
+              <a:rPr lang="en-US" sz="1600" b="1" dirty="0">
+                <a:latin typeface="Courier New" panose="02070309020205020404" pitchFamily="49" charset="0"/>
+                <a:cs typeface="Courier New" panose="02070309020205020404" pitchFamily="49" charset="0"/>
+              </a:rPr>
+              <a:t>++){</a:t>
+            </a:r>
+          </a:p>
+          <a:p>
+            <a:pPr marL="0" indent="0">
+              <a:buNone/>
+            </a:pPr>
+            <a:r>
+              <a:rPr lang="en-US" sz="1600" b="1" dirty="0">
+                <a:latin typeface="Courier New" panose="02070309020205020404" pitchFamily="49" charset="0"/>
+                <a:cs typeface="Courier New" panose="02070309020205020404" pitchFamily="49" charset="0"/>
+              </a:rPr>
+              <a:t>            if (</a:t>
+            </a:r>
+            <a:r>
+              <a:rPr lang="en-US" sz="1600" b="1" dirty="0">
+                <a:solidFill>
+                  <a:srgbClr val="FF0000"/>
+                </a:solidFill>
+                <a:latin typeface="Courier New" panose="02070309020205020404" pitchFamily="49" charset="0"/>
+                <a:cs typeface="Courier New" panose="02070309020205020404" pitchFamily="49" charset="0"/>
+              </a:rPr>
+              <a:t>array[</a:t>
+            </a:r>
+            <a:r>
+              <a:rPr lang="en-US" sz="1600" b="1" dirty="0" err="1">
+                <a:solidFill>
+                  <a:srgbClr val="FF0000"/>
+                </a:solidFill>
+                <a:latin typeface="Courier New" panose="02070309020205020404" pitchFamily="49" charset="0"/>
+                <a:cs typeface="Courier New" panose="02070309020205020404" pitchFamily="49" charset="0"/>
+              </a:rPr>
+              <a:t>i</a:t>
+            </a:r>
+            <a:r>
+              <a:rPr lang="en-US" sz="1600" b="1" dirty="0">
+                <a:solidFill>
+                  <a:srgbClr val="FF0000"/>
+                </a:solidFill>
+                <a:latin typeface="Courier New" panose="02070309020205020404" pitchFamily="49" charset="0"/>
+                <a:cs typeface="Courier New" panose="02070309020205020404" pitchFamily="49" charset="0"/>
+              </a:rPr>
+              <a:t>]&gt;array[i+1]</a:t>
+            </a:r>
+            <a:r>
+              <a:rPr lang="en-US" sz="1600" b="1" dirty="0">
+                <a:latin typeface="Courier New" panose="02070309020205020404" pitchFamily="49" charset="0"/>
+                <a:cs typeface="Courier New" panose="02070309020205020404" pitchFamily="49" charset="0"/>
+              </a:rPr>
+              <a:t>)</a:t>
+            </a:r>
+          </a:p>
+          <a:p>
+            <a:pPr marL="0" indent="0">
+              <a:buNone/>
+            </a:pPr>
+            <a:r>
+              <a:rPr lang="en-US" sz="1600" b="1" dirty="0">
+                <a:latin typeface="Courier New" panose="02070309020205020404" pitchFamily="49" charset="0"/>
+                <a:cs typeface="Courier New" panose="02070309020205020404" pitchFamily="49" charset="0"/>
+              </a:rPr>
+              <a:t>              swap(array[</a:t>
+            </a:r>
+            <a:r>
+              <a:rPr lang="en-US" sz="1600" b="1" dirty="0" err="1">
+                <a:latin typeface="Courier New" panose="02070309020205020404" pitchFamily="49" charset="0"/>
+                <a:cs typeface="Courier New" panose="02070309020205020404" pitchFamily="49" charset="0"/>
+              </a:rPr>
+              <a:t>i</a:t>
+            </a:r>
+            <a:r>
+              <a:rPr lang="en-US" sz="1600" b="1" dirty="0">
+                <a:latin typeface="Courier New" panose="02070309020205020404" pitchFamily="49" charset="0"/>
+                <a:cs typeface="Courier New" panose="02070309020205020404" pitchFamily="49" charset="0"/>
+              </a:rPr>
+              <a:t>], array[i+1]);</a:t>
+            </a:r>
+          </a:p>
+          <a:p>
+            <a:pPr marL="0" indent="0">
+              <a:buNone/>
+            </a:pPr>
+            <a:r>
+              <a:rPr lang="en-US" sz="1600" b="1" dirty="0">
+                <a:latin typeface="Courier New" panose="02070309020205020404" pitchFamily="49" charset="0"/>
+                <a:cs typeface="Courier New" panose="02070309020205020404" pitchFamily="49" charset="0"/>
+              </a:rPr>
+              <a:t>        }</a:t>
+            </a:r>
+          </a:p>
+          <a:p>
+            <a:pPr marL="0" indent="0">
+              <a:buNone/>
+            </a:pPr>
+            <a:r>
+              <a:rPr lang="en-US" sz="1600" b="1" dirty="0">
+                <a:latin typeface="Courier New" panose="02070309020205020404" pitchFamily="49" charset="0"/>
+                <a:cs typeface="Courier New" panose="02070309020205020404" pitchFamily="49" charset="0"/>
+              </a:rPr>
+              <a:t>    }</a:t>
+            </a:r>
+          </a:p>
+          <a:p>
+            <a:pPr marL="0" indent="0">
+              <a:buNone/>
+            </a:pPr>
+            <a:r>
+              <a:rPr lang="en-US" sz="1600" b="1" dirty="0">
+                <a:latin typeface="Courier New" panose="02070309020205020404" pitchFamily="49" charset="0"/>
+                <a:cs typeface="Courier New" panose="02070309020205020404" pitchFamily="49" charset="0"/>
+              </a:rPr>
+              <a:t>}</a:t>
+            </a:r>
+            <a:endParaRPr lang="it-IT" sz="1600" b="1" dirty="0">
+              <a:latin typeface="Courier New" panose="02070309020205020404" pitchFamily="49" charset="0"/>
+              <a:cs typeface="Courier New" panose="02070309020205020404" pitchFamily="49" charset="0"/>
+            </a:endParaRPr>
+          </a:p>
+        </p:txBody>
+      </p:sp>
+      <p:sp>
+        <p:nvSpPr>
+          <p:cNvPr id="6" name="Segnaposto contenuto 5">
+            <a:extLst>
+              <a:ext uri="{FF2B5EF4-FFF2-40B4-BE49-F238E27FC236}">
+                <a16:creationId xmlns:a16="http://schemas.microsoft.com/office/drawing/2014/main" id="{7C897CB3-32B9-4733-8EC6-A4E9ECA3DA21}"/>
+              </a:ext>
+            </a:extLst>
+          </p:cNvPr>
+          <p:cNvSpPr>
+            <a:spLocks noGrp="1"/>
+          </p:cNvSpPr>
+          <p:nvPr>
+            <p:ph sz="half" idx="2"/>
+          </p:nvPr>
+        </p:nvSpPr>
+        <p:spPr/>
+        <p:txBody>
+          <a:bodyPr/>
+          <a:lstStyle/>
+          <a:p>
+            <a:r>
+              <a:rPr lang="it-IT" sz="1800" dirty="0"/>
+              <a:t>se </a:t>
+            </a:r>
+            <a:r>
+              <a:rPr lang="it-IT" sz="1800" b="1" i="1" dirty="0"/>
+              <a:t>non</a:t>
+            </a:r>
+            <a:r>
+              <a:rPr lang="it-IT" sz="1800" dirty="0"/>
+              <a:t> avvengono </a:t>
+            </a:r>
+            <a:r>
+              <a:rPr lang="it-IT" sz="1800" b="1" i="1" dirty="0"/>
+              <a:t>scambi</a:t>
+            </a:r>
+            <a:r>
+              <a:rPr lang="it-IT" sz="1800" dirty="0"/>
+              <a:t> </a:t>
+            </a:r>
+            <a:br>
+              <a:rPr lang="it-IT" sz="1800" dirty="0"/>
+            </a:br>
+            <a:r>
+              <a:rPr lang="it-IT" sz="1800" dirty="0"/>
+              <a:t>l’array risulta </a:t>
+            </a:r>
+            <a:r>
+              <a:rPr lang="it-IT" sz="1800" b="1" i="1" dirty="0"/>
+              <a:t>ordinato</a:t>
+            </a:r>
+          </a:p>
+          <a:p>
+            <a:pPr marL="0" indent="0">
+              <a:buNone/>
+            </a:pPr>
+            <a:r>
+              <a:rPr lang="en-US" sz="1600" b="1" dirty="0">
+                <a:latin typeface="Courier New" panose="02070309020205020404" pitchFamily="49" charset="0"/>
+                <a:cs typeface="Courier New" panose="02070309020205020404" pitchFamily="49" charset="0"/>
+              </a:rPr>
+              <a:t>void </a:t>
+            </a:r>
+            <a:r>
+              <a:rPr lang="en-US" sz="1600" b="1" dirty="0" err="1">
+                <a:solidFill>
+                  <a:srgbClr val="FF0000"/>
+                </a:solidFill>
+                <a:latin typeface="Courier New" panose="02070309020205020404" pitchFamily="49" charset="0"/>
+                <a:cs typeface="Courier New" panose="02070309020205020404" pitchFamily="49" charset="0"/>
+              </a:rPr>
+              <a:t>bubble_sort</a:t>
+            </a:r>
+            <a:r>
+              <a:rPr lang="en-US" sz="1600" b="1" dirty="0">
+                <a:latin typeface="Courier New" panose="02070309020205020404" pitchFamily="49" charset="0"/>
+                <a:cs typeface="Courier New" panose="02070309020205020404" pitchFamily="49" charset="0"/>
+              </a:rPr>
+              <a:t>(</a:t>
+            </a:r>
+            <a:r>
+              <a:rPr lang="en-US" sz="1600" b="1" dirty="0" err="1">
+                <a:latin typeface="Courier New" panose="02070309020205020404" pitchFamily="49" charset="0"/>
+                <a:cs typeface="Courier New" panose="02070309020205020404" pitchFamily="49" charset="0"/>
+              </a:rPr>
+              <a:t>int</a:t>
+            </a:r>
+            <a:r>
+              <a:rPr lang="en-US" sz="1600" b="1" dirty="0">
+                <a:latin typeface="Courier New" panose="02070309020205020404" pitchFamily="49" charset="0"/>
+                <a:cs typeface="Courier New" panose="02070309020205020404" pitchFamily="49" charset="0"/>
+              </a:rPr>
+              <a:t> array[], </a:t>
+            </a:r>
+            <a:r>
+              <a:rPr lang="en-US" sz="1600" b="1" dirty="0" err="1">
+                <a:latin typeface="Courier New" panose="02070309020205020404" pitchFamily="49" charset="0"/>
+                <a:cs typeface="Courier New" panose="02070309020205020404" pitchFamily="49" charset="0"/>
+              </a:rPr>
+              <a:t>int</a:t>
+            </a:r>
+            <a:r>
+              <a:rPr lang="en-US" sz="1600" b="1" dirty="0">
+                <a:latin typeface="Courier New" panose="02070309020205020404" pitchFamily="49" charset="0"/>
+                <a:cs typeface="Courier New" panose="02070309020205020404" pitchFamily="49" charset="0"/>
+              </a:rPr>
+              <a:t> size) {</a:t>
+            </a:r>
+          </a:p>
+          <a:p>
+            <a:pPr marL="0" indent="0">
+              <a:buNone/>
+            </a:pPr>
+            <a:r>
+              <a:rPr lang="en-US" sz="1600" b="1" dirty="0">
+                <a:latin typeface="Courier New" panose="02070309020205020404" pitchFamily="49" charset="0"/>
+                <a:cs typeface="Courier New" panose="02070309020205020404" pitchFamily="49" charset="0"/>
+              </a:rPr>
+              <a:t> </a:t>
+            </a:r>
+            <a:r>
+              <a:rPr lang="en-US" sz="1600" b="1" dirty="0" err="1">
+                <a:latin typeface="Courier New" panose="02070309020205020404" pitchFamily="49" charset="0"/>
+                <a:cs typeface="Courier New" panose="02070309020205020404" pitchFamily="49" charset="0"/>
+              </a:rPr>
+              <a:t>int</a:t>
+            </a:r>
+            <a:r>
+              <a:rPr lang="en-US" sz="1600" b="1" dirty="0">
+                <a:latin typeface="Courier New" panose="02070309020205020404" pitchFamily="49" charset="0"/>
+                <a:cs typeface="Courier New" panose="02070309020205020404" pitchFamily="49" charset="0"/>
+              </a:rPr>
+              <a:t> </a:t>
+            </a:r>
+            <a:r>
+              <a:rPr lang="en-US" sz="1600" b="1" dirty="0" err="1">
+                <a:latin typeface="Courier New" panose="02070309020205020404" pitchFamily="49" charset="0"/>
+                <a:cs typeface="Courier New" panose="02070309020205020404" pitchFamily="49" charset="0"/>
+              </a:rPr>
+              <a:t>i,last</a:t>
+            </a:r>
+            <a:r>
+              <a:rPr lang="en-US" sz="1600" b="1" dirty="0">
+                <a:latin typeface="Courier New" panose="02070309020205020404" pitchFamily="49" charset="0"/>
+                <a:cs typeface="Courier New" panose="02070309020205020404" pitchFamily="49" charset="0"/>
+              </a:rPr>
+              <a:t>;</a:t>
+            </a:r>
+          </a:p>
+          <a:p>
+            <a:pPr marL="0" indent="0">
+              <a:buNone/>
+            </a:pPr>
+            <a:r>
+              <a:rPr lang="en-US" sz="1600" b="1" dirty="0">
+                <a:latin typeface="Courier New" panose="02070309020205020404" pitchFamily="49" charset="0"/>
+                <a:cs typeface="Courier New" panose="02070309020205020404" pitchFamily="49" charset="0"/>
+              </a:rPr>
+              <a:t> bool </a:t>
+            </a:r>
+            <a:r>
+              <a:rPr lang="en-US" sz="1600" b="1" dirty="0">
+                <a:solidFill>
+                  <a:srgbClr val="FF0000"/>
+                </a:solidFill>
+                <a:latin typeface="Courier New" panose="02070309020205020404" pitchFamily="49" charset="0"/>
+                <a:cs typeface="Courier New" panose="02070309020205020404" pitchFamily="49" charset="0"/>
+              </a:rPr>
+              <a:t>swapped</a:t>
+            </a:r>
+            <a:r>
+              <a:rPr lang="en-US" sz="1600" b="1" dirty="0">
+                <a:latin typeface="Courier New" panose="02070309020205020404" pitchFamily="49" charset="0"/>
+                <a:cs typeface="Courier New" panose="02070309020205020404" pitchFamily="49" charset="0"/>
+              </a:rPr>
+              <a:t>;</a:t>
+            </a:r>
+          </a:p>
+          <a:p>
+            <a:pPr marL="0" indent="0">
+              <a:buNone/>
+            </a:pPr>
+            <a:r>
+              <a:rPr lang="en-US" sz="1600" b="1" dirty="0">
+                <a:latin typeface="Courier New" panose="02070309020205020404" pitchFamily="49" charset="0"/>
+                <a:cs typeface="Courier New" panose="02070309020205020404" pitchFamily="49" charset="0"/>
+              </a:rPr>
+              <a:t> for (last = size - 1; last &gt; 0; last-- ){</a:t>
+            </a:r>
+          </a:p>
+          <a:p>
+            <a:pPr marL="0" indent="0">
+              <a:buNone/>
+            </a:pPr>
+            <a:r>
+              <a:rPr lang="en-US" sz="1600" b="1" dirty="0">
+                <a:latin typeface="Courier New" panose="02070309020205020404" pitchFamily="49" charset="0"/>
+                <a:cs typeface="Courier New" panose="02070309020205020404" pitchFamily="49" charset="0"/>
+              </a:rPr>
+              <a:t>        </a:t>
+            </a:r>
+            <a:r>
+              <a:rPr lang="en-US" sz="1600" b="1" dirty="0">
+                <a:solidFill>
+                  <a:srgbClr val="FF0000"/>
+                </a:solidFill>
+                <a:latin typeface="Courier New" panose="02070309020205020404" pitchFamily="49" charset="0"/>
+                <a:cs typeface="Courier New" panose="02070309020205020404" pitchFamily="49" charset="0"/>
+              </a:rPr>
+              <a:t>swapped = false</a:t>
+            </a:r>
+            <a:r>
+              <a:rPr lang="en-US" sz="1600" b="1" dirty="0">
+                <a:latin typeface="Courier New" panose="02070309020205020404" pitchFamily="49" charset="0"/>
+                <a:cs typeface="Courier New" panose="02070309020205020404" pitchFamily="49" charset="0"/>
+              </a:rPr>
+              <a:t>;</a:t>
+            </a:r>
+          </a:p>
+          <a:p>
+            <a:pPr marL="0" indent="0">
+              <a:buNone/>
+            </a:pPr>
+            <a:r>
+              <a:rPr lang="en-US" sz="1600" b="1" dirty="0">
+                <a:latin typeface="Courier New" panose="02070309020205020404" pitchFamily="49" charset="0"/>
+                <a:cs typeface="Courier New" panose="02070309020205020404" pitchFamily="49" charset="0"/>
+              </a:rPr>
+              <a:t>        for (</a:t>
+            </a:r>
+            <a:r>
+              <a:rPr lang="en-US" sz="1600" b="1" dirty="0" err="1">
+                <a:latin typeface="Courier New" panose="02070309020205020404" pitchFamily="49" charset="0"/>
+                <a:cs typeface="Courier New" panose="02070309020205020404" pitchFamily="49" charset="0"/>
+              </a:rPr>
+              <a:t>i</a:t>
+            </a:r>
+            <a:r>
+              <a:rPr lang="en-US" sz="1600" b="1" dirty="0">
+                <a:latin typeface="Courier New" panose="02070309020205020404" pitchFamily="49" charset="0"/>
+                <a:cs typeface="Courier New" panose="02070309020205020404" pitchFamily="49" charset="0"/>
+              </a:rPr>
+              <a:t>=0; </a:t>
+            </a:r>
+            <a:r>
+              <a:rPr lang="en-US" sz="1600" b="1" dirty="0" err="1">
+                <a:latin typeface="Courier New" panose="02070309020205020404" pitchFamily="49" charset="0"/>
+                <a:cs typeface="Courier New" panose="02070309020205020404" pitchFamily="49" charset="0"/>
+              </a:rPr>
+              <a:t>i</a:t>
+            </a:r>
+            <a:r>
+              <a:rPr lang="en-US" sz="1600" b="1" dirty="0">
+                <a:latin typeface="Courier New" panose="02070309020205020404" pitchFamily="49" charset="0"/>
+                <a:cs typeface="Courier New" panose="02070309020205020404" pitchFamily="49" charset="0"/>
+              </a:rPr>
+              <a:t>&lt;last; </a:t>
+            </a:r>
+            <a:r>
+              <a:rPr lang="en-US" sz="1600" b="1" dirty="0" err="1">
+                <a:latin typeface="Courier New" panose="02070309020205020404" pitchFamily="49" charset="0"/>
+                <a:cs typeface="Courier New" panose="02070309020205020404" pitchFamily="49" charset="0"/>
+              </a:rPr>
+              <a:t>i</a:t>
+            </a:r>
+            <a:r>
+              <a:rPr lang="en-US" sz="1600" b="1" dirty="0">
+                <a:latin typeface="Courier New" panose="02070309020205020404" pitchFamily="49" charset="0"/>
+                <a:cs typeface="Courier New" panose="02070309020205020404" pitchFamily="49" charset="0"/>
+              </a:rPr>
+              <a:t>++){</a:t>
+            </a:r>
+          </a:p>
+          <a:p>
+            <a:pPr marL="0" indent="0">
+              <a:buNone/>
+            </a:pPr>
+            <a:r>
+              <a:rPr lang="en-US" sz="1600" b="1" dirty="0">
+                <a:latin typeface="Courier New" panose="02070309020205020404" pitchFamily="49" charset="0"/>
+                <a:cs typeface="Courier New" panose="02070309020205020404" pitchFamily="49" charset="0"/>
+              </a:rPr>
+              <a:t>            if (</a:t>
+            </a:r>
+            <a:r>
+              <a:rPr lang="en-US" sz="1600" b="1" dirty="0">
+                <a:solidFill>
+                  <a:srgbClr val="FF0000"/>
+                </a:solidFill>
+                <a:latin typeface="Courier New" panose="02070309020205020404" pitchFamily="49" charset="0"/>
+                <a:cs typeface="Courier New" panose="02070309020205020404" pitchFamily="49" charset="0"/>
+              </a:rPr>
+              <a:t>array[</a:t>
+            </a:r>
+            <a:r>
+              <a:rPr lang="en-US" sz="1600" b="1" dirty="0" err="1">
+                <a:solidFill>
+                  <a:srgbClr val="FF0000"/>
+                </a:solidFill>
+                <a:latin typeface="Courier New" panose="02070309020205020404" pitchFamily="49" charset="0"/>
+                <a:cs typeface="Courier New" panose="02070309020205020404" pitchFamily="49" charset="0"/>
+              </a:rPr>
+              <a:t>i</a:t>
+            </a:r>
+            <a:r>
+              <a:rPr lang="en-US" sz="1600" b="1" dirty="0">
+                <a:solidFill>
+                  <a:srgbClr val="FF0000"/>
+                </a:solidFill>
+                <a:latin typeface="Courier New" panose="02070309020205020404" pitchFamily="49" charset="0"/>
+                <a:cs typeface="Courier New" panose="02070309020205020404" pitchFamily="49" charset="0"/>
+              </a:rPr>
+              <a:t>]&gt;array[i+1]</a:t>
+            </a:r>
+            <a:r>
+              <a:rPr lang="en-US" sz="1600" b="1" dirty="0">
+                <a:latin typeface="Courier New" panose="02070309020205020404" pitchFamily="49" charset="0"/>
+                <a:cs typeface="Courier New" panose="02070309020205020404" pitchFamily="49" charset="0"/>
+              </a:rPr>
+              <a:t>) </a:t>
+            </a:r>
+          </a:p>
+          <a:p>
+            <a:pPr marL="0" indent="0">
+              <a:buNone/>
+            </a:pPr>
+            <a:r>
+              <a:rPr lang="en-US" sz="1600" b="1" dirty="0">
+                <a:latin typeface="Courier New" panose="02070309020205020404" pitchFamily="49" charset="0"/>
+                <a:cs typeface="Courier New" panose="02070309020205020404" pitchFamily="49" charset="0"/>
+              </a:rPr>
+              <a:t>              </a:t>
+            </a:r>
+            <a:r>
+              <a:rPr lang="en-US" sz="1600" b="1" dirty="0">
+                <a:solidFill>
+                  <a:srgbClr val="FF0000"/>
+                </a:solidFill>
+                <a:latin typeface="Courier New" panose="02070309020205020404" pitchFamily="49" charset="0"/>
+                <a:cs typeface="Courier New" panose="02070309020205020404" pitchFamily="49" charset="0"/>
+              </a:rPr>
+              <a:t>swap = true</a:t>
+            </a:r>
+            <a:r>
+              <a:rPr lang="en-US" sz="1600" b="1" dirty="0">
+                <a:latin typeface="Courier New" panose="02070309020205020404" pitchFamily="49" charset="0"/>
+                <a:cs typeface="Courier New" panose="02070309020205020404" pitchFamily="49" charset="0"/>
+              </a:rPr>
+              <a:t>;</a:t>
+            </a:r>
+          </a:p>
+          <a:p>
+            <a:pPr marL="0" indent="0">
+              <a:buNone/>
+            </a:pPr>
+            <a:r>
+              <a:rPr lang="en-US" sz="1600" b="1" dirty="0">
+                <a:latin typeface="Courier New" panose="02070309020205020404" pitchFamily="49" charset="0"/>
+                <a:cs typeface="Courier New" panose="02070309020205020404" pitchFamily="49" charset="0"/>
+              </a:rPr>
+              <a:t>              swap(array[</a:t>
+            </a:r>
+            <a:r>
+              <a:rPr lang="en-US" sz="1600" b="1" dirty="0" err="1">
+                <a:latin typeface="Courier New" panose="02070309020205020404" pitchFamily="49" charset="0"/>
+                <a:cs typeface="Courier New" panose="02070309020205020404" pitchFamily="49" charset="0"/>
+              </a:rPr>
+              <a:t>i</a:t>
+            </a:r>
+            <a:r>
+              <a:rPr lang="en-US" sz="1600" b="1" dirty="0">
+                <a:latin typeface="Courier New" panose="02070309020205020404" pitchFamily="49" charset="0"/>
+                <a:cs typeface="Courier New" panose="02070309020205020404" pitchFamily="49" charset="0"/>
+              </a:rPr>
+              <a:t>], array[i+1]);</a:t>
+            </a:r>
+          </a:p>
+          <a:p>
+            <a:pPr marL="0" indent="0">
+              <a:buNone/>
+            </a:pPr>
+            <a:r>
+              <a:rPr lang="en-US" sz="1600" b="1" dirty="0">
+                <a:latin typeface="Courier New" panose="02070309020205020404" pitchFamily="49" charset="0"/>
+                <a:cs typeface="Courier New" panose="02070309020205020404" pitchFamily="49" charset="0"/>
+              </a:rPr>
+              <a:t>        }</a:t>
+            </a:r>
+          </a:p>
+          <a:p>
+            <a:pPr marL="0" indent="0">
+              <a:buNone/>
+            </a:pPr>
+            <a:r>
+              <a:rPr lang="en-US" sz="1600" b="1" dirty="0">
+                <a:latin typeface="Courier New" panose="02070309020205020404" pitchFamily="49" charset="0"/>
+                <a:cs typeface="Courier New" panose="02070309020205020404" pitchFamily="49" charset="0"/>
+              </a:rPr>
+              <a:t>	if </a:t>
+            </a:r>
+            <a:r>
+              <a:rPr lang="en-US" sz="1600" b="1" dirty="0">
+                <a:solidFill>
+                  <a:srgbClr val="FF0000"/>
+                </a:solidFill>
+                <a:latin typeface="Courier New" panose="02070309020205020404" pitchFamily="49" charset="0"/>
+                <a:cs typeface="Courier New" panose="02070309020205020404" pitchFamily="49" charset="0"/>
+              </a:rPr>
+              <a:t>(!swapped</a:t>
+            </a:r>
+            <a:r>
+              <a:rPr lang="en-US" sz="1600" b="1" dirty="0">
+                <a:latin typeface="Courier New" panose="02070309020205020404" pitchFamily="49" charset="0"/>
+                <a:cs typeface="Courier New" panose="02070309020205020404" pitchFamily="49" charset="0"/>
+              </a:rPr>
+              <a:t>)</a:t>
+            </a:r>
+          </a:p>
+          <a:p>
+            <a:pPr marL="0" indent="0">
+              <a:buNone/>
+            </a:pPr>
+            <a:r>
+              <a:rPr lang="en-US" sz="1600" b="1" dirty="0">
+                <a:latin typeface="Courier New" panose="02070309020205020404" pitchFamily="49" charset="0"/>
+                <a:cs typeface="Courier New" panose="02070309020205020404" pitchFamily="49" charset="0"/>
+              </a:rPr>
+              <a:t>	   return;</a:t>
+            </a:r>
+          </a:p>
+          <a:p>
+            <a:pPr marL="0" indent="0">
+              <a:buNone/>
+            </a:pPr>
+            <a:r>
+              <a:rPr lang="en-US" sz="1600" b="1" dirty="0">
+                <a:latin typeface="Courier New" panose="02070309020205020404" pitchFamily="49" charset="0"/>
+                <a:cs typeface="Courier New" panose="02070309020205020404" pitchFamily="49" charset="0"/>
+              </a:rPr>
+              <a:t>    }</a:t>
+            </a:r>
+          </a:p>
+          <a:p>
+            <a:pPr marL="0" indent="0">
+              <a:buNone/>
+            </a:pPr>
+            <a:r>
+              <a:rPr lang="en-US" sz="1600" b="1" dirty="0">
+                <a:latin typeface="Courier New" panose="02070309020205020404" pitchFamily="49" charset="0"/>
+                <a:cs typeface="Courier New" panose="02070309020205020404" pitchFamily="49" charset="0"/>
+              </a:rPr>
+              <a:t>}</a:t>
+            </a:r>
+            <a:endParaRPr lang="it-IT" sz="1600" b="1" dirty="0">
+              <a:latin typeface="Courier New" panose="02070309020205020404" pitchFamily="49" charset="0"/>
+              <a:cs typeface="Courier New" panose="02070309020205020404" pitchFamily="49" charset="0"/>
+            </a:endParaRPr>
+          </a:p>
+          <a:p>
+            <a:pPr marL="0" indent="0">
+              <a:buNone/>
+            </a:pPr>
+            <a:endParaRPr lang="en-US" sz="2000" b="1" i="1" dirty="0">
+              <a:latin typeface="Courier New" panose="02070309020205020404" pitchFamily="49" charset="0"/>
+              <a:cs typeface="Courier New" panose="02070309020205020404" pitchFamily="49" charset="0"/>
+            </a:endParaRPr>
+          </a:p>
+          <a:p>
+            <a:pPr marL="0" indent="0">
+              <a:buNone/>
+            </a:pPr>
+            <a:endParaRPr lang="en-US" sz="2000" b="1" i="1" dirty="0"/>
+          </a:p>
+        </p:txBody>
+      </p:sp>
+      <p:sp>
+        <p:nvSpPr>
+          <p:cNvPr id="4" name="Segnaposto piè di pagina 3">
+            <a:extLst>
+              <a:ext uri="{FF2B5EF4-FFF2-40B4-BE49-F238E27FC236}">
+                <a16:creationId xmlns:a16="http://schemas.microsoft.com/office/drawing/2014/main" id="{A4E00B96-0D34-4559-939D-18660F15A027}"/>
+              </a:ext>
+            </a:extLst>
+          </p:cNvPr>
+          <p:cNvSpPr>
+            <a:spLocks noGrp="1"/>
+          </p:cNvSpPr>
+          <p:nvPr>
+            <p:ph type="ftr" sz="quarter" idx="11"/>
+          </p:nvPr>
+        </p:nvSpPr>
+        <p:spPr/>
+        <p:txBody>
+          <a:bodyPr/>
+          <a:lstStyle/>
+          <a:p>
+            <a:pPr>
+              <a:defRPr/>
+            </a:pPr>
+            <a:r>
+              <a:rPr lang="it-IT"/>
+              <a:t>Alberto Ferrari – Programmazione di applicazioni SW</a:t>
+            </a:r>
+            <a:endParaRPr lang="it-IT" dirty="0"/>
+          </a:p>
+        </p:txBody>
+      </p:sp>
+    </p:spTree>
+    <p:extLst>
+      <p:ext uri="{BB962C8B-B14F-4D97-AF65-F5344CB8AC3E}">
+        <p14:creationId xmlns:p14="http://schemas.microsoft.com/office/powerpoint/2010/main" val="1282284899"/>
+      </p:ext>
+    </p:extLst>
+  </p:cSld>
+  <p:clrMapOvr>
+    <a:masterClrMapping/>
+  </p:clrMapOvr>
+</p:sld>
+</file>
+
+<file path=ppt/slides/slide31.xml><?xml version="1.0" encoding="utf-8"?>
+<p:sld xmlns:a="http://schemas.openxmlformats.org/drawingml/2006/main" xmlns:r="http://schemas.openxmlformats.org/officeDocument/2006/relationships" xmlns:p="http://schemas.openxmlformats.org/presentationml/2006/main">
+  <p:cSld>
+    <p:spTree>
+      <p:nvGrpSpPr>
+        <p:cNvPr id="1" name=""/>
+        <p:cNvGrpSpPr/>
+        <p:nvPr/>
+      </p:nvGrpSpPr>
+      <p:grpSpPr>
+        <a:xfrm>
+          <a:off x="0" y="0"/>
+          <a:ext cx="0" cy="0"/>
+          <a:chOff x="0" y="0"/>
+          <a:chExt cx="0" cy="0"/>
+        </a:xfrm>
+      </p:grpSpPr>
+      <p:sp>
+        <p:nvSpPr>
           <p:cNvPr id="6" name="Titolo 5">
             <a:extLst>
               <a:ext uri="{FF2B5EF4-FFF2-40B4-BE49-F238E27FC236}">
@@ -7811,19 +12319,19 @@
           <a:lstStyle/>
           <a:p>
             <a:r>
-              <a:rPr lang="it-IT" dirty="0"/>
+              <a:rPr lang="it-IT" sz="2800" dirty="0"/>
               <a:t>merge </a:t>
             </a:r>
             <a:r>
-              <a:rPr lang="it-IT" dirty="0" err="1"/>
+              <a:rPr lang="it-IT" sz="2800" dirty="0" err="1"/>
               <a:t>sort</a:t>
             </a:r>
-            <a:endParaRPr lang="it-IT" dirty="0"/>
-          </a:p>
-        </p:txBody>
-      </p:sp>
-      <mc:AlternateContent xmlns:mc="http://schemas.openxmlformats.org/markup-compatibility/2006">
-        <mc:Choice xmlns:a14="http://schemas.microsoft.com/office/drawing/2010/main" Requires="a14">
+            <a:endParaRPr lang="it-IT" sz="2800" dirty="0"/>
+          </a:p>
+        </p:txBody>
+      </p:sp>
+      <mc:AlternateContent xmlns:mc="http://schemas.openxmlformats.org/markup-compatibility/2006" xmlns:a14="http://schemas.microsoft.com/office/drawing/2010/main">
+        <mc:Choice Requires="a14">
           <p:sp>
             <p:nvSpPr>
               <p:cNvPr id="7" name="Segnaposto contenuto 6">
@@ -7997,7 +12505,7 @@
             </p:txBody>
           </p:sp>
         </mc:Choice>
-        <mc:Fallback>
+        <mc:Fallback xmlns="">
           <p:sp>
             <p:nvSpPr>
               <p:cNvPr id="7" name="Segnaposto contenuto 6">
@@ -8082,7 +12590,7 @@
 </p:sld>
 </file>
 
-<file path=ppt/slides/slide16.xml><?xml version="1.0" encoding="utf-8"?>
+<file path=ppt/slides/slide32.xml><?xml version="1.0" encoding="utf-8"?>
 <p:sld xmlns:a="http://schemas.openxmlformats.org/drawingml/2006/main" xmlns:r="http://schemas.openxmlformats.org/officeDocument/2006/relationships" xmlns:p="http://schemas.openxmlformats.org/presentationml/2006/main">
   <p:cSld>
     <p:spTree>
@@ -8121,14 +12629,14 @@
           <a:lstStyle/>
           <a:p>
             <a:r>
-              <a:rPr lang="it-IT" dirty="0"/>
+              <a:rPr lang="it-IT" sz="2800" dirty="0"/>
               <a:t>merge </a:t>
             </a:r>
             <a:r>
-              <a:rPr lang="it-IT" dirty="0" err="1"/>
+              <a:rPr lang="it-IT" sz="2800" dirty="0" err="1"/>
               <a:t>sort</a:t>
             </a:r>
-            <a:endParaRPr lang="it-IT" dirty="0"/>
+            <a:endParaRPr lang="it-IT" sz="2800" dirty="0"/>
           </a:p>
         </p:txBody>
       </p:sp>
@@ -8394,7 +12902,7 @@
 </p:sld>
 </file>
 
-<file path=ppt/slides/slide17.xml><?xml version="1.0" encoding="utf-8"?>
+<file path=ppt/slides/slide33.xml><?xml version="1.0" encoding="utf-8"?>
 <p:sld xmlns:a="http://schemas.openxmlformats.org/drawingml/2006/main" xmlns:r="http://schemas.openxmlformats.org/officeDocument/2006/relationships" xmlns:p="http://schemas.openxmlformats.org/presentationml/2006/main">
   <p:cSld>
     <p:spTree>
@@ -8433,14 +12941,14 @@
           <a:lstStyle/>
           <a:p>
             <a:r>
-              <a:rPr lang="it-IT" dirty="0"/>
+              <a:rPr lang="it-IT" sz="2800" dirty="0"/>
               <a:t>merge </a:t>
             </a:r>
             <a:r>
-              <a:rPr lang="it-IT" dirty="0" err="1"/>
+              <a:rPr lang="it-IT" sz="2800" dirty="0" err="1"/>
               <a:t>sort</a:t>
             </a:r>
-            <a:endParaRPr lang="it-IT" dirty="0"/>
+            <a:endParaRPr lang="it-IT" sz="2800" dirty="0"/>
           </a:p>
         </p:txBody>
       </p:sp>
@@ -8553,7 +13061,7 @@
 </p:sld>
 </file>
 
-<file path=ppt/slides/slide18.xml><?xml version="1.0" encoding="utf-8"?>
+<file path=ppt/slides/slide34.xml><?xml version="1.0" encoding="utf-8"?>
 <p:sld xmlns:a="http://schemas.openxmlformats.org/drawingml/2006/main" xmlns:r="http://schemas.openxmlformats.org/officeDocument/2006/relationships" xmlns:p="http://schemas.openxmlformats.org/presentationml/2006/main">
   <p:cSld>
     <p:spTree>
@@ -8592,14 +13100,14 @@
           <a:lstStyle/>
           <a:p>
             <a:r>
-              <a:rPr lang="it-IT" dirty="0"/>
+              <a:rPr lang="it-IT" sz="2800" dirty="0"/>
               <a:t>merge </a:t>
             </a:r>
             <a:r>
-              <a:rPr lang="it-IT" dirty="0" err="1"/>
+              <a:rPr lang="it-IT" sz="2800" dirty="0" err="1"/>
               <a:t>sort</a:t>
             </a:r>
-            <a:endParaRPr lang="it-IT" dirty="0"/>
+            <a:endParaRPr lang="it-IT" sz="2800" dirty="0"/>
           </a:p>
         </p:txBody>
       </p:sp>
@@ -9873,446 +14381,6 @@
     <p:extLst>
       <p:ext uri="{BB962C8B-B14F-4D97-AF65-F5344CB8AC3E}">
         <p14:creationId xmlns:p14="http://schemas.microsoft.com/office/powerpoint/2010/main" val="657955809"/>
-      </p:ext>
-    </p:extLst>
-  </p:cSld>
-  <p:clrMapOvr>
-    <a:masterClrMapping/>
-  </p:clrMapOvr>
-</p:sld>
-</file>
-
-<file path=ppt/slides/slide2.xml><?xml version="1.0" encoding="utf-8"?>
-<p:sld xmlns:a="http://schemas.openxmlformats.org/drawingml/2006/main" xmlns:r="http://schemas.openxmlformats.org/officeDocument/2006/relationships" xmlns:p="http://schemas.openxmlformats.org/presentationml/2006/main">
-  <p:cSld>
-    <p:spTree>
-      <p:nvGrpSpPr>
-        <p:cNvPr id="1" name=""/>
-        <p:cNvGrpSpPr/>
-        <p:nvPr/>
-      </p:nvGrpSpPr>
-      <p:grpSpPr>
-        <a:xfrm>
-          <a:off x="0" y="0"/>
-          <a:ext cx="0" cy="0"/>
-          <a:chOff x="0" y="0"/>
-          <a:chExt cx="0" cy="0"/>
-        </a:xfrm>
-      </p:grpSpPr>
-      <p:sp>
-        <p:nvSpPr>
-          <p:cNvPr id="2" name="Titolo 1">
-            <a:extLst>
-              <a:ext uri="{FF2B5EF4-FFF2-40B4-BE49-F238E27FC236}">
-                <a16:creationId xmlns:a16="http://schemas.microsoft.com/office/drawing/2014/main" id="{6CF123FB-C746-4C8C-BE97-BC685F7C1630}"/>
-              </a:ext>
-            </a:extLst>
-          </p:cNvPr>
-          <p:cNvSpPr>
-            <a:spLocks noGrp="1"/>
-          </p:cNvSpPr>
-          <p:nvPr>
-            <p:ph type="title"/>
-          </p:nvPr>
-        </p:nvSpPr>
-        <p:spPr/>
-        <p:txBody>
-          <a:bodyPr/>
-          <a:lstStyle/>
-          <a:p>
-            <a:r>
-              <a:rPr lang="it-IT" dirty="0"/>
-              <a:t>array</a:t>
-            </a:r>
-          </a:p>
-        </p:txBody>
-      </p:sp>
-      <p:sp>
-        <p:nvSpPr>
-          <p:cNvPr id="3" name="Segnaposto contenuto 2">
-            <a:extLst>
-              <a:ext uri="{FF2B5EF4-FFF2-40B4-BE49-F238E27FC236}">
-                <a16:creationId xmlns:a16="http://schemas.microsoft.com/office/drawing/2014/main" id="{EF9CB3DE-E8BF-4C68-B8D7-46BDC721B040}"/>
-              </a:ext>
-            </a:extLst>
-          </p:cNvPr>
-          <p:cNvSpPr>
-            <a:spLocks noGrp="1"/>
-          </p:cNvSpPr>
-          <p:nvPr>
-            <p:ph idx="1"/>
-          </p:nvPr>
-        </p:nvSpPr>
-        <p:spPr/>
-        <p:txBody>
-          <a:bodyPr/>
-          <a:lstStyle/>
-          <a:p>
-            <a:r>
-              <a:rPr lang="it-IT" dirty="0"/>
-              <a:t>struttura </a:t>
-            </a:r>
-            <a:r>
-              <a:rPr lang="it-IT" b="1" i="1" dirty="0"/>
-              <a:t>statica</a:t>
-            </a:r>
-            <a:r>
-              <a:rPr lang="it-IT" dirty="0"/>
-              <a:t> </a:t>
-            </a:r>
-            <a:r>
-              <a:rPr lang="it-IT" b="1" i="1" dirty="0"/>
-              <a:t>omogenea</a:t>
-            </a:r>
-          </a:p>
-          <a:p>
-            <a:pPr lvl="1"/>
-            <a:r>
-              <a:rPr lang="it-IT" dirty="0"/>
-              <a:t>non in tutti i linguaggi … </a:t>
-            </a:r>
-            <a:r>
-              <a:rPr lang="it-IT" i="1" dirty="0"/>
-              <a:t>array dinamici</a:t>
-            </a:r>
-          </a:p>
-          <a:p>
-            <a:r>
-              <a:rPr lang="it-IT" b="1" i="1" dirty="0"/>
-              <a:t>accesso diretto </a:t>
-            </a:r>
-            <a:r>
-              <a:rPr lang="it-IT" dirty="0"/>
-              <a:t>a ogni elemento attraverso l’</a:t>
-            </a:r>
-            <a:r>
-              <a:rPr lang="it-IT" b="1" i="1" dirty="0"/>
-              <a:t>indice</a:t>
-            </a:r>
-            <a:r>
-              <a:rPr lang="it-IT" dirty="0"/>
-              <a:t> </a:t>
-            </a:r>
-          </a:p>
-          <a:p>
-            <a:pPr lvl="1"/>
-            <a:r>
-              <a:rPr lang="it-IT" dirty="0"/>
-              <a:t>complessità dell’accesso </a:t>
-            </a:r>
-            <a:r>
-              <a:rPr lang="it-IT" b="1" i="1" dirty="0"/>
-              <a:t>O(1)</a:t>
-            </a:r>
-          </a:p>
-        </p:txBody>
-      </p:sp>
-      <p:sp>
-        <p:nvSpPr>
-          <p:cNvPr id="4" name="Segnaposto piè di pagina 3">
-            <a:extLst>
-              <a:ext uri="{FF2B5EF4-FFF2-40B4-BE49-F238E27FC236}">
-                <a16:creationId xmlns:a16="http://schemas.microsoft.com/office/drawing/2014/main" id="{BDA79489-8AFD-4660-9CB5-64D7033FFDE7}"/>
-              </a:ext>
-            </a:extLst>
-          </p:cNvPr>
-          <p:cNvSpPr>
-            <a:spLocks noGrp="1"/>
-          </p:cNvSpPr>
-          <p:nvPr>
-            <p:ph type="ftr" sz="quarter" idx="11"/>
-          </p:nvPr>
-        </p:nvSpPr>
-        <p:spPr/>
-        <p:txBody>
-          <a:bodyPr/>
-          <a:lstStyle/>
-          <a:p>
-            <a:pPr>
-              <a:defRPr/>
-            </a:pPr>
-            <a:r>
-              <a:rPr lang="it-IT"/>
-              <a:t>Alberto Ferrari – Programmazione di applicazioni SW</a:t>
-            </a:r>
-            <a:endParaRPr lang="it-IT" dirty="0"/>
-          </a:p>
-        </p:txBody>
-      </p:sp>
-      <p:pic>
-        <p:nvPicPr>
-          <p:cNvPr id="1026" name="Picture 2" descr="Definizione di Array e Matrici in informatica con implementazione in C - Array">
-            <a:extLst>
-              <a:ext uri="{FF2B5EF4-FFF2-40B4-BE49-F238E27FC236}">
-                <a16:creationId xmlns:a16="http://schemas.microsoft.com/office/drawing/2014/main" id="{BD94008E-CDB0-48D0-B436-EF10CC38647C}"/>
-              </a:ext>
-            </a:extLst>
-          </p:cNvPr>
-          <p:cNvPicPr>
-            <a:picLocks noChangeAspect="1" noChangeArrowheads="1"/>
-          </p:cNvPicPr>
-          <p:nvPr/>
-        </p:nvPicPr>
-        <p:blipFill>
-          <a:blip r:embed="rId2">
-            <a:extLst>
-              <a:ext uri="{28A0092B-C50C-407E-A947-70E740481C1C}">
-                <a14:useLocalDpi xmlns:a14="http://schemas.microsoft.com/office/drawing/2010/main" val="0"/>
-              </a:ext>
-            </a:extLst>
-          </a:blip>
-          <a:srcRect/>
-          <a:stretch>
-            <a:fillRect/>
-          </a:stretch>
-        </p:blipFill>
-        <p:spPr bwMode="auto">
-          <a:xfrm>
-            <a:off x="4511824" y="3574426"/>
-            <a:ext cx="3810000" cy="1381125"/>
-          </a:xfrm>
-          <a:prstGeom prst="rect">
-            <a:avLst/>
-          </a:prstGeom>
-          <a:noFill/>
-          <a:extLst>
-            <a:ext uri="{909E8E84-426E-40DD-AFC4-6F175D3DCCD1}">
-              <a14:hiddenFill xmlns:a14="http://schemas.microsoft.com/office/drawing/2010/main">
-                <a:solidFill>
-                  <a:srgbClr val="FFFFFF"/>
-                </a:solidFill>
-              </a14:hiddenFill>
-            </a:ext>
-          </a:extLst>
-        </p:spPr>
-      </p:pic>
-    </p:spTree>
-    <p:extLst>
-      <p:ext uri="{BB962C8B-B14F-4D97-AF65-F5344CB8AC3E}">
-        <p14:creationId xmlns:p14="http://schemas.microsoft.com/office/powerpoint/2010/main" val="1421176793"/>
-      </p:ext>
-    </p:extLst>
-  </p:cSld>
-  <p:clrMapOvr>
-    <a:masterClrMapping/>
-  </p:clrMapOvr>
-</p:sld>
-</file>
-
-<file path=ppt/slides/slide3.xml><?xml version="1.0" encoding="utf-8"?>
-<p:sld xmlns:a="http://schemas.openxmlformats.org/drawingml/2006/main" xmlns:r="http://schemas.openxmlformats.org/officeDocument/2006/relationships" xmlns:p="http://schemas.openxmlformats.org/presentationml/2006/main">
-  <p:cSld>
-    <p:spTree>
-      <p:nvGrpSpPr>
-        <p:cNvPr id="1" name=""/>
-        <p:cNvGrpSpPr/>
-        <p:nvPr/>
-      </p:nvGrpSpPr>
-      <p:grpSpPr>
-        <a:xfrm>
-          <a:off x="0" y="0"/>
-          <a:ext cx="0" cy="0"/>
-          <a:chOff x="0" y="0"/>
-          <a:chExt cx="0" cy="0"/>
-        </a:xfrm>
-      </p:grpSpPr>
-      <p:sp>
-        <p:nvSpPr>
-          <p:cNvPr id="2" name="Titolo 1">
-            <a:extLst>
-              <a:ext uri="{FF2B5EF4-FFF2-40B4-BE49-F238E27FC236}">
-                <a16:creationId xmlns:a16="http://schemas.microsoft.com/office/drawing/2014/main" id="{28C82CFE-9D8F-4F95-A670-522F731330B6}"/>
-              </a:ext>
-            </a:extLst>
-          </p:cNvPr>
-          <p:cNvSpPr>
-            <a:spLocks noGrp="1"/>
-          </p:cNvSpPr>
-          <p:nvPr>
-            <p:ph type="title"/>
-          </p:nvPr>
-        </p:nvSpPr>
-        <p:spPr/>
-        <p:txBody>
-          <a:bodyPr/>
-          <a:lstStyle/>
-          <a:p>
-            <a:r>
-              <a:rPr lang="it-IT" dirty="0"/>
-              <a:t>algoritmo di visita</a:t>
-            </a:r>
-          </a:p>
-        </p:txBody>
-      </p:sp>
-      <p:sp>
-        <p:nvSpPr>
-          <p:cNvPr id="3" name="Segnaposto contenuto 2">
-            <a:extLst>
-              <a:ext uri="{FF2B5EF4-FFF2-40B4-BE49-F238E27FC236}">
-                <a16:creationId xmlns:a16="http://schemas.microsoft.com/office/drawing/2014/main" id="{BCAFEC26-94E9-4492-89E7-28C970CD3106}"/>
-              </a:ext>
-            </a:extLst>
-          </p:cNvPr>
-          <p:cNvSpPr>
-            <a:spLocks noGrp="1"/>
-          </p:cNvSpPr>
-          <p:nvPr>
-            <p:ph idx="1"/>
-          </p:nvPr>
-        </p:nvSpPr>
-        <p:spPr/>
-        <p:txBody>
-          <a:bodyPr/>
-          <a:lstStyle/>
-          <a:p>
-            <a:r>
-              <a:rPr lang="it-IT" dirty="0"/>
-              <a:t>percorrere </a:t>
-            </a:r>
-            <a:r>
-              <a:rPr lang="it-IT" b="1" i="1" dirty="0"/>
-              <a:t>una e una sola volta </a:t>
-            </a:r>
-            <a:r>
-              <a:rPr lang="it-IT" dirty="0"/>
-              <a:t>tutti gli </a:t>
-            </a:r>
-            <a:r>
-              <a:rPr lang="it-IT" b="1" i="1" dirty="0"/>
-              <a:t>elementi</a:t>
-            </a:r>
-          </a:p>
-          <a:p>
-            <a:pPr marL="400050" lvl="1" indent="0">
-              <a:buNone/>
-            </a:pPr>
-            <a:endParaRPr lang="pt-BR" sz="1800" b="1" dirty="0">
-              <a:latin typeface="Courier New" panose="02070309020205020404" pitchFamily="49" charset="0"/>
-              <a:cs typeface="Courier New" panose="02070309020205020404" pitchFamily="49" charset="0"/>
-            </a:endParaRPr>
-          </a:p>
-          <a:p>
-            <a:pPr marL="400050" lvl="1" indent="0">
-              <a:buNone/>
-            </a:pPr>
-            <a:r>
-              <a:rPr lang="pt-BR" sz="1800" b="1" dirty="0">
-                <a:latin typeface="Courier New" panose="02070309020205020404" pitchFamily="49" charset="0"/>
-                <a:cs typeface="Courier New" panose="02070309020205020404" pitchFamily="49" charset="0"/>
-              </a:rPr>
-              <a:t>void visita_array(int a[], int n) {</a:t>
-            </a:r>
-          </a:p>
-          <a:p>
-            <a:pPr marL="400050" lvl="1" indent="0">
-              <a:buNone/>
-            </a:pPr>
-            <a:r>
-              <a:rPr lang="pt-BR" sz="1800" b="1" dirty="0">
-                <a:latin typeface="Courier New" panose="02070309020205020404" pitchFamily="49" charset="0"/>
-                <a:cs typeface="Courier New" panose="02070309020205020404" pitchFamily="49" charset="0"/>
-              </a:rPr>
-              <a:t>  for (int i = 0; i &lt; n; i++)</a:t>
-            </a:r>
-          </a:p>
-          <a:p>
-            <a:pPr marL="400050" lvl="1" indent="0">
-              <a:buNone/>
-            </a:pPr>
-            <a:r>
-              <a:rPr lang="pt-BR" sz="1800" b="1" dirty="0">
-                <a:latin typeface="Courier New" panose="02070309020205020404" pitchFamily="49" charset="0"/>
-                <a:cs typeface="Courier New" panose="02070309020205020404" pitchFamily="49" charset="0"/>
-              </a:rPr>
-              <a:t>      elabora(a[i]);</a:t>
-            </a:r>
-          </a:p>
-          <a:p>
-            <a:pPr marL="400050" lvl="1" indent="0">
-              <a:buNone/>
-            </a:pPr>
-            <a:r>
-              <a:rPr lang="pt-BR" sz="1800" b="1" dirty="0">
-                <a:latin typeface="Courier New" panose="02070309020205020404" pitchFamily="49" charset="0"/>
-                <a:cs typeface="Courier New" panose="02070309020205020404" pitchFamily="49" charset="0"/>
-              </a:rPr>
-              <a:t>}</a:t>
-            </a:r>
-          </a:p>
-          <a:p>
-            <a:r>
-              <a:rPr lang="it-IT" dirty="0"/>
-              <a:t>se </a:t>
-            </a:r>
-            <a:r>
-              <a:rPr lang="it-IT" i="1" dirty="0"/>
-              <a:t>elabora</a:t>
-            </a:r>
-            <a:r>
-              <a:rPr lang="it-IT" dirty="0"/>
-              <a:t> ha complessità </a:t>
-            </a:r>
-            <a:r>
-              <a:rPr lang="it-IT" b="1" i="1" dirty="0"/>
-              <a:t>x</a:t>
-            </a:r>
-            <a:r>
-              <a:rPr lang="it-IT" dirty="0"/>
-              <a:t> passi la complessità dell’algoritmo risulta: </a:t>
-            </a:r>
-            <a:r>
-              <a:rPr lang="it-IT" dirty="0">
-                <a:latin typeface="Courier New" panose="02070309020205020404" pitchFamily="49" charset="0"/>
-                <a:cs typeface="Courier New" panose="02070309020205020404" pitchFamily="49" charset="0"/>
-              </a:rPr>
-              <a:t>1+n(1+x+1)+1 = (x+2)n+2 = </a:t>
-            </a:r>
-            <a:r>
-              <a:rPr lang="it-IT" b="1" i="1" dirty="0">
-                <a:latin typeface="Courier New" panose="02070309020205020404" pitchFamily="49" charset="0"/>
-                <a:cs typeface="Courier New" panose="02070309020205020404" pitchFamily="49" charset="0"/>
-              </a:rPr>
-              <a:t>O(n) </a:t>
-            </a:r>
-          </a:p>
-        </p:txBody>
-      </p:sp>
-      <p:sp>
-        <p:nvSpPr>
-          <p:cNvPr id="4" name="Segnaposto piè di pagina 3">
-            <a:extLst>
-              <a:ext uri="{FF2B5EF4-FFF2-40B4-BE49-F238E27FC236}">
-                <a16:creationId xmlns:a16="http://schemas.microsoft.com/office/drawing/2014/main" id="{4C81CCF4-D3BE-43D7-BCA1-C1BFCC99FF8F}"/>
-              </a:ext>
-            </a:extLst>
-          </p:cNvPr>
-          <p:cNvSpPr>
-            <a:spLocks noGrp="1"/>
-          </p:cNvSpPr>
-          <p:nvPr>
-            <p:ph type="ftr" sz="quarter" idx="11"/>
-          </p:nvPr>
-        </p:nvSpPr>
-        <p:spPr/>
-        <p:txBody>
-          <a:bodyPr/>
-          <a:lstStyle/>
-          <a:p>
-            <a:pPr>
-              <a:defRPr/>
-            </a:pPr>
-            <a:r>
-              <a:rPr lang="it-IT"/>
-              <a:t>Alberto Ferrari – Programmazione di applicazioni SW</a:t>
-            </a:r>
-            <a:endParaRPr lang="it-IT" dirty="0"/>
-          </a:p>
-        </p:txBody>
-      </p:sp>
-    </p:spTree>
-    <p:extLst>
-      <p:ext uri="{BB962C8B-B14F-4D97-AF65-F5344CB8AC3E}">
-        <p14:creationId xmlns:p14="http://schemas.microsoft.com/office/powerpoint/2010/main" val="894830978"/>
       </p:ext>
     </p:extLst>
   </p:cSld>
@@ -10344,7 +14412,7 @@
           <p:cNvPr id="2" name="Titolo 1">
             <a:extLst>
               <a:ext uri="{FF2B5EF4-FFF2-40B4-BE49-F238E27FC236}">
-                <a16:creationId xmlns:a16="http://schemas.microsoft.com/office/drawing/2014/main" id="{112215FB-B4C1-4477-99E2-9E5BD430ED35}"/>
+                <a16:creationId xmlns:a16="http://schemas.microsoft.com/office/drawing/2014/main" id="{400BEA7B-A8E4-46F2-8459-84193E84F1BF}"/>
               </a:ext>
             </a:extLst>
           </p:cNvPr>
@@ -10361,8 +14429,15 @@
           <a:lstStyle/>
           <a:p>
             <a:r>
-              <a:rPr lang="it-IT" dirty="0"/>
-              <a:t>ricerca</a:t>
+              <a:rPr lang="it-IT" sz="2800" dirty="0"/>
+              <a:t>complessità di un algoritmo </a:t>
+            </a:r>
+            <a:br>
+              <a:rPr lang="it-IT" sz="2800" dirty="0"/>
+            </a:br>
+            <a:r>
+              <a:rPr lang="it-IT" sz="2800" dirty="0"/>
+              <a:t>rispetto all'uso di risorse</a:t>
             </a:r>
           </a:p>
         </p:txBody>
@@ -10372,7 +14447,7 @@
           <p:cNvPr id="3" name="Segnaposto contenuto 2">
             <a:extLst>
               <a:ext uri="{FF2B5EF4-FFF2-40B4-BE49-F238E27FC236}">
-                <a16:creationId xmlns:a16="http://schemas.microsoft.com/office/drawing/2014/main" id="{D977EB42-8420-4F12-9919-3D9CF8B25431}"/>
+                <a16:creationId xmlns:a16="http://schemas.microsoft.com/office/drawing/2014/main" id="{479C2A3E-B64E-48F5-BFB2-727BC240336A}"/>
               </a:ext>
             </a:extLst>
           </p:cNvPr>
@@ -10390,178 +14465,64 @@
           <a:p>
             <a:r>
               <a:rPr lang="it-IT" dirty="0"/>
-              <a:t>stabilire se un </a:t>
+              <a:t>l’algoritmo viene </a:t>
             </a:r>
             <a:r>
               <a:rPr lang="it-IT" b="1" i="1" dirty="0"/>
-              <a:t>valore</a:t>
+              <a:t>valutato</a:t>
             </a:r>
             <a:r>
               <a:rPr lang="it-IT" dirty="0"/>
-              <a:t> è </a:t>
-            </a:r>
+              <a:t> in base alle risorse utilizzate durante la sua esecuzione:</a:t>
+            </a:r>
+          </a:p>
+          <a:p>
+            <a:pPr lvl="1"/>
             <a:r>
               <a:rPr lang="it-IT" b="1" i="1" dirty="0"/>
-              <a:t>presente</a:t>
+              <a:t>tempo</a:t>
             </a:r>
             <a:r>
               <a:rPr lang="it-IT" dirty="0"/>
-              <a:t> all’interno dell’array restituendo l’</a:t>
-            </a:r>
+              <a:t> di calcolo</a:t>
+            </a:r>
+          </a:p>
+          <a:p>
+            <a:pPr lvl="1"/>
             <a:r>
               <a:rPr lang="it-IT" b="1" i="1" dirty="0"/>
-              <a:t>indice</a:t>
+              <a:t>spazio</a:t>
             </a:r>
             <a:r>
               <a:rPr lang="it-IT" dirty="0"/>
-              <a:t> dell’elemento o </a:t>
-            </a:r>
+              <a:t> di memoria (</a:t>
+            </a:r>
+            <a:r>
+              <a:rPr lang="it-IT" i="1" dirty="0"/>
+              <a:t>risorsa riusabile</a:t>
+            </a:r>
+            <a:r>
+              <a:rPr lang="it-IT" dirty="0"/>
+              <a:t>)</a:t>
+            </a:r>
+          </a:p>
+          <a:p>
+            <a:pPr lvl="1"/>
             <a:r>
               <a:rPr lang="it-IT" b="1" i="1" dirty="0"/>
-              <a:t>-1 </a:t>
+              <a:t>banda</a:t>
             </a:r>
             <a:r>
               <a:rPr lang="it-IT" dirty="0"/>
-              <a:t>se non presente</a:t>
-            </a:r>
-          </a:p>
-          <a:p>
+              <a:t> trasmissiva (</a:t>
+            </a:r>
+            <a:r>
+              <a:rPr lang="it-IT" i="1" dirty="0"/>
+              <a:t>risorsa riusabile</a:t>
+            </a:r>
             <a:r>
               <a:rPr lang="it-IT" dirty="0"/>
-              <a:t>ricerca </a:t>
-            </a:r>
-            <a:r>
-              <a:rPr lang="it-IT" b="1" i="1" dirty="0"/>
-              <a:t>sequenziale</a:t>
-            </a:r>
-            <a:r>
-              <a:rPr lang="it-IT" dirty="0"/>
-              <a:t> (</a:t>
-            </a:r>
-            <a:r>
-              <a:rPr lang="it-IT" i="1" dirty="0"/>
-              <a:t>lineare</a:t>
-            </a:r>
-            <a:r>
-              <a:rPr lang="it-IT" dirty="0"/>
-              <a:t>): algoritmo per trovare un elemento in un insieme </a:t>
-            </a:r>
-            <a:r>
-              <a:rPr lang="it-IT" b="1" i="1" dirty="0"/>
-              <a:t>non ordinato</a:t>
-            </a:r>
-          </a:p>
-          <a:p>
-            <a:pPr lvl="1"/>
-            <a:r>
-              <a:rPr lang="it-IT" dirty="0"/>
-              <a:t>si effettua la scansione dell'array </a:t>
-            </a:r>
-            <a:r>
-              <a:rPr lang="it-IT" b="1" i="1" dirty="0"/>
-              <a:t>sequenzialmente</a:t>
-            </a:r>
-          </a:p>
-          <a:p>
-            <a:r>
-              <a:rPr lang="it-IT" dirty="0"/>
-              <a:t>ricerca </a:t>
-            </a:r>
-            <a:r>
-              <a:rPr lang="it-IT" b="1" i="1" dirty="0"/>
-              <a:t>binaria</a:t>
-            </a:r>
-            <a:r>
-              <a:rPr lang="it-IT" dirty="0"/>
-              <a:t> (</a:t>
-            </a:r>
-            <a:r>
-              <a:rPr lang="it-IT" i="1" dirty="0"/>
-              <a:t>dicotomica</a:t>
-            </a:r>
-            <a:r>
-              <a:rPr lang="it-IT" dirty="0"/>
-              <a:t>): algoritmo per trovare un elemento in un insieme </a:t>
-            </a:r>
-            <a:r>
-              <a:rPr lang="it-IT" b="1" i="1" dirty="0"/>
-              <a:t>ordinato</a:t>
-            </a:r>
-          </a:p>
-          <a:p>
-            <a:pPr lvl="1"/>
-            <a:r>
-              <a:rPr lang="it-IT" dirty="0"/>
-              <a:t>si inizia la ricerca dall'</a:t>
-            </a:r>
-            <a:r>
-              <a:rPr lang="it-IT" b="1" i="1" dirty="0"/>
-              <a:t>elemento</a:t>
-            </a:r>
-            <a:r>
-              <a:rPr lang="it-IT" dirty="0"/>
-              <a:t> </a:t>
-            </a:r>
-            <a:r>
-              <a:rPr lang="it-IT" b="1" i="1" dirty="0"/>
-              <a:t>centrale</a:t>
-            </a:r>
-            <a:r>
-              <a:rPr lang="it-IT" dirty="0"/>
-              <a:t>, si confronta questo elemento con quello cercato:</a:t>
-            </a:r>
-          </a:p>
-          <a:p>
-            <a:pPr lvl="2"/>
-            <a:r>
-              <a:rPr lang="it-IT" dirty="0"/>
-              <a:t>se </a:t>
-            </a:r>
-            <a:r>
-              <a:rPr lang="it-IT" b="1" i="1" dirty="0"/>
-              <a:t>corrisponde</a:t>
-            </a:r>
-            <a:r>
-              <a:rPr lang="it-IT" dirty="0"/>
-              <a:t>, la ricerca termina con successo</a:t>
-            </a:r>
-          </a:p>
-          <a:p>
-            <a:pPr lvl="2"/>
-            <a:r>
-              <a:rPr lang="it-IT" dirty="0"/>
-              <a:t>se è </a:t>
-            </a:r>
-            <a:r>
-              <a:rPr lang="it-IT" b="1" i="1" dirty="0"/>
-              <a:t>superiore</a:t>
-            </a:r>
-            <a:r>
-              <a:rPr lang="it-IT" dirty="0"/>
-              <a:t>, la ricerca viene ripetuta sugli elementi </a:t>
-            </a:r>
-            <a:r>
-              <a:rPr lang="it-IT" b="1" i="1" dirty="0"/>
-              <a:t>precedenti</a:t>
-            </a:r>
-          </a:p>
-          <a:p>
-            <a:pPr lvl="2"/>
-            <a:r>
-              <a:rPr lang="it-IT" dirty="0"/>
-              <a:t>se è </a:t>
-            </a:r>
-            <a:r>
-              <a:rPr lang="it-IT" b="1" i="1" dirty="0"/>
-              <a:t>inferiore</a:t>
-            </a:r>
-            <a:r>
-              <a:rPr lang="it-IT" dirty="0"/>
-              <a:t>, la ricerca viene ripetuta sugli elementi </a:t>
-            </a:r>
-            <a:r>
-              <a:rPr lang="it-IT" b="1" i="1" dirty="0"/>
-              <a:t>successivi</a:t>
+              <a:t>)</a:t>
             </a:r>
           </a:p>
         </p:txBody>
@@ -10571,7 +14532,7 @@
           <p:cNvPr id="4" name="Segnaposto piè di pagina 3">
             <a:extLst>
               <a:ext uri="{FF2B5EF4-FFF2-40B4-BE49-F238E27FC236}">
-                <a16:creationId xmlns:a16="http://schemas.microsoft.com/office/drawing/2014/main" id="{4815F228-BC92-43B4-9D8B-891D9FFD4859}"/>
+                <a16:creationId xmlns:a16="http://schemas.microsoft.com/office/drawing/2014/main" id="{82835AFB-BF55-4FB3-9496-AD92F0E77631}"/>
               </a:ext>
             </a:extLst>
           </p:cNvPr>
@@ -10601,7 +14562,7 @@
     </p:spTree>
     <p:extLst>
       <p:ext uri="{BB962C8B-B14F-4D97-AF65-F5344CB8AC3E}">
-        <p14:creationId xmlns:p14="http://schemas.microsoft.com/office/powerpoint/2010/main" val="2811347832"/>
+        <p14:creationId xmlns:p14="http://schemas.microsoft.com/office/powerpoint/2010/main" val="1835499872"/>
       </p:ext>
     </p:extLst>
   </p:cSld>
@@ -10633,7 +14594,7 @@
           <p:cNvPr id="2" name="Titolo 1">
             <a:extLst>
               <a:ext uri="{FF2B5EF4-FFF2-40B4-BE49-F238E27FC236}">
-                <a16:creationId xmlns:a16="http://schemas.microsoft.com/office/drawing/2014/main" id="{5AAA4176-B7EF-49EB-A159-8D05ED74A212}"/>
+                <a16:creationId xmlns:a16="http://schemas.microsoft.com/office/drawing/2014/main" id="{57F2E797-883F-4141-9C22-55558AB7FF0A}"/>
               </a:ext>
             </a:extLst>
           </p:cNvPr>
@@ -10650,18 +14611,18 @@
           <a:lstStyle/>
           <a:p>
             <a:r>
-              <a:rPr lang="it-IT" dirty="0"/>
-              <a:t>ricerca sequenziale</a:t>
-            </a:r>
-          </a:p>
-        </p:txBody>
-      </p:sp>
-      <p:sp>
-        <p:nvSpPr>
-          <p:cNvPr id="5" name="Segnaposto contenuto 4">
+              <a:rPr lang="it-IT" sz="3200" dirty="0"/>
+              <a:t>domanda</a:t>
+            </a:r>
+          </a:p>
+        </p:txBody>
+      </p:sp>
+      <p:sp>
+        <p:nvSpPr>
+          <p:cNvPr id="3" name="Segnaposto contenuto 2">
             <a:extLst>
               <a:ext uri="{FF2B5EF4-FFF2-40B4-BE49-F238E27FC236}">
-                <a16:creationId xmlns:a16="http://schemas.microsoft.com/office/drawing/2014/main" id="{BCAF70DA-D659-477D-84C0-DD6EAD1BE66E}"/>
+                <a16:creationId xmlns:a16="http://schemas.microsoft.com/office/drawing/2014/main" id="{69D04889-3F23-4BFB-9C24-7CA35A023876}"/>
               </a:ext>
             </a:extLst>
           </p:cNvPr>
@@ -10669,7 +14630,7 @@
             <a:spLocks noGrp="1"/>
           </p:cNvSpPr>
           <p:nvPr>
-            <p:ph sz="half" idx="1"/>
+            <p:ph idx="1"/>
           </p:nvPr>
         </p:nvSpPr>
         <p:spPr/>
@@ -10677,322 +14638,31 @@
           <a:bodyPr/>
           <a:lstStyle/>
           <a:p>
-            <a:pPr marL="0" indent="0">
-              <a:buNone/>
-            </a:pPr>
-            <a:r>
-              <a:rPr lang="en-US" sz="2000" b="1" dirty="0" err="1">
-                <a:latin typeface="Courier New" panose="02070309020205020404" pitchFamily="49" charset="0"/>
-                <a:cs typeface="Courier New" panose="02070309020205020404" pitchFamily="49" charset="0"/>
-              </a:rPr>
-              <a:t>int</a:t>
-            </a:r>
-            <a:r>
-              <a:rPr lang="en-US" sz="2000" b="1" dirty="0">
-                <a:latin typeface="Courier New" panose="02070309020205020404" pitchFamily="49" charset="0"/>
-                <a:cs typeface="Courier New" panose="02070309020205020404" pitchFamily="49" charset="0"/>
-              </a:rPr>
+            <a:r>
+              <a:rPr lang="it-IT" b="1" i="1" dirty="0"/>
+              <a:t>esiste</a:t>
+            </a:r>
+            <a:r>
+              <a:rPr lang="it-IT" dirty="0"/>
               <a:t> </a:t>
             </a:r>
             <a:r>
-              <a:rPr lang="en-US" sz="2000" b="1" dirty="0" err="1">
-                <a:solidFill>
-                  <a:srgbClr val="FF0000"/>
-                </a:solidFill>
-                <a:latin typeface="Courier New" panose="02070309020205020404" pitchFamily="49" charset="0"/>
-                <a:cs typeface="Courier New" panose="02070309020205020404" pitchFamily="49" charset="0"/>
-              </a:rPr>
-              <a:t>linearSearch</a:t>
-            </a:r>
-            <a:r>
-              <a:rPr lang="en-US" sz="2000" b="1" dirty="0">
-                <a:latin typeface="Courier New" panose="02070309020205020404" pitchFamily="49" charset="0"/>
-                <a:cs typeface="Courier New" panose="02070309020205020404" pitchFamily="49" charset="0"/>
-              </a:rPr>
-              <a:t>(</a:t>
-            </a:r>
-            <a:r>
-              <a:rPr lang="en-US" sz="2000" b="1" dirty="0" err="1">
-                <a:latin typeface="Courier New" panose="02070309020205020404" pitchFamily="49" charset="0"/>
-                <a:cs typeface="Courier New" panose="02070309020205020404" pitchFamily="49" charset="0"/>
-              </a:rPr>
-              <a:t>int</a:t>
-            </a:r>
-            <a:r>
-              <a:rPr lang="en-US" sz="2000" b="1" dirty="0">
-                <a:latin typeface="Courier New" panose="02070309020205020404" pitchFamily="49" charset="0"/>
-                <a:cs typeface="Courier New" panose="02070309020205020404" pitchFamily="49" charset="0"/>
-              </a:rPr>
-              <a:t> </a:t>
-            </a:r>
-            <a:r>
-              <a:rPr lang="en-US" sz="2000" b="1" dirty="0">
-                <a:solidFill>
-                  <a:srgbClr val="FF0000"/>
-                </a:solidFill>
-                <a:latin typeface="Courier New" panose="02070309020205020404" pitchFamily="49" charset="0"/>
-                <a:cs typeface="Courier New" panose="02070309020205020404" pitchFamily="49" charset="0"/>
-              </a:rPr>
-              <a:t>array</a:t>
-            </a:r>
-            <a:r>
-              <a:rPr lang="en-US" sz="2000" b="1" dirty="0">
-                <a:latin typeface="Courier New" panose="02070309020205020404" pitchFamily="49" charset="0"/>
-                <a:cs typeface="Courier New" panose="02070309020205020404" pitchFamily="49" charset="0"/>
-              </a:rPr>
-              <a:t>[], </a:t>
-            </a:r>
-          </a:p>
-          <a:p>
-            <a:pPr marL="0" indent="0">
-              <a:buNone/>
-            </a:pPr>
-            <a:r>
-              <a:rPr lang="en-US" sz="2000" b="1" dirty="0">
-                <a:latin typeface="Courier New" panose="02070309020205020404" pitchFamily="49" charset="0"/>
-                <a:cs typeface="Courier New" panose="02070309020205020404" pitchFamily="49" charset="0"/>
-              </a:rPr>
-              <a:t>		</a:t>
-            </a:r>
-            <a:r>
-              <a:rPr lang="en-US" sz="2000" b="1" dirty="0" err="1">
-                <a:latin typeface="Courier New" panose="02070309020205020404" pitchFamily="49" charset="0"/>
-                <a:cs typeface="Courier New" panose="02070309020205020404" pitchFamily="49" charset="0"/>
-              </a:rPr>
-              <a:t>int</a:t>
-            </a:r>
-            <a:r>
-              <a:rPr lang="en-US" sz="2000" b="1" dirty="0">
-                <a:latin typeface="Courier New" panose="02070309020205020404" pitchFamily="49" charset="0"/>
-                <a:cs typeface="Courier New" panose="02070309020205020404" pitchFamily="49" charset="0"/>
-              </a:rPr>
-              <a:t> </a:t>
-            </a:r>
-            <a:r>
-              <a:rPr lang="en-US" sz="2000" b="1" dirty="0">
-                <a:solidFill>
-                  <a:srgbClr val="FF0000"/>
-                </a:solidFill>
-                <a:latin typeface="Courier New" panose="02070309020205020404" pitchFamily="49" charset="0"/>
-                <a:cs typeface="Courier New" panose="02070309020205020404" pitchFamily="49" charset="0"/>
-              </a:rPr>
-              <a:t>size</a:t>
-            </a:r>
-            <a:r>
-              <a:rPr lang="en-US" sz="2000" b="1" dirty="0">
-                <a:latin typeface="Courier New" panose="02070309020205020404" pitchFamily="49" charset="0"/>
-                <a:cs typeface="Courier New" panose="02070309020205020404" pitchFamily="49" charset="0"/>
-              </a:rPr>
-              <a:t>, </a:t>
-            </a:r>
-            <a:r>
-              <a:rPr lang="en-US" sz="2000" b="1" dirty="0" err="1">
-                <a:latin typeface="Courier New" panose="02070309020205020404" pitchFamily="49" charset="0"/>
-                <a:cs typeface="Courier New" panose="02070309020205020404" pitchFamily="49" charset="0"/>
-              </a:rPr>
-              <a:t>int</a:t>
-            </a:r>
-            <a:r>
-              <a:rPr lang="en-US" sz="2000" b="1" dirty="0">
-                <a:latin typeface="Courier New" panose="02070309020205020404" pitchFamily="49" charset="0"/>
-                <a:cs typeface="Courier New" panose="02070309020205020404" pitchFamily="49" charset="0"/>
-              </a:rPr>
-              <a:t> </a:t>
-            </a:r>
-            <a:r>
-              <a:rPr lang="en-US" sz="2000" b="1" dirty="0" err="1">
-                <a:solidFill>
-                  <a:srgbClr val="FF0000"/>
-                </a:solidFill>
-                <a:latin typeface="Courier New" panose="02070309020205020404" pitchFamily="49" charset="0"/>
-                <a:cs typeface="Courier New" panose="02070309020205020404" pitchFamily="49" charset="0"/>
-              </a:rPr>
-              <a:t>val</a:t>
-            </a:r>
-            <a:r>
-              <a:rPr lang="en-US" sz="2000" b="1" dirty="0">
-                <a:latin typeface="Courier New" panose="02070309020205020404" pitchFamily="49" charset="0"/>
-                <a:cs typeface="Courier New" panose="02070309020205020404" pitchFamily="49" charset="0"/>
-              </a:rPr>
-              <a:t>) {</a:t>
-            </a:r>
-          </a:p>
-          <a:p>
-            <a:pPr marL="0" indent="0">
-              <a:buNone/>
-            </a:pPr>
-            <a:r>
-              <a:rPr lang="en-US" sz="2000" b="1" dirty="0">
-                <a:latin typeface="Courier New" panose="02070309020205020404" pitchFamily="49" charset="0"/>
-                <a:cs typeface="Courier New" panose="02070309020205020404" pitchFamily="49" charset="0"/>
-              </a:rPr>
-              <a:t>  for (</a:t>
-            </a:r>
-            <a:r>
-              <a:rPr lang="en-US" sz="2000" b="1" dirty="0" err="1">
-                <a:latin typeface="Courier New" panose="02070309020205020404" pitchFamily="49" charset="0"/>
-                <a:cs typeface="Courier New" panose="02070309020205020404" pitchFamily="49" charset="0"/>
-              </a:rPr>
-              <a:t>int</a:t>
-            </a:r>
-            <a:r>
-              <a:rPr lang="en-US" sz="2000" b="1" dirty="0">
-                <a:latin typeface="Courier New" panose="02070309020205020404" pitchFamily="49" charset="0"/>
-                <a:cs typeface="Courier New" panose="02070309020205020404" pitchFamily="49" charset="0"/>
-              </a:rPr>
-              <a:t> </a:t>
-            </a:r>
-            <a:r>
-              <a:rPr lang="en-US" sz="2000" b="1" dirty="0" err="1">
-                <a:latin typeface="Courier New" panose="02070309020205020404" pitchFamily="49" charset="0"/>
-                <a:cs typeface="Courier New" panose="02070309020205020404" pitchFamily="49" charset="0"/>
-              </a:rPr>
-              <a:t>i</a:t>
-            </a:r>
-            <a:r>
-              <a:rPr lang="en-US" sz="2000" b="1" dirty="0">
-                <a:latin typeface="Courier New" panose="02070309020205020404" pitchFamily="49" charset="0"/>
-                <a:cs typeface="Courier New" panose="02070309020205020404" pitchFamily="49" charset="0"/>
-              </a:rPr>
-              <a:t>=0;i&lt;size;++</a:t>
-            </a:r>
-            <a:r>
-              <a:rPr lang="en-US" sz="2000" b="1" dirty="0" err="1">
-                <a:latin typeface="Courier New" panose="02070309020205020404" pitchFamily="49" charset="0"/>
-                <a:cs typeface="Courier New" panose="02070309020205020404" pitchFamily="49" charset="0"/>
-              </a:rPr>
-              <a:t>i</a:t>
-            </a:r>
-            <a:r>
-              <a:rPr lang="en-US" sz="2000" b="1" dirty="0">
-                <a:latin typeface="Courier New" panose="02070309020205020404" pitchFamily="49" charset="0"/>
-                <a:cs typeface="Courier New" panose="02070309020205020404" pitchFamily="49" charset="0"/>
-              </a:rPr>
-              <a:t>)</a:t>
-            </a:r>
-          </a:p>
-          <a:p>
-            <a:pPr marL="0" indent="0">
-              <a:buNone/>
-            </a:pPr>
-            <a:r>
-              <a:rPr lang="en-US" sz="2000" b="1" dirty="0">
-                <a:latin typeface="Courier New" panose="02070309020205020404" pitchFamily="49" charset="0"/>
-                <a:cs typeface="Courier New" panose="02070309020205020404" pitchFamily="49" charset="0"/>
-              </a:rPr>
-              <a:t>      if (array[</a:t>
-            </a:r>
-            <a:r>
-              <a:rPr lang="en-US" sz="2000" b="1" dirty="0" err="1">
-                <a:latin typeface="Courier New" panose="02070309020205020404" pitchFamily="49" charset="0"/>
-                <a:cs typeface="Courier New" panose="02070309020205020404" pitchFamily="49" charset="0"/>
-              </a:rPr>
-              <a:t>i</a:t>
-            </a:r>
-            <a:r>
-              <a:rPr lang="en-US" sz="2000" b="1" dirty="0">
-                <a:latin typeface="Courier New" panose="02070309020205020404" pitchFamily="49" charset="0"/>
-                <a:cs typeface="Courier New" panose="02070309020205020404" pitchFamily="49" charset="0"/>
-              </a:rPr>
-              <a:t>]==</a:t>
-            </a:r>
-            <a:r>
-              <a:rPr lang="en-US" sz="2000" b="1" dirty="0" err="1">
-                <a:latin typeface="Courier New" panose="02070309020205020404" pitchFamily="49" charset="0"/>
-                <a:cs typeface="Courier New" panose="02070309020205020404" pitchFamily="49" charset="0"/>
-              </a:rPr>
-              <a:t>val</a:t>
-            </a:r>
-            <a:r>
-              <a:rPr lang="en-US" sz="2000" b="1" dirty="0">
-                <a:latin typeface="Courier New" panose="02070309020205020404" pitchFamily="49" charset="0"/>
-                <a:cs typeface="Courier New" panose="02070309020205020404" pitchFamily="49" charset="0"/>
-              </a:rPr>
-              <a:t>)</a:t>
-            </a:r>
-          </a:p>
-          <a:p>
-            <a:pPr marL="0" indent="0">
-              <a:buNone/>
-            </a:pPr>
-            <a:r>
-              <a:rPr lang="en-US" sz="2000" b="1" dirty="0">
-                <a:latin typeface="Courier New" panose="02070309020205020404" pitchFamily="49" charset="0"/>
-                <a:cs typeface="Courier New" panose="02070309020205020404" pitchFamily="49" charset="0"/>
-              </a:rPr>
-              <a:t>          return </a:t>
-            </a:r>
-            <a:r>
-              <a:rPr lang="en-US" sz="2000" b="1" dirty="0" err="1">
-                <a:solidFill>
-                  <a:srgbClr val="FF0000"/>
-                </a:solidFill>
-                <a:latin typeface="Courier New" panose="02070309020205020404" pitchFamily="49" charset="0"/>
-                <a:cs typeface="Courier New" panose="02070309020205020404" pitchFamily="49" charset="0"/>
-              </a:rPr>
-              <a:t>i</a:t>
-            </a:r>
-            <a:r>
-              <a:rPr lang="en-US" sz="2000" b="1" dirty="0">
-                <a:latin typeface="Courier New" panose="02070309020205020404" pitchFamily="49" charset="0"/>
-                <a:cs typeface="Courier New" panose="02070309020205020404" pitchFamily="49" charset="0"/>
-              </a:rPr>
-              <a:t>;</a:t>
-            </a:r>
-          </a:p>
-          <a:p>
-            <a:pPr marL="0" indent="0">
-              <a:buNone/>
-            </a:pPr>
-            <a:r>
-              <a:rPr lang="en-US" sz="2000" b="1" dirty="0">
-                <a:latin typeface="Courier New" panose="02070309020205020404" pitchFamily="49" charset="0"/>
-                <a:cs typeface="Courier New" panose="02070309020205020404" pitchFamily="49" charset="0"/>
-              </a:rPr>
-              <a:t>  return </a:t>
-            </a:r>
-            <a:r>
-              <a:rPr lang="en-US" sz="2000" b="1" dirty="0">
-                <a:solidFill>
-                  <a:srgbClr val="FF0000"/>
-                </a:solidFill>
-                <a:latin typeface="Courier New" panose="02070309020205020404" pitchFamily="49" charset="0"/>
-                <a:cs typeface="Courier New" panose="02070309020205020404" pitchFamily="49" charset="0"/>
-              </a:rPr>
-              <a:t>-1</a:t>
-            </a:r>
-            <a:r>
-              <a:rPr lang="en-US" sz="2000" b="1" dirty="0">
-                <a:latin typeface="Courier New" panose="02070309020205020404" pitchFamily="49" charset="0"/>
-                <a:cs typeface="Courier New" panose="02070309020205020404" pitchFamily="49" charset="0"/>
-              </a:rPr>
-              <a:t>;</a:t>
-            </a:r>
-          </a:p>
-          <a:p>
-            <a:pPr marL="0" indent="0">
-              <a:buNone/>
-            </a:pPr>
-            <a:r>
-              <a:rPr lang="en-US" sz="2000" b="1" dirty="0">
-                <a:latin typeface="Courier New" panose="02070309020205020404" pitchFamily="49" charset="0"/>
-                <a:cs typeface="Courier New" panose="02070309020205020404" pitchFamily="49" charset="0"/>
-              </a:rPr>
-              <a:t>}</a:t>
-            </a:r>
-            <a:endParaRPr lang="it-IT" sz="2000" b="1" dirty="0">
-              <a:latin typeface="Courier New" panose="02070309020205020404" pitchFamily="49" charset="0"/>
-              <a:cs typeface="Courier New" panose="02070309020205020404" pitchFamily="49" charset="0"/>
-            </a:endParaRPr>
-          </a:p>
-        </p:txBody>
-      </p:sp>
-      <p:sp>
-        <p:nvSpPr>
-          <p:cNvPr id="6" name="Segnaposto contenuto 5">
+              <a:rPr lang="it-IT" b="1" i="1" dirty="0"/>
+              <a:t>sempre</a:t>
+            </a:r>
+            <a:r>
+              <a:rPr lang="it-IT" dirty="0"/>
+              <a:t> un algoritmo risolutivo per un problema?</a:t>
+            </a:r>
+          </a:p>
+        </p:txBody>
+      </p:sp>
+      <p:sp>
+        <p:nvSpPr>
+          <p:cNvPr id="4" name="Segnaposto piè di pagina 3">
             <a:extLst>
               <a:ext uri="{FF2B5EF4-FFF2-40B4-BE49-F238E27FC236}">
-                <a16:creationId xmlns:a16="http://schemas.microsoft.com/office/drawing/2014/main" id="{7C897CB3-32B9-4733-8EC6-A4E9ECA3DA21}"/>
+                <a16:creationId xmlns:a16="http://schemas.microsoft.com/office/drawing/2014/main" id="{D20E95ED-5F47-4B61-BFB2-C8889BD0CB95}"/>
               </a:ext>
             </a:extLst>
           </p:cNvPr>
@@ -11000,7 +14670,7 @@
             <a:spLocks noGrp="1"/>
           </p:cNvSpPr>
           <p:nvPr>
-            <p:ph sz="half" idx="2"/>
+            <p:ph type="ftr" sz="quarter" idx="11"/>
           </p:nvPr>
         </p:nvSpPr>
         <p:spPr/>
@@ -11008,98 +14678,51 @@
           <a:bodyPr/>
           <a:lstStyle/>
           <a:p>
-            <a:r>
-              <a:rPr lang="it-IT" sz="2400" b="1" i="1" dirty="0"/>
-              <a:t>complessità</a:t>
-            </a:r>
-            <a:r>
-              <a:rPr lang="it-IT" sz="2400" dirty="0"/>
-              <a:t> computazionale</a:t>
-            </a:r>
-          </a:p>
-          <a:p>
-            <a:pPr lvl="1"/>
-            <a:r>
-              <a:rPr lang="it-IT" sz="2000" dirty="0"/>
-              <a:t>caso </a:t>
-            </a:r>
-            <a:r>
-              <a:rPr lang="it-IT" sz="2000" b="1" i="1" dirty="0"/>
-              <a:t>peggiore</a:t>
-            </a:r>
-            <a:r>
-              <a:rPr lang="it-IT" sz="2000" dirty="0"/>
-              <a:t> </a:t>
-            </a:r>
-            <a:r>
-              <a:rPr lang="az-Cyrl-AZ" sz="2000" b="1" i="1" dirty="0"/>
-              <a:t>О(</a:t>
-            </a:r>
-            <a:r>
-              <a:rPr lang="it-IT" sz="2000" b="1" i="1" dirty="0"/>
-              <a:t>n)</a:t>
-            </a:r>
-          </a:p>
-          <a:p>
-            <a:pPr lvl="1"/>
-            <a:r>
-              <a:rPr lang="it-IT" sz="2000" dirty="0"/>
-              <a:t>caso </a:t>
-            </a:r>
-            <a:r>
-              <a:rPr lang="it-IT" sz="2000" b="1" i="1" dirty="0"/>
-              <a:t>ottimo O(1)</a:t>
-            </a:r>
-          </a:p>
-          <a:p>
-            <a:pPr lvl="1"/>
-            <a:r>
-              <a:rPr lang="it-IT" sz="2000" dirty="0"/>
-              <a:t>caso </a:t>
-            </a:r>
-            <a:r>
-              <a:rPr lang="it-IT" sz="2000" b="1" i="1" dirty="0"/>
-              <a:t>medio O(n/2)</a:t>
-            </a:r>
-          </a:p>
-        </p:txBody>
-      </p:sp>
-      <p:sp>
-        <p:nvSpPr>
-          <p:cNvPr id="4" name="Segnaposto piè di pagina 3">
+            <a:pPr>
+              <a:defRPr/>
+            </a:pPr>
+            <a:r>
+              <a:rPr lang="it-IT"/>
+              <a:t>Alberto Ferrari – Programmazione di applicazioni SW</a:t>
+            </a:r>
+            <a:endParaRPr lang="it-IT" dirty="0"/>
+          </a:p>
+        </p:txBody>
+      </p:sp>
+      <p:pic>
+        <p:nvPicPr>
+          <p:cNvPr id="5" name="Immagine 4">
             <a:extLst>
               <a:ext uri="{FF2B5EF4-FFF2-40B4-BE49-F238E27FC236}">
-                <a16:creationId xmlns:a16="http://schemas.microsoft.com/office/drawing/2014/main" id="{A4E00B96-0D34-4559-939D-18660F15A027}"/>
+                <a16:creationId xmlns:a16="http://schemas.microsoft.com/office/drawing/2014/main" id="{D678B8B9-0277-44FA-AB9B-A2919568FCC1}"/>
               </a:ext>
             </a:extLst>
           </p:cNvPr>
-          <p:cNvSpPr>
-            <a:spLocks noGrp="1"/>
-          </p:cNvSpPr>
-          <p:nvPr>
-            <p:ph type="ftr" sz="quarter" idx="11"/>
-          </p:nvPr>
-        </p:nvSpPr>
-        <p:spPr/>
-        <p:txBody>
-          <a:bodyPr/>
-          <a:lstStyle/>
-          <a:p>
-            <a:pPr>
-              <a:defRPr/>
-            </a:pPr>
-            <a:r>
-              <a:rPr lang="it-IT"/>
-              <a:t>Alberto Ferrari – Programmazione di applicazioni SW</a:t>
-            </a:r>
-            <a:endParaRPr lang="it-IT" dirty="0"/>
-          </a:p>
-        </p:txBody>
-      </p:sp>
+          <p:cNvPicPr>
+            <a:picLocks noChangeAspect="1"/>
+          </p:cNvPicPr>
+          <p:nvPr/>
+        </p:nvPicPr>
+        <p:blipFill>
+          <a:blip r:embed="rId2"/>
+          <a:stretch>
+            <a:fillRect/>
+          </a:stretch>
+        </p:blipFill>
+        <p:spPr>
+          <a:xfrm>
+            <a:off x="4727848" y="2068177"/>
+            <a:ext cx="3467655" cy="3467655"/>
+          </a:xfrm>
+          <a:prstGeom prst="rect">
+            <a:avLst/>
+          </a:prstGeom>
+        </p:spPr>
+      </p:pic>
     </p:spTree>
     <p:extLst>
       <p:ext uri="{BB962C8B-B14F-4D97-AF65-F5344CB8AC3E}">
-        <p14:creationId xmlns:p14="http://schemas.microsoft.com/office/powerpoint/2010/main" val="2164810018"/>
+        <p14:creationId xmlns:p14="http://schemas.microsoft.com/office/powerpoint/2010/main" val="2961799110"/>
       </p:ext>
     </p:extLst>
   </p:cSld>
@@ -11131,7 +14754,7 @@
           <p:cNvPr id="2" name="Titolo 1">
             <a:extLst>
               <a:ext uri="{FF2B5EF4-FFF2-40B4-BE49-F238E27FC236}">
-                <a16:creationId xmlns:a16="http://schemas.microsoft.com/office/drawing/2014/main" id="{5AAA4176-B7EF-49EB-A159-8D05ED74A212}"/>
+                <a16:creationId xmlns:a16="http://schemas.microsoft.com/office/drawing/2014/main" id="{171A4DC4-1B61-416A-8AEA-0F98679A6AD4}"/>
               </a:ext>
             </a:extLst>
           </p:cNvPr>
@@ -11148,18 +14771,25 @@
           <a:lstStyle/>
           <a:p>
             <a:r>
-              <a:rPr lang="it-IT" dirty="0"/>
-              <a:t>ricerca binaria</a:t>
-            </a:r>
-          </a:p>
-        </p:txBody>
-      </p:sp>
-      <p:sp>
-        <p:nvSpPr>
-          <p:cNvPr id="5" name="Segnaposto contenuto 4">
+              <a:rPr lang="it-IT" sz="2800" dirty="0"/>
+              <a:t>problemi decidibili </a:t>
+            </a:r>
+            <a:br>
+              <a:rPr lang="it-IT" sz="2800" dirty="0"/>
+            </a:br>
+            <a:r>
+              <a:rPr lang="it-IT" sz="2800" dirty="0"/>
+              <a:t>e indecidibili</a:t>
+            </a:r>
+          </a:p>
+        </p:txBody>
+      </p:sp>
+      <p:sp>
+        <p:nvSpPr>
+          <p:cNvPr id="3" name="Segnaposto contenuto 2">
             <a:extLst>
               <a:ext uri="{FF2B5EF4-FFF2-40B4-BE49-F238E27FC236}">
-                <a16:creationId xmlns:a16="http://schemas.microsoft.com/office/drawing/2014/main" id="{BCAF70DA-D659-477D-84C0-DD6EAD1BE66E}"/>
+                <a16:creationId xmlns:a16="http://schemas.microsoft.com/office/drawing/2014/main" id="{00FCAB6E-A55D-489F-A4BD-11706279DC37}"/>
               </a:ext>
             </a:extLst>
           </p:cNvPr>
@@ -11167,7 +14797,7 @@
             <a:spLocks noGrp="1"/>
           </p:cNvSpPr>
           <p:nvPr>
-            <p:ph sz="half" idx="1"/>
+            <p:ph idx="1"/>
           </p:nvPr>
         </p:nvSpPr>
         <p:spPr/>
@@ -11175,436 +14805,47 @@
           <a:bodyPr/>
           <a:lstStyle/>
           <a:p>
-            <a:pPr marL="0" indent="0">
-              <a:buNone/>
-            </a:pPr>
-            <a:r>
-              <a:rPr lang="en-US" sz="1600" b="1" dirty="0" err="1">
-                <a:latin typeface="Courier New" panose="02070309020205020404" pitchFamily="49" charset="0"/>
-                <a:cs typeface="Courier New" panose="02070309020205020404" pitchFamily="49" charset="0"/>
-              </a:rPr>
-              <a:t>int</a:t>
-            </a:r>
-            <a:r>
-              <a:rPr lang="en-US" sz="1600" b="1" dirty="0">
-                <a:latin typeface="Courier New" panose="02070309020205020404" pitchFamily="49" charset="0"/>
-                <a:cs typeface="Courier New" panose="02070309020205020404" pitchFamily="49" charset="0"/>
-              </a:rPr>
-              <a:t> </a:t>
-            </a:r>
-            <a:r>
-              <a:rPr lang="en-US" sz="1600" b="1" dirty="0" err="1">
-                <a:solidFill>
-                  <a:srgbClr val="FF0000"/>
-                </a:solidFill>
-                <a:latin typeface="Courier New" panose="02070309020205020404" pitchFamily="49" charset="0"/>
-                <a:cs typeface="Courier New" panose="02070309020205020404" pitchFamily="49" charset="0"/>
-              </a:rPr>
-              <a:t>binarySearch</a:t>
-            </a:r>
-            <a:r>
-              <a:rPr lang="en-US" sz="1600" b="1" dirty="0">
-                <a:latin typeface="Courier New" panose="02070309020205020404" pitchFamily="49" charset="0"/>
-                <a:cs typeface="Courier New" panose="02070309020205020404" pitchFamily="49" charset="0"/>
-              </a:rPr>
-              <a:t>(</a:t>
-            </a:r>
-            <a:r>
-              <a:rPr lang="en-US" sz="1600" b="1" dirty="0" err="1">
-                <a:latin typeface="Courier New" panose="02070309020205020404" pitchFamily="49" charset="0"/>
-                <a:cs typeface="Courier New" panose="02070309020205020404" pitchFamily="49" charset="0"/>
-              </a:rPr>
-              <a:t>int</a:t>
-            </a:r>
-            <a:r>
-              <a:rPr lang="en-US" sz="1600" b="1" dirty="0">
-                <a:latin typeface="Courier New" panose="02070309020205020404" pitchFamily="49" charset="0"/>
-                <a:cs typeface="Courier New" panose="02070309020205020404" pitchFamily="49" charset="0"/>
-              </a:rPr>
-              <a:t> array[], </a:t>
-            </a:r>
-            <a:r>
-              <a:rPr lang="en-US" sz="1600" b="1" dirty="0" err="1">
-                <a:latin typeface="Courier New" panose="02070309020205020404" pitchFamily="49" charset="0"/>
-                <a:cs typeface="Courier New" panose="02070309020205020404" pitchFamily="49" charset="0"/>
-              </a:rPr>
-              <a:t>int</a:t>
-            </a:r>
-            <a:r>
-              <a:rPr lang="en-US" sz="1600" b="1" dirty="0">
-                <a:latin typeface="Courier New" panose="02070309020205020404" pitchFamily="49" charset="0"/>
-                <a:cs typeface="Courier New" panose="02070309020205020404" pitchFamily="49" charset="0"/>
-              </a:rPr>
-              <a:t> size, </a:t>
-            </a:r>
-          </a:p>
-          <a:p>
-            <a:pPr marL="0" indent="0">
-              <a:buNone/>
-            </a:pPr>
-            <a:r>
-              <a:rPr lang="en-US" sz="1600" b="1" dirty="0">
-                <a:latin typeface="Courier New" panose="02070309020205020404" pitchFamily="49" charset="0"/>
-                <a:cs typeface="Courier New" panose="02070309020205020404" pitchFamily="49" charset="0"/>
-              </a:rPr>
-              <a:t>                 </a:t>
-            </a:r>
-            <a:r>
-              <a:rPr lang="en-US" sz="1600" b="1" dirty="0" err="1">
-                <a:latin typeface="Courier New" panose="02070309020205020404" pitchFamily="49" charset="0"/>
-                <a:cs typeface="Courier New" panose="02070309020205020404" pitchFamily="49" charset="0"/>
-              </a:rPr>
-              <a:t>int</a:t>
-            </a:r>
-            <a:r>
-              <a:rPr lang="en-US" sz="1600" b="1" dirty="0">
-                <a:latin typeface="Courier New" panose="02070309020205020404" pitchFamily="49" charset="0"/>
-                <a:cs typeface="Courier New" panose="02070309020205020404" pitchFamily="49" charset="0"/>
-              </a:rPr>
-              <a:t> </a:t>
-            </a:r>
-            <a:r>
-              <a:rPr lang="en-US" sz="1600" b="1" dirty="0" err="1">
-                <a:latin typeface="Courier New" panose="02070309020205020404" pitchFamily="49" charset="0"/>
-                <a:cs typeface="Courier New" panose="02070309020205020404" pitchFamily="49" charset="0"/>
-              </a:rPr>
-              <a:t>val</a:t>
-            </a:r>
-            <a:r>
-              <a:rPr lang="en-US" sz="1600" b="1" dirty="0">
-                <a:latin typeface="Courier New" panose="02070309020205020404" pitchFamily="49" charset="0"/>
-                <a:cs typeface="Courier New" panose="02070309020205020404" pitchFamily="49" charset="0"/>
-              </a:rPr>
-              <a:t>) {</a:t>
-            </a:r>
-          </a:p>
-          <a:p>
-            <a:pPr marL="0" indent="0">
-              <a:buNone/>
-            </a:pPr>
-            <a:r>
-              <a:rPr lang="en-US" sz="1600" b="1" dirty="0">
-                <a:latin typeface="Courier New" panose="02070309020205020404" pitchFamily="49" charset="0"/>
-                <a:cs typeface="Courier New" panose="02070309020205020404" pitchFamily="49" charset="0"/>
-              </a:rPr>
-              <a:t>    </a:t>
-            </a:r>
-            <a:r>
-              <a:rPr lang="en-US" sz="1600" b="1" dirty="0" err="1">
-                <a:latin typeface="Courier New" panose="02070309020205020404" pitchFamily="49" charset="0"/>
-                <a:cs typeface="Courier New" panose="02070309020205020404" pitchFamily="49" charset="0"/>
-              </a:rPr>
-              <a:t>int</a:t>
-            </a:r>
-            <a:r>
-              <a:rPr lang="en-US" sz="1600" b="1" dirty="0">
-                <a:latin typeface="Courier New" panose="02070309020205020404" pitchFamily="49" charset="0"/>
-                <a:cs typeface="Courier New" panose="02070309020205020404" pitchFamily="49" charset="0"/>
-              </a:rPr>
-              <a:t> </a:t>
-            </a:r>
-            <a:r>
-              <a:rPr lang="en-US" sz="1600" b="1" dirty="0">
-                <a:solidFill>
-                  <a:srgbClr val="FF0000"/>
-                </a:solidFill>
-                <a:latin typeface="Courier New" panose="02070309020205020404" pitchFamily="49" charset="0"/>
-                <a:cs typeface="Courier New" panose="02070309020205020404" pitchFamily="49" charset="0"/>
-              </a:rPr>
-              <a:t>first</a:t>
-            </a:r>
-            <a:r>
-              <a:rPr lang="en-US" sz="1600" b="1" dirty="0">
-                <a:latin typeface="Courier New" panose="02070309020205020404" pitchFamily="49" charset="0"/>
-                <a:cs typeface="Courier New" panose="02070309020205020404" pitchFamily="49" charset="0"/>
-              </a:rPr>
-              <a:t>, </a:t>
-            </a:r>
-            <a:r>
-              <a:rPr lang="en-US" sz="1600" b="1" dirty="0">
-                <a:solidFill>
-                  <a:srgbClr val="FF0000"/>
-                </a:solidFill>
-                <a:latin typeface="Courier New" panose="02070309020205020404" pitchFamily="49" charset="0"/>
-                <a:cs typeface="Courier New" panose="02070309020205020404" pitchFamily="49" charset="0"/>
-              </a:rPr>
-              <a:t>last</a:t>
-            </a:r>
-            <a:r>
-              <a:rPr lang="en-US" sz="1600" b="1" dirty="0">
-                <a:latin typeface="Courier New" panose="02070309020205020404" pitchFamily="49" charset="0"/>
-                <a:cs typeface="Courier New" panose="02070309020205020404" pitchFamily="49" charset="0"/>
-              </a:rPr>
-              <a:t>, </a:t>
-            </a:r>
-            <a:r>
-              <a:rPr lang="en-US" sz="1600" b="1" dirty="0">
-                <a:solidFill>
-                  <a:srgbClr val="FF0000"/>
-                </a:solidFill>
-                <a:latin typeface="Courier New" panose="02070309020205020404" pitchFamily="49" charset="0"/>
-                <a:cs typeface="Courier New" panose="02070309020205020404" pitchFamily="49" charset="0"/>
-              </a:rPr>
-              <a:t>medium</a:t>
-            </a:r>
-            <a:r>
-              <a:rPr lang="en-US" sz="1600" b="1" dirty="0">
-                <a:latin typeface="Courier New" panose="02070309020205020404" pitchFamily="49" charset="0"/>
-                <a:cs typeface="Courier New" panose="02070309020205020404" pitchFamily="49" charset="0"/>
-              </a:rPr>
-              <a:t>;</a:t>
-            </a:r>
-          </a:p>
-          <a:p>
-            <a:pPr marL="0" indent="0">
-              <a:buNone/>
-            </a:pPr>
-            <a:r>
-              <a:rPr lang="en-US" sz="1600" b="1" dirty="0">
-                <a:latin typeface="Courier New" panose="02070309020205020404" pitchFamily="49" charset="0"/>
-                <a:cs typeface="Courier New" panose="02070309020205020404" pitchFamily="49" charset="0"/>
-              </a:rPr>
-              <a:t>    first = 0;</a:t>
-            </a:r>
-          </a:p>
-          <a:p>
-            <a:pPr marL="0" indent="0">
-              <a:buNone/>
-            </a:pPr>
-            <a:r>
-              <a:rPr lang="en-US" sz="1600" b="1" dirty="0">
-                <a:latin typeface="Courier New" panose="02070309020205020404" pitchFamily="49" charset="0"/>
-                <a:cs typeface="Courier New" panose="02070309020205020404" pitchFamily="49" charset="0"/>
-              </a:rPr>
-              <a:t>    last = size - 1;</a:t>
-            </a:r>
-          </a:p>
-          <a:p>
-            <a:pPr marL="0" indent="0">
-              <a:buNone/>
-            </a:pPr>
-            <a:r>
-              <a:rPr lang="en-US" sz="1600" b="1" dirty="0">
-                <a:latin typeface="Courier New" panose="02070309020205020404" pitchFamily="49" charset="0"/>
-                <a:cs typeface="Courier New" panose="02070309020205020404" pitchFamily="49" charset="0"/>
-              </a:rPr>
-              <a:t>    while(first &lt;= last) {</a:t>
-            </a:r>
-          </a:p>
-          <a:p>
-            <a:pPr marL="0" indent="0">
-              <a:buNone/>
-            </a:pPr>
-            <a:r>
-              <a:rPr lang="en-US" sz="1600" b="1" dirty="0">
-                <a:latin typeface="Courier New" panose="02070309020205020404" pitchFamily="49" charset="0"/>
-                <a:cs typeface="Courier New" panose="02070309020205020404" pitchFamily="49" charset="0"/>
-              </a:rPr>
-              <a:t>        medium = (first + last) / 2;</a:t>
-            </a:r>
-          </a:p>
-          <a:p>
-            <a:pPr marL="0" indent="0">
-              <a:buNone/>
-            </a:pPr>
-            <a:r>
-              <a:rPr lang="en-US" sz="1600" b="1" dirty="0">
-                <a:latin typeface="Courier New" panose="02070309020205020404" pitchFamily="49" charset="0"/>
-                <a:cs typeface="Courier New" panose="02070309020205020404" pitchFamily="49" charset="0"/>
-              </a:rPr>
-              <a:t>        if(array[medium] == </a:t>
-            </a:r>
-            <a:r>
-              <a:rPr lang="en-US" sz="1600" b="1" dirty="0" err="1">
-                <a:latin typeface="Courier New" panose="02070309020205020404" pitchFamily="49" charset="0"/>
-                <a:cs typeface="Courier New" panose="02070309020205020404" pitchFamily="49" charset="0"/>
-              </a:rPr>
-              <a:t>val</a:t>
-            </a:r>
-            <a:r>
-              <a:rPr lang="en-US" sz="1600" b="1" dirty="0">
-                <a:latin typeface="Courier New" panose="02070309020205020404" pitchFamily="49" charset="0"/>
-                <a:cs typeface="Courier New" panose="02070309020205020404" pitchFamily="49" charset="0"/>
-              </a:rPr>
-              <a:t>)</a:t>
-            </a:r>
-          </a:p>
-          <a:p>
-            <a:pPr marL="0" indent="0">
-              <a:buNone/>
-            </a:pPr>
-            <a:r>
-              <a:rPr lang="en-US" sz="1600" b="1" dirty="0">
-                <a:latin typeface="Courier New" panose="02070309020205020404" pitchFamily="49" charset="0"/>
-                <a:cs typeface="Courier New" panose="02070309020205020404" pitchFamily="49" charset="0"/>
-              </a:rPr>
-              <a:t>            return </a:t>
-            </a:r>
-            <a:r>
-              <a:rPr lang="en-US" sz="1600" b="1" dirty="0">
-                <a:solidFill>
-                  <a:srgbClr val="FF0000"/>
-                </a:solidFill>
-                <a:latin typeface="Courier New" panose="02070309020205020404" pitchFamily="49" charset="0"/>
-                <a:cs typeface="Courier New" panose="02070309020205020404" pitchFamily="49" charset="0"/>
-              </a:rPr>
-              <a:t>medium; // value found</a:t>
-            </a:r>
-          </a:p>
-          <a:p>
-            <a:pPr marL="0" indent="0">
-              <a:buNone/>
-            </a:pPr>
-            <a:r>
-              <a:rPr lang="en-US" sz="1600" b="1" dirty="0">
-                <a:latin typeface="Courier New" panose="02070309020205020404" pitchFamily="49" charset="0"/>
-                <a:cs typeface="Courier New" panose="02070309020205020404" pitchFamily="49" charset="0"/>
-              </a:rPr>
-              <a:t>        if(array[medium] &lt; </a:t>
-            </a:r>
-            <a:r>
-              <a:rPr lang="en-US" sz="1600" b="1" dirty="0" err="1">
-                <a:latin typeface="Courier New" panose="02070309020205020404" pitchFamily="49" charset="0"/>
-                <a:cs typeface="Courier New" panose="02070309020205020404" pitchFamily="49" charset="0"/>
-              </a:rPr>
-              <a:t>val</a:t>
-            </a:r>
-            <a:r>
-              <a:rPr lang="en-US" sz="1600" b="1" dirty="0">
-                <a:latin typeface="Courier New" panose="02070309020205020404" pitchFamily="49" charset="0"/>
-                <a:cs typeface="Courier New" panose="02070309020205020404" pitchFamily="49" charset="0"/>
-              </a:rPr>
-              <a:t>)</a:t>
-            </a:r>
-          </a:p>
-          <a:p>
-            <a:pPr marL="0" indent="0">
-              <a:buNone/>
-            </a:pPr>
-            <a:r>
-              <a:rPr lang="en-US" sz="1600" b="1" dirty="0">
-                <a:latin typeface="Courier New" panose="02070309020205020404" pitchFamily="49" charset="0"/>
-                <a:cs typeface="Courier New" panose="02070309020205020404" pitchFamily="49" charset="0"/>
-              </a:rPr>
-              <a:t>            </a:t>
-            </a:r>
-            <a:r>
-              <a:rPr lang="en-US" sz="1600" b="1" dirty="0">
-                <a:solidFill>
-                  <a:srgbClr val="FF0000"/>
-                </a:solidFill>
-                <a:latin typeface="Courier New" panose="02070309020205020404" pitchFamily="49" charset="0"/>
-                <a:cs typeface="Courier New" panose="02070309020205020404" pitchFamily="49" charset="0"/>
-              </a:rPr>
-              <a:t>first = medium + 1</a:t>
-            </a:r>
-            <a:r>
-              <a:rPr lang="en-US" sz="1600" b="1" dirty="0">
-                <a:latin typeface="Courier New" panose="02070309020205020404" pitchFamily="49" charset="0"/>
-                <a:cs typeface="Courier New" panose="02070309020205020404" pitchFamily="49" charset="0"/>
-              </a:rPr>
-              <a:t>;</a:t>
-            </a:r>
-          </a:p>
-          <a:p>
-            <a:pPr marL="0" indent="0">
-              <a:buNone/>
-            </a:pPr>
-            <a:r>
-              <a:rPr lang="en-US" sz="1600" b="1" dirty="0">
-                <a:latin typeface="Courier New" panose="02070309020205020404" pitchFamily="49" charset="0"/>
-                <a:cs typeface="Courier New" panose="02070309020205020404" pitchFamily="49" charset="0"/>
-              </a:rPr>
-              <a:t>        else</a:t>
-            </a:r>
-          </a:p>
-          <a:p>
-            <a:pPr marL="0" indent="0">
-              <a:buNone/>
-            </a:pPr>
-            <a:r>
-              <a:rPr lang="en-US" sz="1600" b="1" dirty="0">
-                <a:latin typeface="Courier New" panose="02070309020205020404" pitchFamily="49" charset="0"/>
-                <a:cs typeface="Courier New" panose="02070309020205020404" pitchFamily="49" charset="0"/>
-              </a:rPr>
-              <a:t>            </a:t>
-            </a:r>
-            <a:r>
-              <a:rPr lang="en-US" sz="1600" b="1" dirty="0">
-                <a:solidFill>
-                  <a:srgbClr val="FF0000"/>
-                </a:solidFill>
-                <a:latin typeface="Courier New" panose="02070309020205020404" pitchFamily="49" charset="0"/>
-                <a:cs typeface="Courier New" panose="02070309020205020404" pitchFamily="49" charset="0"/>
-              </a:rPr>
-              <a:t>last = medium - 1</a:t>
-            </a:r>
-            <a:r>
-              <a:rPr lang="en-US" sz="1600" b="1" dirty="0">
-                <a:latin typeface="Courier New" panose="02070309020205020404" pitchFamily="49" charset="0"/>
-                <a:cs typeface="Courier New" panose="02070309020205020404" pitchFamily="49" charset="0"/>
-              </a:rPr>
-              <a:t>;</a:t>
-            </a:r>
-          </a:p>
-          <a:p>
-            <a:pPr marL="0" indent="0">
-              <a:buNone/>
-            </a:pPr>
-            <a:r>
-              <a:rPr lang="en-US" sz="1600" b="1" dirty="0">
-                <a:latin typeface="Courier New" panose="02070309020205020404" pitchFamily="49" charset="0"/>
-                <a:cs typeface="Courier New" panose="02070309020205020404" pitchFamily="49" charset="0"/>
-              </a:rPr>
-              <a:t>    }</a:t>
-            </a:r>
-          </a:p>
-          <a:p>
-            <a:pPr marL="0" indent="0">
-              <a:buNone/>
-            </a:pPr>
-            <a:r>
-              <a:rPr lang="en-US" sz="1600" b="1" dirty="0">
-                <a:latin typeface="Courier New" panose="02070309020205020404" pitchFamily="49" charset="0"/>
-                <a:cs typeface="Courier New" panose="02070309020205020404" pitchFamily="49" charset="0"/>
-              </a:rPr>
-              <a:t>    return </a:t>
-            </a:r>
-            <a:r>
-              <a:rPr lang="en-US" sz="1600" b="1" dirty="0">
-                <a:solidFill>
-                  <a:srgbClr val="FF0000"/>
-                </a:solidFill>
-                <a:latin typeface="Courier New" panose="02070309020205020404" pitchFamily="49" charset="0"/>
-                <a:cs typeface="Courier New" panose="02070309020205020404" pitchFamily="49" charset="0"/>
-              </a:rPr>
-              <a:t>-1; // not found</a:t>
-            </a:r>
-          </a:p>
-          <a:p>
-            <a:pPr marL="0" indent="0">
-              <a:buNone/>
-            </a:pPr>
-            <a:r>
-              <a:rPr lang="en-US" sz="1600" b="1" dirty="0">
-                <a:latin typeface="Courier New" panose="02070309020205020404" pitchFamily="49" charset="0"/>
-                <a:cs typeface="Courier New" panose="02070309020205020404" pitchFamily="49" charset="0"/>
-              </a:rPr>
-              <a:t> }</a:t>
-            </a:r>
-            <a:endParaRPr lang="it-IT" sz="1600" b="1" dirty="0">
-              <a:latin typeface="Courier New" panose="02070309020205020404" pitchFamily="49" charset="0"/>
-              <a:cs typeface="Courier New" panose="02070309020205020404" pitchFamily="49" charset="0"/>
-            </a:endParaRPr>
-          </a:p>
-        </p:txBody>
-      </p:sp>
-      <p:sp>
-        <p:nvSpPr>
-          <p:cNvPr id="6" name="Segnaposto contenuto 5">
+            <a:r>
+              <a:rPr lang="it-IT" dirty="0"/>
+              <a:t>problema </a:t>
+            </a:r>
+            <a:r>
+              <a:rPr lang="it-IT" b="1" i="1" dirty="0"/>
+              <a:t>decidibile</a:t>
+            </a:r>
+          </a:p>
+          <a:p>
+            <a:pPr lvl="1"/>
+            <a:r>
+              <a:rPr lang="it-IT" dirty="0"/>
+              <a:t>se esiste un algoritmo che produce la soluzione in tempo finito per ogni istanza dei dati di ingresso del problema</a:t>
+            </a:r>
+          </a:p>
+          <a:p>
+            <a:r>
+              <a:rPr lang="it-IT" dirty="0"/>
+              <a:t>problema </a:t>
+            </a:r>
+            <a:r>
+              <a:rPr lang="it-IT" b="1" i="1" dirty="0"/>
+              <a:t>indecidibile</a:t>
+            </a:r>
+          </a:p>
+          <a:p>
+            <a:pPr lvl="1"/>
+            <a:r>
+              <a:rPr lang="it-IT" dirty="0"/>
+              <a:t>se non esiste nessun algoritmo che produce la soluzione in tempo finito per ogni istanza dei dati di ingresso del problema</a:t>
+            </a:r>
+          </a:p>
+        </p:txBody>
+      </p:sp>
+      <p:sp>
+        <p:nvSpPr>
+          <p:cNvPr id="4" name="Segnaposto piè di pagina 3">
             <a:extLst>
               <a:ext uri="{FF2B5EF4-FFF2-40B4-BE49-F238E27FC236}">
-                <a16:creationId xmlns:a16="http://schemas.microsoft.com/office/drawing/2014/main" id="{7C897CB3-32B9-4733-8EC6-A4E9ECA3DA21}"/>
+                <a16:creationId xmlns:a16="http://schemas.microsoft.com/office/drawing/2014/main" id="{24DC3233-6B2A-4463-9905-3F6B7F0DABF3}"/>
               </a:ext>
             </a:extLst>
           </p:cNvPr>
@@ -11612,83 +14853,6 @@
             <a:spLocks noGrp="1"/>
           </p:cNvSpPr>
           <p:nvPr>
-            <p:ph sz="half" idx="2"/>
-          </p:nvPr>
-        </p:nvSpPr>
-        <p:spPr/>
-        <p:txBody>
-          <a:bodyPr/>
-          <a:lstStyle/>
-          <a:p>
-            <a:r>
-              <a:rPr lang="it-IT" sz="2400" b="1" i="1" dirty="0"/>
-              <a:t>complessità</a:t>
-            </a:r>
-            <a:r>
-              <a:rPr lang="it-IT" sz="2400" dirty="0"/>
-              <a:t> computazionale</a:t>
-            </a:r>
-          </a:p>
-          <a:p>
-            <a:pPr lvl="1"/>
-            <a:r>
-              <a:rPr lang="it-IT" sz="2000" dirty="0"/>
-              <a:t>caso </a:t>
-            </a:r>
-            <a:r>
-              <a:rPr lang="it-IT" sz="2000" b="1" i="1" dirty="0"/>
-              <a:t>peggiore</a:t>
-            </a:r>
-            <a:r>
-              <a:rPr lang="it-IT" sz="2000" dirty="0"/>
-              <a:t> </a:t>
-            </a:r>
-            <a:r>
-              <a:rPr lang="az-Cyrl-AZ" sz="2000" b="1" i="1" dirty="0"/>
-              <a:t>О(</a:t>
-            </a:r>
-            <a:r>
-              <a:rPr lang="it-IT" sz="2000" b="1" i="1" dirty="0"/>
-              <a:t>log2n) </a:t>
-            </a:r>
-          </a:p>
-          <a:p>
-            <a:pPr lvl="1"/>
-            <a:r>
-              <a:rPr lang="it-IT" sz="2000" dirty="0"/>
-              <a:t>caso</a:t>
-            </a:r>
-            <a:r>
-              <a:rPr lang="it-IT" sz="2000" b="1" i="1" dirty="0"/>
-              <a:t> ottimo O(1) </a:t>
-            </a:r>
-          </a:p>
-          <a:p>
-            <a:pPr lvl="1"/>
-            <a:r>
-              <a:rPr lang="it-IT" sz="2000" dirty="0"/>
-              <a:t>caso</a:t>
-            </a:r>
-            <a:r>
-              <a:rPr lang="it-IT" sz="2000" b="1" i="1" dirty="0"/>
-              <a:t> medio O(log2n) </a:t>
-            </a:r>
-          </a:p>
-        </p:txBody>
-      </p:sp>
-      <p:sp>
-        <p:nvSpPr>
-          <p:cNvPr id="4" name="Segnaposto piè di pagina 3">
-            <a:extLst>
-              <a:ext uri="{FF2B5EF4-FFF2-40B4-BE49-F238E27FC236}">
-                <a16:creationId xmlns:a16="http://schemas.microsoft.com/office/drawing/2014/main" id="{A4E00B96-0D34-4559-939D-18660F15A027}"/>
-              </a:ext>
-            </a:extLst>
-          </p:cNvPr>
-          <p:cNvSpPr>
-            <a:spLocks noGrp="1"/>
-          </p:cNvSpPr>
-          <p:nvPr>
             <p:ph type="ftr" sz="quarter" idx="11"/>
           </p:nvPr>
         </p:nvSpPr>
@@ -11711,7 +14875,7 @@
     </p:spTree>
     <p:extLst>
       <p:ext uri="{BB962C8B-B14F-4D97-AF65-F5344CB8AC3E}">
-        <p14:creationId xmlns:p14="http://schemas.microsoft.com/office/powerpoint/2010/main" val="4237006034"/>
+        <p14:creationId xmlns:p14="http://schemas.microsoft.com/office/powerpoint/2010/main" val="940295618"/>
       </p:ext>
     </p:extLst>
   </p:cSld>
@@ -11740,10 +14904,10 @@
       </p:grpSpPr>
       <p:sp>
         <p:nvSpPr>
-          <p:cNvPr id="6" name="Titolo 5">
+          <p:cNvPr id="2" name="Titolo 1">
             <a:extLst>
               <a:ext uri="{FF2B5EF4-FFF2-40B4-BE49-F238E27FC236}">
-                <a16:creationId xmlns:a16="http://schemas.microsoft.com/office/drawing/2014/main" id="{C6EC67D4-91FF-45EB-8DE2-528E95C5496E}"/>
+                <a16:creationId xmlns:a16="http://schemas.microsoft.com/office/drawing/2014/main" id="{622D65AE-E3AE-49C1-9144-190BEC143AB4}"/>
               </a:ext>
             </a:extLst>
           </p:cNvPr>
@@ -11760,18 +14924,18 @@
           <a:lstStyle/>
           <a:p>
             <a:r>
-              <a:rPr lang="it-IT" cap="none" dirty="0"/>
-              <a:t>ordinamento</a:t>
-            </a:r>
-          </a:p>
-        </p:txBody>
-      </p:sp>
-      <p:sp>
-        <p:nvSpPr>
-          <p:cNvPr id="7" name="Segnaposto testo 6">
+              <a:rPr lang="it-IT" sz="2800" dirty="0"/>
+              <a:t>complessità temporale</a:t>
+            </a:r>
+          </a:p>
+        </p:txBody>
+      </p:sp>
+      <p:sp>
+        <p:nvSpPr>
+          <p:cNvPr id="3" name="Segnaposto contenuto 2">
             <a:extLst>
               <a:ext uri="{FF2B5EF4-FFF2-40B4-BE49-F238E27FC236}">
-                <a16:creationId xmlns:a16="http://schemas.microsoft.com/office/drawing/2014/main" id="{37EA9FA7-F371-4287-B050-5D9514D113D3}"/>
+                <a16:creationId xmlns:a16="http://schemas.microsoft.com/office/drawing/2014/main" id="{E0964D5F-F07B-4BB1-BB20-4B96A2494463}"/>
               </a:ext>
             </a:extLst>
           </p:cNvPr>
@@ -11779,7 +14943,7 @@
             <a:spLocks noGrp="1"/>
           </p:cNvSpPr>
           <p:nvPr>
-            <p:ph type="body" idx="1"/>
+            <p:ph idx="1"/>
           </p:nvPr>
         </p:nvSpPr>
         <p:spPr/>
@@ -11788,18 +14952,117 @@
           <a:lstStyle/>
           <a:p>
             <a:r>
-              <a:rPr lang="it-IT" i="1" dirty="0"/>
-              <a:t>array – algoritmi di</a:t>
-            </a:r>
-          </a:p>
-        </p:txBody>
-      </p:sp>
-      <p:sp>
-        <p:nvSpPr>
-          <p:cNvPr id="5" name="Segnaposto piè di pagina 4">
+              <a:rPr lang="it-IT" b="1" i="1" dirty="0"/>
+              <a:t>confronto</a:t>
+            </a:r>
+            <a:r>
+              <a:rPr lang="it-IT" dirty="0"/>
+              <a:t> fra algoritmi che risolvono lo </a:t>
+            </a:r>
+            <a:r>
+              <a:rPr lang="it-IT" b="1" i="1" dirty="0"/>
+              <a:t>stesso problema</a:t>
+            </a:r>
+          </a:p>
+          <a:p>
+            <a:r>
+              <a:rPr lang="it-IT" dirty="0"/>
+              <a:t>si valuta il </a:t>
+            </a:r>
+            <a:r>
+              <a:rPr lang="it-IT" b="1" i="1" dirty="0"/>
+              <a:t>tempo di esecuzione </a:t>
+            </a:r>
+            <a:r>
+              <a:rPr lang="it-IT" dirty="0"/>
+              <a:t>(in numero di passi) in modo indipendente dalla tecnologia dell’esecutore</a:t>
+            </a:r>
+          </a:p>
+          <a:p>
+            <a:r>
+              <a:rPr lang="it-IT" dirty="0"/>
+              <a:t>in molti casi la complessità è legata al tipo o al </a:t>
+            </a:r>
+            <a:r>
+              <a:rPr lang="it-IT" b="1" i="1" dirty="0"/>
+              <a:t>numero</a:t>
+            </a:r>
+            <a:r>
+              <a:rPr lang="it-IT" dirty="0"/>
+              <a:t> dei </a:t>
+            </a:r>
+            <a:r>
+              <a:rPr lang="it-IT" b="1" i="1" dirty="0"/>
+              <a:t>dati</a:t>
+            </a:r>
+            <a:r>
+              <a:rPr lang="it-IT" dirty="0"/>
+              <a:t> di </a:t>
+            </a:r>
+            <a:r>
+              <a:rPr lang="it-IT" b="1" i="1" dirty="0"/>
+              <a:t>input</a:t>
+            </a:r>
+          </a:p>
+          <a:p>
+            <a:pPr lvl="1"/>
+            <a:r>
+              <a:rPr lang="it-IT" dirty="0"/>
+              <a:t>ad esempio la ricerca di un valore in un vettore ordinato dipende dalla dimensione del vettore</a:t>
+            </a:r>
+          </a:p>
+          <a:p>
+            <a:r>
+              <a:rPr lang="it-IT" dirty="0"/>
+              <a:t>il </a:t>
+            </a:r>
+            <a:r>
+              <a:rPr lang="it-IT" b="1" i="1" dirty="0"/>
+              <a:t>tempo</a:t>
+            </a:r>
+            <a:r>
+              <a:rPr lang="it-IT" dirty="0"/>
+              <a:t> è espresso in </a:t>
+            </a:r>
+            <a:r>
+              <a:rPr lang="it-IT" b="1" i="1" dirty="0"/>
+              <a:t>funzione</a:t>
+            </a:r>
+            <a:r>
+              <a:rPr lang="it-IT" dirty="0"/>
+              <a:t> della dimensione dei </a:t>
+            </a:r>
+            <a:r>
+              <a:rPr lang="it-IT" b="1" i="1" dirty="0"/>
+              <a:t>dati</a:t>
+            </a:r>
+            <a:r>
+              <a:rPr lang="it-IT" dirty="0"/>
+              <a:t> in ingresso </a:t>
+            </a:r>
+            <a:r>
+              <a:rPr lang="it-IT" b="1" i="1" dirty="0"/>
+              <a:t>T(n)</a:t>
+            </a:r>
+          </a:p>
+          <a:p>
+            <a:r>
+              <a:rPr lang="it-IT" dirty="0"/>
+              <a:t>per confrontare le funzioni tempo ottenute per i vari algoritmi si considerano le </a:t>
+            </a:r>
+            <a:r>
+              <a:rPr lang="it-IT" b="1" i="1" dirty="0"/>
+              <a:t>funzioni asintotiche</a:t>
+            </a:r>
+          </a:p>
+        </p:txBody>
+      </p:sp>
+      <p:sp>
+        <p:nvSpPr>
+          <p:cNvPr id="4" name="Segnaposto piè di pagina 3">
             <a:extLst>
               <a:ext uri="{FF2B5EF4-FFF2-40B4-BE49-F238E27FC236}">
-                <a16:creationId xmlns:a16="http://schemas.microsoft.com/office/drawing/2014/main" id="{33F2CA67-3B67-4279-9765-571689FFB2E2}"/>
+                <a16:creationId xmlns:a16="http://schemas.microsoft.com/office/drawing/2014/main" id="{17F53E2F-68C7-49BF-A59D-7BED67D35BA3}"/>
               </a:ext>
             </a:extLst>
           </p:cNvPr>
@@ -11829,7 +15092,7 @@
     </p:spTree>
     <p:extLst>
       <p:ext uri="{BB962C8B-B14F-4D97-AF65-F5344CB8AC3E}">
-        <p14:creationId xmlns:p14="http://schemas.microsoft.com/office/powerpoint/2010/main" val="1232502538"/>
+        <p14:creationId xmlns:p14="http://schemas.microsoft.com/office/powerpoint/2010/main" val="436258160"/>
       </p:ext>
     </p:extLst>
   </p:cSld>
@@ -11858,10 +15121,10 @@
       </p:grpSpPr>
       <p:sp>
         <p:nvSpPr>
-          <p:cNvPr id="5" name="Titolo 4">
+          <p:cNvPr id="2" name="Titolo 1">
             <a:extLst>
               <a:ext uri="{FF2B5EF4-FFF2-40B4-BE49-F238E27FC236}">
-                <a16:creationId xmlns:a16="http://schemas.microsoft.com/office/drawing/2014/main" id="{FE4AE4DA-4F91-4192-AB57-B36E3DB95DF1}"/>
+                <a16:creationId xmlns:a16="http://schemas.microsoft.com/office/drawing/2014/main" id="{AE842E7C-44AB-483D-8CB9-A03F9771E0B7}"/>
               </a:ext>
             </a:extLst>
           </p:cNvPr>
@@ -11878,19 +15141,18 @@
           <a:lstStyle/>
           <a:p>
             <a:r>
-              <a:rPr lang="it-IT" dirty="0" err="1"/>
-              <a:t>sort</a:t>
-            </a:r>
-            <a:endParaRPr lang="it-IT" dirty="0"/>
-          </a:p>
-        </p:txBody>
-      </p:sp>
-      <p:sp>
-        <p:nvSpPr>
-          <p:cNvPr id="6" name="Segnaposto contenuto 5">
+              <a:rPr lang="it-IT" dirty="0"/>
+              <a:t>funzione asintotica</a:t>
+            </a:r>
+          </a:p>
+        </p:txBody>
+      </p:sp>
+      <p:sp>
+        <p:nvSpPr>
+          <p:cNvPr id="3" name="Segnaposto contenuto 2">
             <a:extLst>
               <a:ext uri="{FF2B5EF4-FFF2-40B4-BE49-F238E27FC236}">
-                <a16:creationId xmlns:a16="http://schemas.microsoft.com/office/drawing/2014/main" id="{97E2343D-6129-451A-8EFB-E4ACBFFB9445}"/>
+                <a16:creationId xmlns:a16="http://schemas.microsoft.com/office/drawing/2014/main" id="{8FF14BE4-0615-4FD1-B3A3-E19F14A8ADBD}"/>
               </a:ext>
             </a:extLst>
           </p:cNvPr>
@@ -11908,100 +15170,104 @@
           <a:p>
             <a:r>
               <a:rPr lang="it-IT" dirty="0"/>
+              <a:t>data la funzione </a:t>
+            </a:r>
+            <a:r>
+              <a:rPr lang="it-IT" b="1" i="1" dirty="0"/>
+              <a:t>polinomiale</a:t>
+            </a:r>
+            <a:r>
+              <a:rPr lang="it-IT" dirty="0"/>
+              <a:t> </a:t>
+            </a:r>
+            <a:r>
+              <a:rPr lang="it-IT" b="1" i="1" dirty="0"/>
+              <a:t>f(n)</a:t>
+            </a:r>
+            <a:r>
+              <a:rPr lang="it-IT" dirty="0"/>
+              <a:t> che rappresenta il tempo di esecuzione dell’algoritmo al variare della dimensione n dei dati di input</a:t>
+            </a:r>
+          </a:p>
+          <a:p>
+            <a:r>
+              <a:rPr lang="it-IT" dirty="0"/>
+              <a:t>la funzione asintotica </a:t>
+            </a:r>
+            <a:r>
+              <a:rPr lang="it-IT" b="1" i="1" dirty="0"/>
+              <a:t>ignora</a:t>
+            </a:r>
+            <a:r>
+              <a:rPr lang="it-IT" dirty="0"/>
+              <a:t> le costanti moltiplicative e i termini non dominanti al crescere di n</a:t>
+            </a:r>
+          </a:p>
+          <a:p>
+            <a:pPr lvl="1"/>
+            <a:r>
+              <a:rPr lang="it-IT" dirty="0"/>
+              <a:t>es.</a:t>
+            </a:r>
+          </a:p>
+          <a:p>
+            <a:pPr lvl="1"/>
+            <a:r>
+              <a:rPr lang="it-IT" dirty="0"/>
+              <a:t>f(x) = 3x</a:t>
+            </a:r>
+            <a:r>
+              <a:rPr lang="it-IT" baseline="30000" dirty="0"/>
+              <a:t>4</a:t>
+            </a:r>
+            <a:r>
+              <a:rPr lang="it-IT" dirty="0"/>
+              <a:t> +6x</a:t>
+            </a:r>
+            <a:r>
+              <a:rPr lang="it-IT" baseline="30000" dirty="0"/>
+              <a:t>2</a:t>
+            </a:r>
+            <a:r>
+              <a:rPr lang="it-IT" dirty="0"/>
+              <a:t> + 10</a:t>
+            </a:r>
+          </a:p>
+          <a:p>
+            <a:pPr lvl="1"/>
+            <a:r>
+              <a:rPr lang="it-IT" dirty="0"/>
+              <a:t>funzione asintotica = x</a:t>
+            </a:r>
+            <a:r>
+              <a:rPr lang="it-IT" baseline="30000" dirty="0"/>
+              <a:t>4</a:t>
+            </a:r>
+          </a:p>
+          <a:p>
+            <a:pPr lvl="1"/>
+            <a:r>
+              <a:rPr lang="it-IT" dirty="0"/>
               <a:t>l’</a:t>
             </a:r>
             <a:r>
               <a:rPr lang="it-IT" b="1" i="1" dirty="0"/>
-              <a:t>ordinamento</a:t>
+              <a:t>approssimazione</a:t>
             </a:r>
             <a:r>
               <a:rPr lang="it-IT" dirty="0"/>
-              <a:t> degli elementi di un array avviene considerando il valore della </a:t>
+              <a:t> di una funzione con una funzione asintotica è molto utile per </a:t>
             </a:r>
             <a:r>
               <a:rPr lang="it-IT" b="1" i="1" dirty="0"/>
-              <a:t>chiave primaria</a:t>
-            </a:r>
-          </a:p>
-          <a:p>
+              <a:t>semplificare i calcoli</a:t>
+            </a:r>
+          </a:p>
+          <a:p>
+            <a:pPr lvl="1"/>
             <a:r>
               <a:rPr lang="it-IT" dirty="0"/>
-              <a:t>negli esempi le chiavi sono interi e la </a:t>
-            </a:r>
-            <a:r>
-              <a:rPr lang="it-IT" b="1" i="1" dirty="0"/>
-              <a:t>relazione d'ordine totale è &lt;=</a:t>
-            </a:r>
-          </a:p>
-          <a:p>
-            <a:r>
-              <a:rPr lang="it-IT" dirty="0"/>
-              <a:t>caratteristiche degli algoritmi di ordinamento:</a:t>
-            </a:r>
-          </a:p>
-          <a:p>
-            <a:pPr lvl="1"/>
-            <a:r>
-              <a:rPr lang="it-IT" b="1" i="1" dirty="0"/>
-              <a:t>efficienza</a:t>
-            </a:r>
-            <a:r>
-              <a:rPr lang="it-IT" dirty="0"/>
-              <a:t> (complessità computazionale)</a:t>
-            </a:r>
-          </a:p>
-          <a:p>
-            <a:pPr lvl="1"/>
-            <a:r>
-              <a:rPr lang="it-IT" b="1" i="1" dirty="0"/>
-              <a:t>stabilità</a:t>
-            </a:r>
-            <a:r>
-              <a:rPr lang="it-IT" dirty="0"/>
-              <a:t>: l’algoritmo è stabile se </a:t>
-            </a:r>
-            <a:r>
-              <a:rPr lang="it-IT" b="1" i="1" dirty="0"/>
-              <a:t>non altera l'ordine </a:t>
-            </a:r>
-            <a:r>
-              <a:rPr lang="it-IT" dirty="0"/>
-              <a:t>relativo di elementi dell'array aventi la stessa chiave primaria</a:t>
-            </a:r>
-          </a:p>
-          <a:p>
-            <a:pPr lvl="1"/>
-            <a:r>
-              <a:rPr lang="it-IT" b="1" i="1" dirty="0"/>
-              <a:t>sul posto</a:t>
-            </a:r>
-            <a:r>
-              <a:rPr lang="it-IT" dirty="0"/>
-              <a:t>: l’algoritmo opera sul posto se la </a:t>
-            </a:r>
-            <a:r>
-              <a:rPr lang="it-IT" b="1" i="1" dirty="0"/>
-              <a:t>dimensione</a:t>
-            </a:r>
-            <a:r>
-              <a:rPr lang="it-IT" dirty="0"/>
-              <a:t> delle </a:t>
-            </a:r>
-            <a:r>
-              <a:rPr lang="it-IT" b="1" i="1" dirty="0"/>
-              <a:t>strutture ausiliarie </a:t>
-            </a:r>
-            <a:r>
-              <a:rPr lang="it-IT" dirty="0"/>
-              <a:t>di cui necessita è </a:t>
-            </a:r>
-            <a:r>
-              <a:rPr lang="it-IT" b="1" i="1" dirty="0"/>
-              <a:t>indipendente dal numero di elementi </a:t>
-            </a:r>
-            <a:r>
-              <a:rPr lang="it-IT" dirty="0"/>
-              <a:t>dell'array da ordinare</a:t>
+              <a:t>la notazione asintotica di una funzione descrive il comportamento in modo semplificato, ignorando dettagli della formula</a:t>
             </a:r>
           </a:p>
         </p:txBody>
@@ -12011,7 +15277,7 @@
           <p:cNvPr id="4" name="Segnaposto piè di pagina 3">
             <a:extLst>
               <a:ext uri="{FF2B5EF4-FFF2-40B4-BE49-F238E27FC236}">
-                <a16:creationId xmlns:a16="http://schemas.microsoft.com/office/drawing/2014/main" id="{72E0E5EA-A839-43D5-90EB-04BEC56F4E67}"/>
+                <a16:creationId xmlns:a16="http://schemas.microsoft.com/office/drawing/2014/main" id="{69565213-9E54-4F2A-BD40-314D17680A28}"/>
               </a:ext>
             </a:extLst>
           </p:cNvPr>
@@ -12038,46 +15304,10 @@
           </a:p>
         </p:txBody>
       </p:sp>
-      <p:sp>
-        <p:nvSpPr>
-          <p:cNvPr id="7" name="Rettangolo 6">
-            <a:extLst>
-              <a:ext uri="{FF2B5EF4-FFF2-40B4-BE49-F238E27FC236}">
-                <a16:creationId xmlns:a16="http://schemas.microsoft.com/office/drawing/2014/main" id="{E120F52F-93A3-41C2-8D9D-FC983E9FD55C}"/>
-              </a:ext>
-            </a:extLst>
-          </p:cNvPr>
-          <p:cNvSpPr/>
-          <p:nvPr/>
-        </p:nvSpPr>
-        <p:spPr>
-          <a:xfrm>
-            <a:off x="6312024" y="5584310"/>
-            <a:ext cx="5614037" cy="338554"/>
-          </a:xfrm>
-          <a:prstGeom prst="rect">
-            <a:avLst/>
-          </a:prstGeom>
-        </p:spPr>
-        <p:txBody>
-          <a:bodyPr wrap="none">
-            <a:spAutoFit/>
-          </a:bodyPr>
-          <a:lstStyle/>
-          <a:p>
-            <a:r>
-              <a:rPr lang="it-IT" sz="1600" i="1" dirty="0">
-                <a:latin typeface="Century Schoolbook" panose="02040604050505020304" pitchFamily="18" charset="0"/>
-              </a:rPr>
-              <a:t>https://www.toptal.com/developers/sorting-algorithms/</a:t>
-            </a:r>
-          </a:p>
-        </p:txBody>
-      </p:sp>
     </p:spTree>
     <p:extLst>
       <p:ext uri="{BB962C8B-B14F-4D97-AF65-F5344CB8AC3E}">
-        <p14:creationId xmlns:p14="http://schemas.microsoft.com/office/powerpoint/2010/main" val="2516381520"/>
+        <p14:creationId xmlns:p14="http://schemas.microsoft.com/office/powerpoint/2010/main" val="1372454167"/>
       </p:ext>
     </p:extLst>
   </p:cSld>
@@ -12109,7 +15339,7 @@
           <p:cNvPr id="2" name="Titolo 1">
             <a:extLst>
               <a:ext uri="{FF2B5EF4-FFF2-40B4-BE49-F238E27FC236}">
-                <a16:creationId xmlns:a16="http://schemas.microsoft.com/office/drawing/2014/main" id="{FF198010-7F7C-4442-80C7-0EC930A4B94D}"/>
+                <a16:creationId xmlns:a16="http://schemas.microsoft.com/office/drawing/2014/main" id="{EB160370-567A-4DF2-A83E-F7A112A3B608}"/>
               </a:ext>
             </a:extLst>
           </p:cNvPr>
@@ -12126,18 +15356,9 @@
           <a:lstStyle/>
           <a:p>
             <a:r>
-              <a:rPr lang="it-IT" dirty="0" err="1"/>
-              <a:t>insertion</a:t>
-            </a:r>
-            <a:r>
               <a:rPr lang="it-IT" dirty="0"/>
-              <a:t> </a:t>
-            </a:r>
-            <a:r>
-              <a:rPr lang="it-IT" dirty="0" err="1"/>
-              <a:t>sort</a:t>
-            </a:r>
-            <a:endParaRPr lang="it-IT" dirty="0"/>
+              <a:t>casi</a:t>
+            </a:r>
           </a:p>
         </p:txBody>
       </p:sp>
@@ -12146,7 +15367,7 @@
           <p:cNvPr id="3" name="Segnaposto contenuto 2">
             <a:extLst>
               <a:ext uri="{FF2B5EF4-FFF2-40B4-BE49-F238E27FC236}">
-                <a16:creationId xmlns:a16="http://schemas.microsoft.com/office/drawing/2014/main" id="{CE318EB6-F65F-4E05-8866-B6B35070625E}"/>
+                <a16:creationId xmlns:a16="http://schemas.microsoft.com/office/drawing/2014/main" id="{DA13B8EE-CA8F-4CB1-830E-E81020A89E70}"/>
               </a:ext>
             </a:extLst>
           </p:cNvPr>
@@ -12154,7 +15375,7 @@
             <a:spLocks noGrp="1"/>
           </p:cNvSpPr>
           <p:nvPr>
-            <p:ph sz="half" idx="1"/>
+            <p:ph idx="1"/>
           </p:nvPr>
         </p:nvSpPr>
         <p:spPr/>
@@ -12163,143 +15384,75 @@
           <a:lstStyle/>
           <a:p>
             <a:r>
+              <a:rPr lang="it-IT" dirty="0"/>
+              <a:t>il tempo di esecuzione può essere calcolato in caso</a:t>
+            </a:r>
+          </a:p>
+          <a:p>
+            <a:pPr lvl="1"/>
+            <a:r>
+              <a:rPr lang="it-IT" sz="2400" b="1" i="1" dirty="0"/>
+              <a:t>pessimo</a:t>
+            </a:r>
+            <a:r>
               <a:rPr lang="it-IT" sz="2400" dirty="0"/>
-              <a:t>al generico passo </a:t>
-            </a:r>
+              <a:t> </a:t>
+            </a:r>
+          </a:p>
+          <a:p>
+            <a:pPr lvl="2"/>
+            <a:r>
+              <a:rPr lang="it-IT" sz="2000" dirty="0"/>
+              <a:t>dati d’ingresso che massimizzano il tempo di esecuzione</a:t>
+            </a:r>
+          </a:p>
+          <a:p>
+            <a:pPr lvl="1"/>
             <a:r>
               <a:rPr lang="it-IT" sz="2400" b="1" i="1" dirty="0"/>
-              <a:t>i</a:t>
+              <a:t>ottimo</a:t>
             </a:r>
             <a:r>
               <a:rPr lang="it-IT" sz="2400" dirty="0"/>
-              <a:t> l’array è considerato </a:t>
-            </a:r>
+              <a:t> </a:t>
+            </a:r>
+          </a:p>
+          <a:p>
+            <a:pPr lvl="2"/>
+            <a:r>
+              <a:rPr lang="it-IT" sz="2000" dirty="0"/>
+              <a:t>dati d’ingresso che minimizzano il tempo di esecuzione</a:t>
+            </a:r>
+          </a:p>
+          <a:p>
+            <a:pPr lvl="1"/>
             <a:r>
               <a:rPr lang="it-IT" sz="2400" b="1" i="1" dirty="0"/>
-              <a:t>diviso</a:t>
+              <a:t>medio</a:t>
             </a:r>
             <a:r>
               <a:rPr lang="it-IT" sz="2400" dirty="0"/>
-              <a:t> in</a:t>
-            </a:r>
-          </a:p>
-          <a:p>
-            <a:pPr lvl="1"/>
+              <a:t> </a:t>
+            </a:r>
+          </a:p>
+          <a:p>
+            <a:pPr lvl="2"/>
             <a:r>
               <a:rPr lang="it-IT" sz="2000" dirty="0"/>
-              <a:t>una sequenza di </a:t>
-            </a:r>
-            <a:r>
-              <a:rPr lang="it-IT" sz="2000" b="1" i="1" dirty="0"/>
-              <a:t>destinazione </a:t>
-            </a:r>
-            <a:br>
-              <a:rPr lang="it-IT" sz="2000" b="1" i="1" dirty="0"/>
-            </a:br>
-            <a:r>
-              <a:rPr lang="it-IT" sz="2000" b="1" i="1" dirty="0"/>
-              <a:t>a[0] ... a[i - 1] già ordinata</a:t>
-            </a:r>
-          </a:p>
-          <a:p>
-            <a:pPr lvl="1"/>
-            <a:r>
-              <a:rPr lang="it-IT" sz="2000" dirty="0"/>
-              <a:t>una sequenza di </a:t>
-            </a:r>
-            <a:r>
-              <a:rPr lang="it-IT" sz="2000" b="1" i="1" dirty="0"/>
-              <a:t>origine </a:t>
-            </a:r>
-            <a:br>
-              <a:rPr lang="it-IT" sz="2000" b="1" i="1" dirty="0"/>
-            </a:br>
-            <a:r>
-              <a:rPr lang="it-IT" sz="2000" b="1" i="1" dirty="0"/>
-              <a:t>a[i] ... a[n - 1] ancora da ordinare</a:t>
-            </a:r>
-          </a:p>
-          <a:p>
-            <a:r>
-              <a:rPr lang="it-IT" sz="2400" dirty="0"/>
-              <a:t>l'obiettivo è di </a:t>
-            </a:r>
-            <a:r>
-              <a:rPr lang="it-IT" sz="2400" b="1" i="1" dirty="0"/>
-              <a:t>inserire</a:t>
-            </a:r>
-            <a:r>
-              <a:rPr lang="it-IT" sz="2400" dirty="0"/>
-              <a:t> il valore contenuto in </a:t>
-            </a:r>
-            <a:r>
-              <a:rPr lang="it-IT" sz="2400" b="1" i="1" dirty="0"/>
-              <a:t>a[i]</a:t>
-            </a:r>
-            <a:r>
-              <a:rPr lang="it-IT" sz="2400" dirty="0"/>
-              <a:t> al </a:t>
-            </a:r>
-            <a:r>
-              <a:rPr lang="it-IT" sz="2400" b="1" i="1" dirty="0"/>
-              <a:t>posto giusto </a:t>
-            </a:r>
-            <a:r>
-              <a:rPr lang="it-IT" sz="2400" dirty="0"/>
-              <a:t>nella sequenza di destinazione facendolo scivolare a ritroso, in modo da </a:t>
-            </a:r>
-            <a:r>
-              <a:rPr lang="it-IT" sz="2400" b="1" i="1" dirty="0"/>
-              <a:t>ridurre</a:t>
-            </a:r>
-            <a:r>
-              <a:rPr lang="it-IT" sz="2400" dirty="0"/>
-              <a:t> la sequenza di origine di un elemento</a:t>
-            </a:r>
-          </a:p>
-        </p:txBody>
-      </p:sp>
-      <p:pic>
-        <p:nvPicPr>
-          <p:cNvPr id="6" name="Segnaposto contenuto 5">
+              <a:t>somma dei tempi pesata in base alla loro probabilità</a:t>
+            </a:r>
+          </a:p>
+        </p:txBody>
+      </p:sp>
+      <p:sp>
+        <p:nvSpPr>
+          <p:cNvPr id="4" name="Segnaposto piè di pagina 3">
             <a:extLst>
               <a:ext uri="{FF2B5EF4-FFF2-40B4-BE49-F238E27FC236}">
-                <a16:creationId xmlns:a16="http://schemas.microsoft.com/office/drawing/2014/main" id="{4C791489-E945-4B7F-8C67-BBFAA976BBE4}"/>
+                <a16:creationId xmlns:a16="http://schemas.microsoft.com/office/drawing/2014/main" id="{99BA0143-D090-40C7-950E-36FA47456544}"/>
               </a:ext>
             </a:extLst>
           </p:cNvPr>
-          <p:cNvPicPr>
-            <a:picLocks noGrp="1" noChangeAspect="1"/>
-          </p:cNvPicPr>
-          <p:nvPr>
-            <p:ph sz="half" idx="2"/>
-          </p:nvPr>
-        </p:nvPicPr>
-        <p:blipFill>
-          <a:blip r:embed="rId2"/>
-          <a:stretch>
-            <a:fillRect/>
-          </a:stretch>
-        </p:blipFill>
-        <p:spPr>
-          <a:xfrm>
-            <a:off x="6240016" y="1679564"/>
-            <a:ext cx="5137907" cy="3498872"/>
-          </a:xfrm>
-          <a:prstGeom prst="rect">
-            <a:avLst/>
-          </a:prstGeom>
-        </p:spPr>
-      </p:pic>
-      <p:sp>
-        <p:nvSpPr>
-          <p:cNvPr id="4" name="Segnaposto piè di pagina 3">
-            <a:extLst>
-              <a:ext uri="{FF2B5EF4-FFF2-40B4-BE49-F238E27FC236}">
-                <a16:creationId xmlns:a16="http://schemas.microsoft.com/office/drawing/2014/main" id="{4161F8E7-A048-4813-B9A4-9C7C4F8F9B56}"/>
-              </a:ext>
-            </a:extLst>
-          </p:cNvPr>
           <p:cNvSpPr>
             <a:spLocks noGrp="1"/>
           </p:cNvSpPr>
@@ -12326,7 +15479,7 @@
     </p:spTree>
     <p:extLst>
       <p:ext uri="{BB962C8B-B14F-4D97-AF65-F5344CB8AC3E}">
-        <p14:creationId xmlns:p14="http://schemas.microsoft.com/office/powerpoint/2010/main" val="1936210606"/>
+        <p14:creationId xmlns:p14="http://schemas.microsoft.com/office/powerpoint/2010/main" val="2863983943"/>
       </p:ext>
     </p:extLst>
   </p:cSld>
